--- a/期末報告企畫書與ppt/第三組動吃動吃 更0715.pptx
+++ b/期末報告企畫書與ppt/第三組動吃動吃 更0715.pptx
@@ -5,23 +5,22 @@
     <p:sldMasterId id="2147483664" r:id="rId1"/>
   </p:sldMasterIdLst>
   <p:notesMasterIdLst>
-    <p:notesMasterId r:id="rId13"/>
+    <p:notesMasterId r:id="rId12"/>
   </p:notesMasterIdLst>
   <p:handoutMasterIdLst>
-    <p:handoutMasterId r:id="rId14"/>
+    <p:handoutMasterId r:id="rId13"/>
   </p:handoutMasterIdLst>
   <p:sldIdLst>
     <p:sldId id="264" r:id="rId2"/>
     <p:sldId id="273" r:id="rId3"/>
     <p:sldId id="270" r:id="rId4"/>
     <p:sldId id="274" r:id="rId5"/>
-    <p:sldId id="280" r:id="rId6"/>
-    <p:sldId id="275" r:id="rId7"/>
-    <p:sldId id="276" r:id="rId8"/>
-    <p:sldId id="277" r:id="rId9"/>
+    <p:sldId id="275" r:id="rId6"/>
+    <p:sldId id="280" r:id="rId7"/>
+    <p:sldId id="281" r:id="rId8"/>
+    <p:sldId id="279" r:id="rId9"/>
     <p:sldId id="278" r:id="rId10"/>
-    <p:sldId id="279" r:id="rId11"/>
-    <p:sldId id="260" r:id="rId12"/>
+    <p:sldId id="260" r:id="rId11"/>
   </p:sldIdLst>
   <p:sldSz cx="9906000" cy="6858000" type="A4"/>
   <p:notesSz cx="6807200" cy="9939338"/>
@@ -122,7 +121,7 @@
   </p:defaultTextStyle>
   <p:extLst>
     <p:ext uri="{EFAFB233-063F-42B5-8137-9DF3F51BA10A}">
-      <p15:sldGuideLst xmlns:p15="http://schemas.microsoft.com/office/powerpoint/2012/main" xmlns="">
+      <p15:sldGuideLst xmlns="" xmlns:p15="http://schemas.microsoft.com/office/powerpoint/2012/main">
         <p15:guide id="1" orient="horz" pos="2160">
           <p15:clr>
             <a:srgbClr val="A4A3A4"/>
@@ -144,7 +143,7 @@
   <p:cmAuthor id="1" name="宜芬 林" initials="宜芬" lastIdx="1" clrIdx="0">
     <p:extLst>
       <p:ext uri="{19B8F6BF-5375-455C-9EA6-DF929625EA0E}">
-        <p15:presenceInfo xmlns:p15="http://schemas.microsoft.com/office/powerpoint/2012/main" xmlns="" userId="aba83431a2d473ae" providerId="Windows Live"/>
+        <p15:presenceInfo xmlns="" xmlns:p15="http://schemas.microsoft.com/office/powerpoint/2012/main" userId="aba83431a2d473ae" providerId="Windows Live"/>
       </p:ext>
     </p:extLst>
   </p:cmAuthor>
@@ -2104,7 +2103,7 @@
   </p:clrMapOvr>
   <p:extLst>
     <p:ext uri="{DCECCB84-F9BA-43D5-87BE-67443E8EF086}">
-      <p15:sldGuideLst xmlns:p15="http://schemas.microsoft.com/office/powerpoint/2012/main" xmlns="">
+      <p15:sldGuideLst xmlns="" xmlns:p15="http://schemas.microsoft.com/office/powerpoint/2012/main">
         <p15:guide id="1" orient="horz" pos="2160">
           <p15:clr>
             <a:srgbClr val="FBAE40"/>
@@ -3505,7 +3504,7 @@
           <p:cNvPr id="6" name="圖片 5">
             <a:extLst>
               <a:ext uri="{FF2B5EF4-FFF2-40B4-BE49-F238E27FC236}">
-                <a16:creationId xmlns:a16="http://schemas.microsoft.com/office/drawing/2014/main" xmlns="" id="{A38F83B7-CC73-4E3F-9287-CF590BE57B63}"/>
+                <a16:creationId xmlns="" xmlns:a16="http://schemas.microsoft.com/office/drawing/2014/main" id="{A38F83B7-CC73-4E3F-9287-CF590BE57B63}"/>
               </a:ext>
             </a:extLst>
           </p:cNvPr>
@@ -3567,7 +3566,7 @@
           <p:cNvPr id="7" name="群組 6">
             <a:extLst>
               <a:ext uri="{FF2B5EF4-FFF2-40B4-BE49-F238E27FC236}">
-                <a16:creationId xmlns:a16="http://schemas.microsoft.com/office/drawing/2014/main" xmlns="" id="{C165526D-DB92-4A98-9E03-1227F7138DBB}"/>
+                <a16:creationId xmlns="" xmlns:a16="http://schemas.microsoft.com/office/drawing/2014/main" id="{C165526D-DB92-4A98-9E03-1227F7138DBB}"/>
               </a:ext>
             </a:extLst>
           </p:cNvPr>
@@ -3587,7 +3586,7 @@
             <p:cNvPr id="8" name="圖片 7">
               <a:extLst>
                 <a:ext uri="{FF2B5EF4-FFF2-40B4-BE49-F238E27FC236}">
-                  <a16:creationId xmlns:a16="http://schemas.microsoft.com/office/drawing/2014/main" xmlns="" id="{15CFBFC1-A069-4FBC-A453-306DD6015A7E}"/>
+                  <a16:creationId xmlns="" xmlns:a16="http://schemas.microsoft.com/office/drawing/2014/main" id="{15CFBFC1-A069-4FBC-A453-306DD6015A7E}"/>
                 </a:ext>
               </a:extLst>
             </p:cNvPr>
@@ -3617,7 +3616,7 @@
             <p:cNvPr id="9" name="文字方塊 8">
               <a:extLst>
                 <a:ext uri="{FF2B5EF4-FFF2-40B4-BE49-F238E27FC236}">
-                  <a16:creationId xmlns:a16="http://schemas.microsoft.com/office/drawing/2014/main" xmlns="" id="{3DEC8BE7-DA71-4BDA-8CB8-33EEA10823B6}"/>
+                  <a16:creationId xmlns="" xmlns:a16="http://schemas.microsoft.com/office/drawing/2014/main" id="{3DEC8BE7-DA71-4BDA-8CB8-33EEA10823B6}"/>
                 </a:ext>
               </a:extLst>
             </p:cNvPr>
@@ -3667,7 +3666,7 @@
             <p:cNvPr id="10" name="矩形 9">
               <a:extLst>
                 <a:ext uri="{FF2B5EF4-FFF2-40B4-BE49-F238E27FC236}">
-                  <a16:creationId xmlns:a16="http://schemas.microsoft.com/office/drawing/2014/main" xmlns="" id="{0E2543E6-D835-43CF-8323-BB5950B7F5DC}"/>
+                  <a16:creationId xmlns="" xmlns:a16="http://schemas.microsoft.com/office/drawing/2014/main" id="{0E2543E6-D835-43CF-8323-BB5950B7F5DC}"/>
                 </a:ext>
               </a:extLst>
             </p:cNvPr>
@@ -3711,7 +3710,7 @@
             <p:cNvPr id="11" name="文字方塊 10">
               <a:extLst>
                 <a:ext uri="{FF2B5EF4-FFF2-40B4-BE49-F238E27FC236}">
-                  <a16:creationId xmlns:a16="http://schemas.microsoft.com/office/drawing/2014/main" xmlns="" id="{56E7BB63-E6A1-4E5D-BBDE-09FA7D686D38}"/>
+                  <a16:creationId xmlns="" xmlns:a16="http://schemas.microsoft.com/office/drawing/2014/main" id="{56E7BB63-E6A1-4E5D-BBDE-09FA7D686D38}"/>
                 </a:ext>
               </a:extLst>
             </p:cNvPr>
@@ -3760,7 +3759,7 @@
             <p:cNvPr id="12" name="文字方塊 11">
               <a:extLst>
                 <a:ext uri="{FF2B5EF4-FFF2-40B4-BE49-F238E27FC236}">
-                  <a16:creationId xmlns:a16="http://schemas.microsoft.com/office/drawing/2014/main" xmlns="" id="{66D811A0-564C-4DD2-8EB6-01EBFFC8B991}"/>
+                  <a16:creationId xmlns="" xmlns:a16="http://schemas.microsoft.com/office/drawing/2014/main" id="{66D811A0-564C-4DD2-8EB6-01EBFFC8B991}"/>
                 </a:ext>
               </a:extLst>
             </p:cNvPr>
@@ -3809,7 +3808,7 @@
             <p:cNvPr id="13" name="文字方塊 12">
               <a:extLst>
                 <a:ext uri="{FF2B5EF4-FFF2-40B4-BE49-F238E27FC236}">
-                  <a16:creationId xmlns:a16="http://schemas.microsoft.com/office/drawing/2014/main" xmlns="" id="{B589B725-0E0C-40CC-9549-C1BDEC14B51E}"/>
+                  <a16:creationId xmlns="" xmlns:a16="http://schemas.microsoft.com/office/drawing/2014/main" id="{B589B725-0E0C-40CC-9549-C1BDEC14B51E}"/>
                 </a:ext>
               </a:extLst>
             </p:cNvPr>
@@ -4703,14 +4702,26 @@
           <a:lstStyle/>
           <a:p>
             <a:r>
-              <a:rPr lang="zh-TW" altLang="en-US" sz="8000" dirty="0"/>
+              <a:rPr lang="zh-TW" altLang="en-US" sz="8000" b="0" spc="0" dirty="0">
+                <a:ln w="18415" cmpd="sng">
+                  <a:solidFill>
+                    <a:srgbClr val="FFFFFF"/>
+                  </a:solidFill>
+                  <a:prstDash val="solid"/>
+                </a:ln>
+                <a:solidFill>
+                  <a:srgbClr val="FFFFFF"/>
+                </a:solidFill>
+                <a:effectLst>
+                  <a:outerShdw blurRad="50800" dist="38100" dir="5400000" algn="t" rotWithShape="0">
+                    <a:prstClr val="black">
+                      <a:alpha val="40000"/>
+                    </a:prstClr>
+                  </a:outerShdw>
+                </a:effectLst>
+              </a:rPr>
               <a:t>動吃動吃</a:t>
             </a:r>
-            <a:endParaRPr lang="zh-TW" altLang="en-US" sz="8000" dirty="0">
-              <a:solidFill>
-                <a:schemeClr val="accent4"/>
-              </a:solidFill>
-            </a:endParaRPr>
           </a:p>
         </p:txBody>
       </p:sp>
@@ -4957,6 +4968,13 @@
                     <a:lumMod val="50000"/>
                   </a:schemeClr>
                 </a:solidFill>
+                <a:effectLst>
+                  <a:innerShdw blurRad="63500" dist="50800" dir="18900000">
+                    <a:prstClr val="black">
+                      <a:alpha val="50000"/>
+                    </a:prstClr>
+                  </a:innerShdw>
+                </a:effectLst>
               </a:rPr>
               <a:t>組別 </a:t>
             </a:r>
@@ -4967,6 +4985,13 @@
                     <a:lumMod val="50000"/>
                   </a:schemeClr>
                 </a:solidFill>
+                <a:effectLst>
+                  <a:innerShdw blurRad="63500" dist="50800" dir="18900000">
+                    <a:prstClr val="black">
+                      <a:alpha val="50000"/>
+                    </a:prstClr>
+                  </a:innerShdw>
+                </a:effectLst>
               </a:rPr>
               <a:t>:</a:t>
             </a:r>
@@ -4977,6 +5002,13 @@
                     <a:lumMod val="50000"/>
                   </a:schemeClr>
                 </a:solidFill>
+                <a:effectLst>
+                  <a:innerShdw blurRad="63500" dist="50800" dir="18900000">
+                    <a:prstClr val="black">
+                      <a:alpha val="50000"/>
+                    </a:prstClr>
+                  </a:innerShdw>
+                </a:effectLst>
               </a:rPr>
               <a:t> 第三組</a:t>
             </a:r>
@@ -4986,6 +5018,13 @@
                   <a:lumMod val="50000"/>
                 </a:schemeClr>
               </a:solidFill>
+              <a:effectLst>
+                <a:innerShdw blurRad="63500" dist="50800" dir="18900000">
+                  <a:prstClr val="black">
+                    <a:alpha val="50000"/>
+                  </a:prstClr>
+                </a:innerShdw>
+              </a:effectLst>
             </a:endParaRPr>
           </a:p>
           <a:p>
@@ -5006,6 +5045,13 @@
                     <a:lumMod val="50000"/>
                   </a:schemeClr>
                 </a:solidFill>
+                <a:effectLst>
+                  <a:innerShdw blurRad="63500" dist="50800" dir="18900000">
+                    <a:prstClr val="black">
+                      <a:alpha val="50000"/>
+                    </a:prstClr>
+                  </a:innerShdw>
+                </a:effectLst>
               </a:rPr>
               <a:t>指導老師 </a:t>
             </a:r>
@@ -5016,6 +5062,13 @@
                     <a:lumMod val="50000"/>
                   </a:schemeClr>
                 </a:solidFill>
+                <a:effectLst>
+                  <a:innerShdw blurRad="63500" dist="50800" dir="18900000">
+                    <a:prstClr val="black">
+                      <a:alpha val="50000"/>
+                    </a:prstClr>
+                  </a:innerShdw>
+                </a:effectLst>
               </a:rPr>
               <a:t>:</a:t>
             </a:r>
@@ -5026,6 +5079,13 @@
                     <a:lumMod val="50000"/>
                   </a:schemeClr>
                 </a:solidFill>
+                <a:effectLst>
+                  <a:innerShdw blurRad="63500" dist="50800" dir="18900000">
+                    <a:prstClr val="black">
+                      <a:alpha val="50000"/>
+                    </a:prstClr>
+                  </a:innerShdw>
+                </a:effectLst>
               </a:rPr>
               <a:t> 雅婷老師</a:t>
             </a:r>
@@ -5035,6 +5095,13 @@
                   <a:lumMod val="50000"/>
                 </a:schemeClr>
               </a:solidFill>
+              <a:effectLst>
+                <a:innerShdw blurRad="63500" dist="50800" dir="18900000">
+                  <a:prstClr val="black">
+                    <a:alpha val="50000"/>
+                  </a:prstClr>
+                </a:innerShdw>
+              </a:effectLst>
             </a:endParaRPr>
           </a:p>
         </p:txBody>
@@ -5273,12 +5340,18 @@
               <a:defRPr/>
             </a:pPr>
             <a:r>
-              <a:rPr lang="zh-TW" altLang="en-US" sz="2800" dirty="0">
-                <a:solidFill>
-                  <a:schemeClr val="accent4"/>
+              <a:rPr lang="zh-TW" altLang="en-US" sz="2800" b="0" dirty="0">
+                <a:ln w="18415" cmpd="sng">
+                  <a:solidFill>
+                    <a:srgbClr val="FFFFFF"/>
+                  </a:solidFill>
+                  <a:prstDash val="solid"/>
+                </a:ln>
+                <a:solidFill>
+                  <a:srgbClr val="FFFFFF"/>
                 </a:solidFill>
                 <a:effectLst>
-                  <a:outerShdw blurRad="50800" dist="38100" dir="2700000" algn="tl" rotWithShape="0">
+                  <a:outerShdw blurRad="50800" dist="38100" dir="5400000" algn="t" rotWithShape="0">
                     <a:prstClr val="black">
                       <a:alpha val="40000"/>
                     </a:prstClr>
@@ -5288,12 +5361,18 @@
               <a:t>組員 </a:t>
             </a:r>
             <a:r>
-              <a:rPr lang="en-US" altLang="zh-TW" sz="2800" dirty="0">
-                <a:solidFill>
-                  <a:schemeClr val="accent4"/>
+              <a:rPr lang="en-US" altLang="zh-TW" sz="2800" b="0" dirty="0">
+                <a:ln w="18415" cmpd="sng">
+                  <a:solidFill>
+                    <a:srgbClr val="FFFFFF"/>
+                  </a:solidFill>
+                  <a:prstDash val="solid"/>
+                </a:ln>
+                <a:solidFill>
+                  <a:srgbClr val="FFFFFF"/>
                 </a:solidFill>
                 <a:effectLst>
-                  <a:outerShdw blurRad="50800" dist="38100" dir="2700000" algn="tl" rotWithShape="0">
+                  <a:outerShdw blurRad="50800" dist="38100" dir="5400000" algn="t" rotWithShape="0">
                     <a:prstClr val="black">
                       <a:alpha val="40000"/>
                     </a:prstClr>
@@ -5303,12 +5382,18 @@
               <a:t>:</a:t>
             </a:r>
             <a:r>
-              <a:rPr lang="zh-TW" altLang="en-US" sz="2800" dirty="0">
-                <a:solidFill>
-                  <a:schemeClr val="accent4"/>
+              <a:rPr lang="zh-TW" altLang="en-US" sz="2800" b="0" dirty="0">
+                <a:ln w="18415" cmpd="sng">
+                  <a:solidFill>
+                    <a:srgbClr val="FFFFFF"/>
+                  </a:solidFill>
+                  <a:prstDash val="solid"/>
+                </a:ln>
+                <a:solidFill>
+                  <a:srgbClr val="FFFFFF"/>
                 </a:solidFill>
                 <a:effectLst>
-                  <a:outerShdw blurRad="50800" dist="38100" dir="2700000" algn="tl" rotWithShape="0">
+                  <a:outerShdw blurRad="50800" dist="38100" dir="5400000" algn="t" rotWithShape="0">
                     <a:prstClr val="black">
                       <a:alpha val="40000"/>
                     </a:prstClr>
@@ -5318,12 +5403,18 @@
               <a:t> 蔡佳樺、</a:t>
             </a:r>
             <a:r>
-              <a:rPr lang="zh-TW" altLang="en-US" sz="2800" dirty="0" smtClean="0">
-                <a:solidFill>
-                  <a:schemeClr val="accent4"/>
+              <a:rPr lang="zh-TW" altLang="en-US" sz="2800" b="0" dirty="0" smtClean="0">
+                <a:ln w="18415" cmpd="sng">
+                  <a:solidFill>
+                    <a:srgbClr val="FFFFFF"/>
+                  </a:solidFill>
+                  <a:prstDash val="solid"/>
+                </a:ln>
+                <a:solidFill>
+                  <a:srgbClr val="FFFFFF"/>
                 </a:solidFill>
                 <a:effectLst>
-                  <a:outerShdw blurRad="50800" dist="38100" dir="2700000" algn="tl" rotWithShape="0">
+                  <a:outerShdw blurRad="50800" dist="38100" dir="5400000" algn="t" rotWithShape="0">
                     <a:prstClr val="black">
                       <a:alpha val="40000"/>
                     </a:prstClr>
@@ -5332,12 +5423,18 @@
               </a:rPr>
               <a:t>鍾孟穎</a:t>
             </a:r>
-            <a:endParaRPr lang="en-US" altLang="zh-TW" sz="2800" dirty="0">
+            <a:endParaRPr lang="en-US" altLang="zh-TW" sz="2800" b="0" dirty="0">
+              <a:ln w="18415" cmpd="sng">
+                <a:solidFill>
+                  <a:srgbClr val="FFFFFF"/>
+                </a:solidFill>
+                <a:prstDash val="solid"/>
+              </a:ln>
               <a:solidFill>
-                <a:schemeClr val="accent4"/>
+                <a:srgbClr val="FFFFFF"/>
               </a:solidFill>
               <a:effectLst>
-                <a:outerShdw blurRad="50800" dist="38100" dir="2700000" algn="tl" rotWithShape="0">
+                <a:outerShdw blurRad="50800" dist="38100" dir="5400000" algn="t" rotWithShape="0">
                   <a:prstClr val="black">
                     <a:alpha val="40000"/>
                   </a:prstClr>
@@ -5357,12 +5454,18 @@
               <a:defRPr/>
             </a:pPr>
             <a:r>
-              <a:rPr lang="zh-TW" altLang="en-US" sz="2800" dirty="0">
-                <a:solidFill>
-                  <a:schemeClr val="accent4"/>
+              <a:rPr lang="zh-TW" altLang="en-US" sz="2800" b="0" dirty="0">
+                <a:ln w="18415" cmpd="sng">
+                  <a:solidFill>
+                    <a:srgbClr val="FFFFFF"/>
+                  </a:solidFill>
+                  <a:prstDash val="solid"/>
+                </a:ln>
+                <a:solidFill>
+                  <a:srgbClr val="FFFFFF"/>
                 </a:solidFill>
                 <a:effectLst>
-                  <a:outerShdw blurRad="50800" dist="38100" dir="2700000" algn="tl" rotWithShape="0">
+                  <a:outerShdw blurRad="50800" dist="38100" dir="5400000" algn="t" rotWithShape="0">
                     <a:prstClr val="black">
                       <a:alpha val="40000"/>
                     </a:prstClr>
@@ -5371,12 +5474,18 @@
               </a:rPr>
               <a:t>           林宜芬、賴威宇</a:t>
             </a:r>
-            <a:endParaRPr lang="en-US" altLang="zh-TW" sz="2800" dirty="0">
+            <a:endParaRPr lang="en-US" altLang="zh-TW" sz="2800" b="0" dirty="0">
+              <a:ln w="18415" cmpd="sng">
+                <a:solidFill>
+                  <a:srgbClr val="FFFFFF"/>
+                </a:solidFill>
+                <a:prstDash val="solid"/>
+              </a:ln>
               <a:solidFill>
-                <a:schemeClr val="accent4"/>
+                <a:srgbClr val="FFFFFF"/>
               </a:solidFill>
               <a:effectLst>
-                <a:outerShdw blurRad="50800" dist="38100" dir="2700000" algn="tl" rotWithShape="0">
+                <a:outerShdw blurRad="50800" dist="38100" dir="5400000" algn="t" rotWithShape="0">
                   <a:prstClr val="black">
                     <a:alpha val="40000"/>
                   </a:prstClr>
@@ -6070,113 +6179,6 @@
       </p:grpSpPr>
       <p:sp>
         <p:nvSpPr>
-          <p:cNvPr id="4" name="標題 3"/>
-          <p:cNvSpPr>
-            <a:spLocks noGrp="1"/>
-          </p:cNvSpPr>
-          <p:nvPr>
-            <p:ph type="title" idx="4294967295"/>
-          </p:nvPr>
-        </p:nvSpPr>
-        <p:spPr>
-          <a:xfrm>
-            <a:off x="632520" y="0"/>
-            <a:ext cx="8640960" cy="692696"/>
-          </a:xfrm>
-          <a:prstGeom prst="rect">
-            <a:avLst/>
-          </a:prstGeom>
-        </p:spPr>
-        <p:txBody>
-          <a:bodyPr/>
-          <a:lstStyle/>
-          <a:p>
-            <a:r>
-              <a:rPr lang="zh-TW" altLang="en-US" b="0" dirty="0"/>
-              <a:t>網站架構圖</a:t>
-            </a:r>
-          </a:p>
-        </p:txBody>
-      </p:sp>
-      <p:pic>
-        <p:nvPicPr>
-          <p:cNvPr id="3074" name="Picture 2">
-            <a:extLst>
-              <a:ext uri="{FF2B5EF4-FFF2-40B4-BE49-F238E27FC236}">
-                <a16:creationId xmlns:a16="http://schemas.microsoft.com/office/drawing/2014/main" xmlns="" id="{A743AC94-8722-3F7C-7A11-5B9BF90F67D4}"/>
-              </a:ext>
-            </a:extLst>
-          </p:cNvPr>
-          <p:cNvPicPr>
-            <a:picLocks noChangeAspect="1" noChangeArrowheads="1"/>
-          </p:cNvPicPr>
-          <p:nvPr/>
-        </p:nvPicPr>
-        <p:blipFill>
-          <a:blip r:embed="rId2">
-            <a:extLst>
-              <a:ext uri="{28A0092B-C50C-407E-A947-70E740481C1C}">
-                <a14:useLocalDpi xmlns:a14="http://schemas.microsoft.com/office/drawing/2010/main" val="0"/>
-              </a:ext>
-            </a:extLst>
-          </a:blip>
-          <a:srcRect/>
-          <a:stretch>
-            <a:fillRect/>
-          </a:stretch>
-        </p:blipFill>
-        <p:spPr bwMode="auto">
-          <a:xfrm>
-            <a:off x="123825" y="690563"/>
-            <a:ext cx="9658350" cy="5476875"/>
-          </a:xfrm>
-          <a:prstGeom prst="rect">
-            <a:avLst/>
-          </a:prstGeom>
-          <a:noFill/>
-          <a:extLst>
-            <a:ext uri="{909E8E84-426E-40DD-AFC4-6F175D3DCCD1}">
-              <a14:hiddenFill xmlns:a14="http://schemas.microsoft.com/office/drawing/2010/main">
-                <a:solidFill>
-                  <a:srgbClr val="FFFFFF"/>
-                </a:solidFill>
-              </a14:hiddenFill>
-            </a:ext>
-          </a:extLst>
-        </p:spPr>
-      </p:pic>
-    </p:spTree>
-    <p:extLst>
-      <p:ext uri="{BB962C8B-B14F-4D97-AF65-F5344CB8AC3E}">
-        <p14:creationId xmlns:p14="http://schemas.microsoft.com/office/powerpoint/2010/main" val="3004687195"/>
-      </p:ext>
-    </p:extLst>
-  </p:cSld>
-  <p:clrMapOvr>
-    <a:masterClrMapping/>
-  </p:clrMapOvr>
-</p:sld>
-</file>
-
-<file path=ppt/slides/slide11.xml><?xml version="1.0" encoding="utf-8"?>
-<p:sld xmlns:a="http://schemas.openxmlformats.org/drawingml/2006/main" xmlns:r="http://schemas.openxmlformats.org/officeDocument/2006/relationships" xmlns:p="http://schemas.openxmlformats.org/presentationml/2006/main">
-  <p:cSld>
-    <p:spTree>
-      <p:nvGrpSpPr>
-        <p:cNvPr id="1" name=""/>
-        <p:cNvGrpSpPr/>
-        <p:nvPr/>
-      </p:nvGrpSpPr>
-      <p:grpSpPr>
-        <a:xfrm>
-          <a:off x="0" y="0"/>
-          <a:ext cx="0" cy="0"/>
-          <a:chOff x="0" y="0"/>
-          <a:chExt cx="0" cy="0"/>
-        </a:xfrm>
-      </p:grpSpPr>
-      <p:sp>
-        <p:nvSpPr>
           <p:cNvPr id="3" name="文字方塊 2"/>
           <p:cNvSpPr txBox="1"/>
           <p:nvPr/>
@@ -6335,7 +6337,15 @@
           <a:lstStyle/>
           <a:p>
             <a:r>
-              <a:rPr lang="zh-TW" altLang="en-US" sz="4000" dirty="0"/>
+              <a:rPr lang="zh-TW" altLang="en-US" sz="4000" dirty="0">
+                <a:effectLst>
+                  <a:innerShdw blurRad="63500" dist="50800" dir="18900000">
+                    <a:prstClr val="black">
+                      <a:alpha val="50000"/>
+                    </a:prstClr>
+                  </a:innerShdw>
+                </a:effectLst>
+              </a:rPr>
               <a:t>小組成員與分工介紹</a:t>
             </a:r>
           </a:p>
@@ -7094,39 +7104,6 @@
       </p:grpSpPr>
       <p:sp>
         <p:nvSpPr>
-          <p:cNvPr id="4" name="標題 3"/>
-          <p:cNvSpPr>
-            <a:spLocks noGrp="1"/>
-          </p:cNvSpPr>
-          <p:nvPr>
-            <p:ph type="title" idx="4294967295"/>
-          </p:nvPr>
-        </p:nvSpPr>
-        <p:spPr>
-          <a:xfrm>
-            <a:off x="705120" y="286504"/>
-            <a:ext cx="8640960" cy="692696"/>
-          </a:xfrm>
-          <a:prstGeom prst="rect">
-            <a:avLst/>
-          </a:prstGeom>
-        </p:spPr>
-        <p:txBody>
-          <a:bodyPr>
-            <a:noAutofit/>
-          </a:bodyPr>
-          <a:lstStyle/>
-          <a:p>
-            <a:r>
-              <a:rPr lang="zh-TW" altLang="en-US" sz="4000" dirty="0" smtClean="0"/>
-              <a:t>目錄</a:t>
-            </a:r>
-            <a:endParaRPr lang="zh-TW" altLang="en-US" sz="4000" dirty="0"/>
-          </a:p>
-        </p:txBody>
-      </p:sp>
-      <p:sp>
-        <p:nvSpPr>
           <p:cNvPr id="6" name="內容版面配置區 1"/>
           <p:cNvSpPr txBox="1">
             <a:spLocks/>
@@ -7135,8 +7112,8 @@
         </p:nvSpPr>
         <p:spPr bwMode="ltGray">
           <a:xfrm>
-            <a:off x="729655" y="1124744"/>
-            <a:ext cx="8640960" cy="5112568"/>
+            <a:off x="588694" y="332656"/>
+            <a:ext cx="8900810" cy="6048672"/>
           </a:xfrm>
           <a:prstGeom prst="rect">
             <a:avLst/>
@@ -7499,8 +7476,25 @@
                   </a:schemeClr>
                 </a:solidFill>
               </a:rPr>
-              <a:t>目標客群</a:t>
-            </a:r>
+              <a:t>目標客</a:t>
+            </a:r>
+            <a:r>
+              <a:rPr lang="zh-TW" altLang="en-US" sz="3000" dirty="0" smtClean="0">
+                <a:solidFill>
+                  <a:schemeClr val="bg2">
+                    <a:lumMod val="10000"/>
+                  </a:schemeClr>
+                </a:solidFill>
+              </a:rPr>
+              <a:t>群</a:t>
+            </a:r>
+            <a:endParaRPr lang="en-US" altLang="zh-TW" sz="3000" dirty="0" smtClean="0">
+              <a:solidFill>
+                <a:schemeClr val="bg2">
+                  <a:lumMod val="10000"/>
+                </a:schemeClr>
+              </a:solidFill>
+            </a:endParaRPr>
           </a:p>
           <a:p>
             <a:pPr marL="876300" lvl="1" indent="-514350">
@@ -7513,70 +7507,44 @@
               <a:buAutoNum type="arabicPeriod"/>
             </a:pPr>
             <a:r>
-              <a:rPr lang="en-US" altLang="zh-TW" sz="3000" dirty="0">
+              <a:rPr lang="zh-TW" altLang="en-US" sz="3000" dirty="0">
                 <a:solidFill>
                   <a:schemeClr val="bg2">
                     <a:lumMod val="10000"/>
                   </a:schemeClr>
                 </a:solidFill>
               </a:rPr>
-              <a:t>Logo</a:t>
-            </a:r>
-            <a:r>
-              <a:rPr lang="zh-TW" altLang="en-US" sz="3000" dirty="0">
+              <a:t>網站架構圖 </a:t>
+            </a:r>
+            <a:r>
+              <a:rPr lang="en-US" altLang="zh-TW" sz="3000" dirty="0">
                 <a:solidFill>
                   <a:schemeClr val="bg2">
                     <a:lumMod val="10000"/>
                   </a:schemeClr>
                 </a:solidFill>
               </a:rPr>
-              <a:t>設計 </a:t>
-            </a:r>
-            <a:r>
-              <a:rPr lang="en-US" altLang="zh-TW" sz="3000" dirty="0">
-                <a:solidFill>
-                  <a:schemeClr val="bg2">
-                    <a:lumMod val="10000"/>
-                  </a:schemeClr>
-                </a:solidFill>
-              </a:rPr>
               <a:t>| </a:t>
             </a:r>
             <a:r>
               <a:rPr lang="zh-TW" altLang="en-US" sz="3000" dirty="0">
                 <a:solidFill>
-                  <a:schemeClr val="bg2">
-                    <a:lumMod val="10000"/>
-                  </a:schemeClr>
-                </a:solidFill>
-              </a:rPr>
-              <a:t>色彩計畫 </a:t>
-            </a:r>
-            <a:r>
-              <a:rPr lang="en-US" altLang="zh-TW" sz="3000" dirty="0">
-                <a:solidFill>
-                  <a:schemeClr val="bg2">
-                    <a:lumMod val="10000"/>
-                  </a:schemeClr>
-                </a:solidFill>
-              </a:rPr>
-              <a:t>| </a:t>
-            </a:r>
-            <a:r>
-              <a:rPr lang="zh-TW" altLang="en-US" sz="3000" dirty="0">
-                <a:solidFill>
-                  <a:schemeClr val="bg2">
-                    <a:lumMod val="10000"/>
-                  </a:schemeClr>
-                </a:solidFill>
-              </a:rPr>
-              <a:t>色彩配置 </a:t>
-            </a:r>
-            <a:endParaRPr lang="en-US" altLang="zh-TW" sz="3000" dirty="0" smtClean="0">
+                  <a:srgbClr val="FF0000"/>
+                </a:solidFill>
+              </a:rPr>
+              <a:t>網站</a:t>
+            </a:r>
+            <a:r>
+              <a:rPr lang="zh-TW" altLang="en-US" sz="3000" dirty="0" smtClean="0">
+                <a:solidFill>
+                  <a:srgbClr val="FF0000"/>
+                </a:solidFill>
+              </a:rPr>
+              <a:t>流程圖</a:t>
+            </a:r>
+            <a:endParaRPr lang="zh-TW" altLang="en-US" sz="3000" dirty="0">
               <a:solidFill>
-                <a:schemeClr val="bg2">
-                  <a:lumMod val="10000"/>
-                </a:schemeClr>
+                <a:srgbClr val="FF0000"/>
               </a:solidFill>
             </a:endParaRPr>
           </a:p>
@@ -7591,14 +7559,14 @@
               <a:buAutoNum type="arabicPeriod"/>
             </a:pPr>
             <a:r>
-              <a:rPr lang="zh-TW" altLang="en-US" sz="3000" dirty="0" smtClean="0">
+              <a:rPr lang="en-US" altLang="zh-TW" sz="3000" dirty="0">
                 <a:solidFill>
                   <a:schemeClr val="bg2">
                     <a:lumMod val="10000"/>
                   </a:schemeClr>
                 </a:solidFill>
               </a:rPr>
-              <a:t>網站</a:t>
+              <a:t>Logo</a:t>
             </a:r>
             <a:r>
               <a:rPr lang="zh-TW" altLang="en-US" sz="3000" dirty="0">
@@ -7608,7 +7576,7 @@
                   </a:schemeClr>
                 </a:solidFill>
               </a:rPr>
-              <a:t>架構圖 </a:t>
+              <a:t>設計 </a:t>
             </a:r>
             <a:r>
               <a:rPr lang="en-US" altLang="zh-TW" sz="3000" dirty="0">
@@ -7628,8 +7596,35 @@
                   </a:schemeClr>
                 </a:solidFill>
               </a:rPr>
-              <a:t>網站流程圖</a:t>
-            </a:r>
+              <a:t>色彩計畫 </a:t>
+            </a:r>
+            <a:r>
+              <a:rPr lang="en-US" altLang="zh-TW" sz="3000" dirty="0">
+                <a:solidFill>
+                  <a:schemeClr val="bg2">
+                    <a:lumMod val="10000"/>
+                  </a:schemeClr>
+                </a:solidFill>
+              </a:rPr>
+              <a:t>| </a:t>
+            </a:r>
+            <a:r>
+              <a:rPr lang="zh-TW" altLang="en-US" sz="3000" dirty="0">
+                <a:solidFill>
+                  <a:schemeClr val="bg2">
+                    <a:lumMod val="10000"/>
+                  </a:schemeClr>
+                </a:solidFill>
+              </a:rPr>
+              <a:t>色彩配置 </a:t>
+            </a:r>
+            <a:endParaRPr lang="en-US" altLang="zh-TW" sz="3000" dirty="0" smtClean="0">
+              <a:solidFill>
+                <a:schemeClr val="bg2">
+                  <a:lumMod val="10000"/>
+                </a:schemeClr>
+              </a:solidFill>
+            </a:endParaRPr>
           </a:p>
           <a:p>
             <a:pPr marL="876300" lvl="1" indent="-514350">
@@ -7642,14 +7637,24 @@
               <a:buAutoNum type="arabicPeriod"/>
             </a:pPr>
             <a:r>
-              <a:rPr lang="zh-TW" altLang="en-US" sz="3000" dirty="0">
+              <a:rPr lang="zh-TW" altLang="en-US" sz="3000" dirty="0" smtClean="0">
                 <a:solidFill>
                   <a:schemeClr val="bg2">
                     <a:lumMod val="10000"/>
                   </a:schemeClr>
                 </a:solidFill>
               </a:rPr>
-              <a:t>網站功能介紹 </a:t>
+              <a:t>網站</a:t>
+            </a:r>
+            <a:r>
+              <a:rPr lang="zh-TW" altLang="en-US" sz="3000" dirty="0">
+                <a:solidFill>
+                  <a:schemeClr val="bg2">
+                    <a:lumMod val="10000"/>
+                  </a:schemeClr>
+                </a:solidFill>
+              </a:rPr>
+              <a:t>功能介紹 </a:t>
             </a:r>
           </a:p>
           <a:p>
@@ -7707,6 +7712,54 @@
                 <a:schemeClr val="bg2">
                   <a:lumMod val="10000"/>
                 </a:schemeClr>
+              </a:solidFill>
+            </a:endParaRPr>
+          </a:p>
+        </p:txBody>
+      </p:sp>
+      <p:sp>
+        <p:nvSpPr>
+          <p:cNvPr id="4" name="標題 3"/>
+          <p:cNvSpPr>
+            <a:spLocks noGrp="1"/>
+          </p:cNvSpPr>
+          <p:nvPr>
+            <p:ph type="title" idx="4294967295"/>
+          </p:nvPr>
+        </p:nvSpPr>
+        <p:spPr>
+          <a:xfrm>
+            <a:off x="704528" y="476672"/>
+            <a:ext cx="8640960" cy="692696"/>
+          </a:xfrm>
+          <a:prstGeom prst="rect">
+            <a:avLst/>
+          </a:prstGeom>
+        </p:spPr>
+        <p:txBody>
+          <a:bodyPr>
+            <a:noAutofit/>
+            <a:scene3d>
+              <a:camera prst="orthographicFront"/>
+              <a:lightRig rig="threePt" dir="t"/>
+            </a:scene3d>
+            <a:sp3d extrusionH="57150">
+              <a:bevelT w="38100" h="38100"/>
+            </a:sp3d>
+          </a:bodyPr>
+          <a:lstStyle/>
+          <a:p>
+            <a:r>
+              <a:rPr lang="zh-TW" altLang="en-US" sz="4000" dirty="0" smtClean="0">
+                <a:solidFill>
+                  <a:schemeClr val="tx1"/>
+                </a:solidFill>
+              </a:rPr>
+              <a:t>目錄</a:t>
+            </a:r>
+            <a:endParaRPr lang="zh-TW" altLang="en-US" sz="4000" dirty="0">
+              <a:solidFill>
+                <a:schemeClr val="tx1"/>
               </a:solidFill>
             </a:endParaRPr>
           </a:p>
@@ -7735,8 +7788,8 @@
         </p:blipFill>
         <p:spPr bwMode="auto">
           <a:xfrm>
-            <a:off x="6177136" y="5265499"/>
-            <a:ext cx="3024336" cy="713767"/>
+            <a:off x="5844689" y="4941168"/>
+            <a:ext cx="3356194" cy="792088"/>
           </a:xfrm>
           <a:prstGeom prst="roundRect">
             <a:avLst>
@@ -7754,15 +7807,7 @@
           <a:effectLst>
             <a:reflection blurRad="12700" stA="38000" endPos="28000" dist="5000" dir="5400000" sy="-100000" algn="bl" rotWithShape="0"/>
           </a:effectLst>
-          <a:extLst>
-            <a:ext uri="{909E8E84-426E-40DD-AFC4-6F175D3DCCD1}">
-              <a14:hiddenFill xmlns:a14="http://schemas.microsoft.com/office/drawing/2010/main">
-                <a:solidFill>
-                  <a:srgbClr val="FFFFFF"/>
-                </a:solidFill>
-              </a14:hiddenFill>
-            </a:ext>
-          </a:extLst>
+          <a:extLst/>
         </p:spPr>
       </p:pic>
     </p:spTree>
@@ -7828,7 +7873,15 @@
           <a:lstStyle/>
           <a:p>
             <a:r>
-              <a:rPr lang="zh-TW" altLang="en-US" sz="4000" dirty="0"/>
+              <a:rPr lang="zh-TW" altLang="en-US" sz="4000" dirty="0">
+                <a:effectLst>
+                  <a:innerShdw blurRad="63500" dist="50800" dir="18900000">
+                    <a:prstClr val="black">
+                      <a:alpha val="50000"/>
+                    </a:prstClr>
+                  </a:innerShdw>
+                </a:effectLst>
+              </a:rPr>
               <a:t>開發技術與工具</a:t>
             </a:r>
           </a:p>
@@ -8131,7 +8184,7 @@
         </p:blipFill>
         <p:spPr bwMode="auto">
           <a:xfrm>
-            <a:off x="560511" y="1700808"/>
+            <a:off x="560511" y="1552733"/>
             <a:ext cx="2703796" cy="1584176"/>
           </a:xfrm>
           <a:prstGeom prst="rect">
@@ -8165,13 +8218,13 @@
               </a:ext>
             </a:extLst>
           </a:blip>
-          <a:srcRect l="6711" t="35782" r="56052" b="32109"/>
+          <a:srcRect l="6711" t="35783" r="59443" b="35081"/>
           <a:stretch/>
         </p:blipFill>
         <p:spPr bwMode="auto">
           <a:xfrm>
-            <a:off x="704528" y="3681028"/>
-            <a:ext cx="2695575" cy="1290637"/>
+            <a:off x="4089497" y="3521741"/>
+            <a:ext cx="1871615" cy="894637"/>
           </a:xfrm>
           <a:prstGeom prst="rect">
             <a:avLst/>
@@ -8213,8 +8266,354 @@
         </p:blipFill>
         <p:spPr bwMode="auto">
           <a:xfrm>
-            <a:off x="4664968" y="2492896"/>
-            <a:ext cx="4076701" cy="1373020"/>
+            <a:off x="4074632" y="4923528"/>
+            <a:ext cx="2183648" cy="735446"/>
+          </a:xfrm>
+          <a:prstGeom prst="rect">
+            <a:avLst/>
+          </a:prstGeom>
+          <a:noFill/>
+          <a:extLst>
+            <a:ext uri="{909E8E84-426E-40DD-AFC4-6F175D3DCCD1}">
+              <a14:hiddenFill xmlns:a14="http://schemas.microsoft.com/office/drawing/2010/main">
+                <a:solidFill>
+                  <a:srgbClr val="FFFFFF"/>
+                </a:solidFill>
+              </a14:hiddenFill>
+            </a:ext>
+          </a:extLst>
+        </p:spPr>
+      </p:pic>
+      <p:pic>
+        <p:nvPicPr>
+          <p:cNvPr id="1026" name="Picture 2" descr="D:\本地全端應用網站開發120D\大專\start_fitness\Maria\img\bootstrap.png"/>
+          <p:cNvPicPr>
+            <a:picLocks noChangeAspect="1" noChangeArrowheads="1"/>
+          </p:cNvPicPr>
+          <p:nvPr/>
+        </p:nvPicPr>
+        <p:blipFill>
+          <a:blip r:embed="rId5" cstate="print">
+            <a:extLst>
+              <a:ext uri="{28A0092B-C50C-407E-A947-70E740481C1C}">
+                <a14:useLocalDpi xmlns:a14="http://schemas.microsoft.com/office/drawing/2010/main" val="0"/>
+              </a:ext>
+            </a:extLst>
+          </a:blip>
+          <a:srcRect/>
+          <a:stretch>
+            <a:fillRect/>
+          </a:stretch>
+        </p:blipFill>
+        <p:spPr bwMode="auto">
+          <a:xfrm>
+            <a:off x="468449" y="4690592"/>
+            <a:ext cx="1371004" cy="1402704"/>
+          </a:xfrm>
+          <a:prstGeom prst="rect">
+            <a:avLst/>
+          </a:prstGeom>
+          <a:noFill/>
+          <a:extLst>
+            <a:ext uri="{909E8E84-426E-40DD-AFC4-6F175D3DCCD1}">
+              <a14:hiddenFill xmlns:a14="http://schemas.microsoft.com/office/drawing/2010/main">
+                <a:solidFill>
+                  <a:srgbClr val="FFFFFF"/>
+                </a:solidFill>
+              </a14:hiddenFill>
+            </a:ext>
+          </a:extLst>
+        </p:spPr>
+      </p:pic>
+      <p:pic>
+        <p:nvPicPr>
+          <p:cNvPr id="1027" name="Picture 3" descr="D:\本地全端應用網站開發120D\大專\start_fitness\Maria\img\laravel.png"/>
+          <p:cNvPicPr>
+            <a:picLocks noChangeAspect="1" noChangeArrowheads="1"/>
+          </p:cNvPicPr>
+          <p:nvPr/>
+        </p:nvPicPr>
+        <p:blipFill>
+          <a:blip r:embed="rId6" cstate="print">
+            <a:extLst>
+              <a:ext uri="{28A0092B-C50C-407E-A947-70E740481C1C}">
+                <a14:useLocalDpi xmlns:a14="http://schemas.microsoft.com/office/drawing/2010/main" val="0"/>
+              </a:ext>
+            </a:extLst>
+          </a:blip>
+          <a:srcRect/>
+          <a:stretch>
+            <a:fillRect/>
+          </a:stretch>
+        </p:blipFill>
+        <p:spPr bwMode="auto">
+          <a:xfrm>
+            <a:off x="7135877" y="5391944"/>
+            <a:ext cx="2407827" cy="750298"/>
+          </a:xfrm>
+          <a:prstGeom prst="rect">
+            <a:avLst/>
+          </a:prstGeom>
+          <a:noFill/>
+          <a:extLst>
+            <a:ext uri="{909E8E84-426E-40DD-AFC4-6F175D3DCCD1}">
+              <a14:hiddenFill xmlns:a14="http://schemas.microsoft.com/office/drawing/2010/main">
+                <a:solidFill>
+                  <a:srgbClr val="FFFFFF"/>
+                </a:solidFill>
+              </a14:hiddenFill>
+            </a:ext>
+          </a:extLst>
+        </p:spPr>
+      </p:pic>
+      <p:pic>
+        <p:nvPicPr>
+          <p:cNvPr id="1029" name="Picture 5" descr="C:\Users\User\OneDrive\桌面\ppt0718\11.jpg"/>
+          <p:cNvPicPr>
+            <a:picLocks noChangeAspect="1" noChangeArrowheads="1"/>
+          </p:cNvPicPr>
+          <p:nvPr/>
+        </p:nvPicPr>
+        <p:blipFill rotWithShape="1">
+          <a:blip r:embed="rId7">
+            <a:extLst>
+              <a:ext uri="{28A0092B-C50C-407E-A947-70E740481C1C}">
+                <a14:useLocalDpi xmlns:a14="http://schemas.microsoft.com/office/drawing/2010/main" val="0"/>
+              </a:ext>
+            </a:extLst>
+          </a:blip>
+          <a:srcRect l="23517" t="27416" r="25625" b="19086"/>
+          <a:stretch/>
+        </p:blipFill>
+        <p:spPr bwMode="auto">
+          <a:xfrm>
+            <a:off x="4074632" y="1986836"/>
+            <a:ext cx="1973152" cy="1119225"/>
+          </a:xfrm>
+          <a:prstGeom prst="rect">
+            <a:avLst/>
+          </a:prstGeom>
+          <a:noFill/>
+          <a:extLst>
+            <a:ext uri="{909E8E84-426E-40DD-AFC4-6F175D3DCCD1}">
+              <a14:hiddenFill xmlns:a14="http://schemas.microsoft.com/office/drawing/2010/main">
+                <a:solidFill>
+                  <a:srgbClr val="FFFFFF"/>
+                </a:solidFill>
+              </a14:hiddenFill>
+            </a:ext>
+          </a:extLst>
+        </p:spPr>
+      </p:pic>
+      <p:pic>
+        <p:nvPicPr>
+          <p:cNvPr id="1030" name="Picture 6" descr="C:\Users\User\OneDrive\桌面\ppt0718\04.png"/>
+          <p:cNvPicPr>
+            <a:picLocks noChangeAspect="1" noChangeArrowheads="1"/>
+          </p:cNvPicPr>
+          <p:nvPr/>
+        </p:nvPicPr>
+        <p:blipFill rotWithShape="1">
+          <a:blip r:embed="rId8" cstate="print">
+            <a:extLst>
+              <a:ext uri="{BEBA8EAE-BF5A-486C-A8C5-ECC9F3942E4B}">
+                <a14:imgProps xmlns:a14="http://schemas.microsoft.com/office/drawing/2010/main">
+                  <a14:imgLayer r:embed="rId9">
+                    <a14:imgEffect>
+                      <a14:backgroundRemoval t="1849" b="94761" l="600" r="95600">
+                        <a14:foregroundMark x1="18100" y1="27273" x2="42800" y2="33898"/>
+                        <a14:foregroundMark x1="13000" y1="43297" x2="25000" y2="36364"/>
+                      </a14:backgroundRemoval>
+                    </a14:imgEffect>
+                  </a14:imgLayer>
+                </a14:imgProps>
+              </a:ext>
+              <a:ext uri="{28A0092B-C50C-407E-A947-70E740481C1C}">
+                <a14:useLocalDpi xmlns:a14="http://schemas.microsoft.com/office/drawing/2010/main" val="0"/>
+              </a:ext>
+            </a:extLst>
+          </a:blip>
+          <a:srcRect r="2755" b="4255"/>
+          <a:stretch/>
+        </p:blipFill>
+        <p:spPr bwMode="auto">
+          <a:xfrm>
+            <a:off x="2181850" y="4934603"/>
+            <a:ext cx="1475006" cy="942669"/>
+          </a:xfrm>
+          <a:prstGeom prst="rect">
+            <a:avLst/>
+          </a:prstGeom>
+          <a:noFill/>
+          <a:extLst>
+            <a:ext uri="{909E8E84-426E-40DD-AFC4-6F175D3DCCD1}">
+              <a14:hiddenFill xmlns:a14="http://schemas.microsoft.com/office/drawing/2010/main">
+                <a:solidFill>
+                  <a:srgbClr val="FFFFFF"/>
+                </a:solidFill>
+              </a14:hiddenFill>
+            </a:ext>
+          </a:extLst>
+        </p:spPr>
+      </p:pic>
+      <p:pic>
+        <p:nvPicPr>
+          <p:cNvPr id="1031" name="Picture 7" descr="C:\Users\User\OneDrive\桌面\ppt0718\05.png"/>
+          <p:cNvPicPr>
+            <a:picLocks noChangeAspect="1" noChangeArrowheads="1"/>
+          </p:cNvPicPr>
+          <p:nvPr/>
+        </p:nvPicPr>
+        <p:blipFill rotWithShape="1">
+          <a:blip r:embed="rId10" cstate="print">
+            <a:extLst>
+              <a:ext uri="{28A0092B-C50C-407E-A947-70E740481C1C}">
+                <a14:useLocalDpi xmlns:a14="http://schemas.microsoft.com/office/drawing/2010/main" val="0"/>
+              </a:ext>
+            </a:extLst>
+          </a:blip>
+          <a:srcRect t="20750" b="17537"/>
+          <a:stretch/>
+        </p:blipFill>
+        <p:spPr bwMode="auto">
+          <a:xfrm>
+            <a:off x="708771" y="3507854"/>
+            <a:ext cx="2469852" cy="857250"/>
+          </a:xfrm>
+          <a:prstGeom prst="rect">
+            <a:avLst/>
+          </a:prstGeom>
+          <a:noFill/>
+          <a:extLst>
+            <a:ext uri="{909E8E84-426E-40DD-AFC4-6F175D3DCCD1}">
+              <a14:hiddenFill xmlns:a14="http://schemas.microsoft.com/office/drawing/2010/main">
+                <a:solidFill>
+                  <a:srgbClr val="FFFFFF"/>
+                </a:solidFill>
+              </a14:hiddenFill>
+            </a:ext>
+          </a:extLst>
+        </p:spPr>
+      </p:pic>
+      <p:pic>
+        <p:nvPicPr>
+          <p:cNvPr id="1032" name="Picture 8" descr="C:\Users\User\OneDrive\桌面\ppt0718\06.png"/>
+          <p:cNvPicPr>
+            <a:picLocks noChangeAspect="1" noChangeArrowheads="1"/>
+          </p:cNvPicPr>
+          <p:nvPr/>
+        </p:nvPicPr>
+        <p:blipFill>
+          <a:blip r:embed="rId11" cstate="print">
+            <a:extLst>
+              <a:ext uri="{28A0092B-C50C-407E-A947-70E740481C1C}">
+                <a14:useLocalDpi xmlns:a14="http://schemas.microsoft.com/office/drawing/2010/main" val="0"/>
+              </a:ext>
+            </a:extLst>
+          </a:blip>
+          <a:srcRect/>
+          <a:stretch>
+            <a:fillRect/>
+          </a:stretch>
+        </p:blipFill>
+        <p:spPr bwMode="auto">
+          <a:xfrm>
+            <a:off x="7134765" y="1849342"/>
+            <a:ext cx="2398818" cy="635686"/>
+          </a:xfrm>
+          <a:prstGeom prst="rect">
+            <a:avLst/>
+          </a:prstGeom>
+          <a:noFill/>
+          <a:extLst>
+            <a:ext uri="{909E8E84-426E-40DD-AFC4-6F175D3DCCD1}">
+              <a14:hiddenFill xmlns:a14="http://schemas.microsoft.com/office/drawing/2010/main">
+                <a:solidFill>
+                  <a:srgbClr val="FFFFFF"/>
+                </a:solidFill>
+              </a14:hiddenFill>
+            </a:ext>
+          </a:extLst>
+        </p:spPr>
+      </p:pic>
+      <p:pic>
+        <p:nvPicPr>
+          <p:cNvPr id="1033" name="Picture 9" descr="C:\Users\User\OneDrive\桌面\ppt0718\07.png"/>
+          <p:cNvPicPr>
+            <a:picLocks noChangeAspect="1" noChangeArrowheads="1"/>
+          </p:cNvPicPr>
+          <p:nvPr/>
+        </p:nvPicPr>
+        <p:blipFill>
+          <a:blip r:embed="rId12" cstate="print">
+            <a:extLst>
+              <a:ext uri="{28A0092B-C50C-407E-A947-70E740481C1C}">
+                <a14:useLocalDpi xmlns:a14="http://schemas.microsoft.com/office/drawing/2010/main" val="0"/>
+              </a:ext>
+            </a:extLst>
+          </a:blip>
+          <a:srcRect/>
+          <a:stretch>
+            <a:fillRect/>
+          </a:stretch>
+        </p:blipFill>
+        <p:spPr bwMode="auto">
+          <a:xfrm>
+            <a:off x="7241522" y="3853790"/>
+            <a:ext cx="2185305" cy="1131066"/>
+          </a:xfrm>
+          <a:prstGeom prst="rect">
+            <a:avLst/>
+          </a:prstGeom>
+          <a:noFill/>
+          <a:extLst>
+            <a:ext uri="{909E8E84-426E-40DD-AFC4-6F175D3DCCD1}">
+              <a14:hiddenFill xmlns:a14="http://schemas.microsoft.com/office/drawing/2010/main">
+                <a:solidFill>
+                  <a:srgbClr val="FFFFFF"/>
+                </a:solidFill>
+              </a14:hiddenFill>
+            </a:ext>
+          </a:extLst>
+        </p:spPr>
+      </p:pic>
+      <p:pic>
+        <p:nvPicPr>
+          <p:cNvPr id="1034" name="Picture 10" descr="C:\Users\User\OneDrive\桌面\ppt0718\08.png"/>
+          <p:cNvPicPr>
+            <a:picLocks noChangeAspect="1" noChangeArrowheads="1"/>
+          </p:cNvPicPr>
+          <p:nvPr/>
+        </p:nvPicPr>
+        <p:blipFill rotWithShape="1">
+          <a:blip r:embed="rId13">
+            <a:extLst>
+              <a:ext uri="{BEBA8EAE-BF5A-486C-A8C5-ECC9F3942E4B}">
+                <a14:imgProps xmlns:a14="http://schemas.microsoft.com/office/drawing/2010/main">
+                  <a14:imgLayer r:embed="rId14">
+                    <a14:imgEffect>
+                      <a14:backgroundRemoval t="0" b="95139" l="0" r="100000">
+                        <a14:foregroundMark x1="16524" y1="61806" x2="10826" y2="62500"/>
+                        <a14:foregroundMark x1="31909" y1="22917" x2="31624" y2="36111"/>
+                        <a14:foregroundMark x1="47863" y1="17361" x2="48433" y2="27083"/>
+                        <a14:foregroundMark x1="85755" y1="43750" x2="88319" y2="56250"/>
+                      </a14:backgroundRemoval>
+                    </a14:imgEffect>
+                  </a14:imgLayer>
+                </a14:imgProps>
+              </a:ext>
+              <a:ext uri="{28A0092B-C50C-407E-A947-70E740481C1C}">
+                <a14:useLocalDpi xmlns:a14="http://schemas.microsoft.com/office/drawing/2010/main" val="0"/>
+              </a:ext>
+            </a:extLst>
+          </a:blip>
+          <a:srcRect b="13358"/>
+          <a:stretch/>
+        </p:blipFill>
+        <p:spPr bwMode="auto">
+          <a:xfrm>
+            <a:off x="7398070" y="2856255"/>
+            <a:ext cx="1872208" cy="665486"/>
           </a:xfrm>
           <a:prstGeom prst="rect">
             <a:avLst/>
@@ -8270,6 +8669,50 @@
       </p:grpSpPr>
       <p:sp>
         <p:nvSpPr>
+          <p:cNvPr id="5" name="矩形 4"/>
+          <p:cNvSpPr/>
+          <p:nvPr/>
+        </p:nvSpPr>
+        <p:spPr>
+          <a:xfrm>
+            <a:off x="0" y="1268760"/>
+            <a:ext cx="9906000" cy="5400600"/>
+          </a:xfrm>
+          <a:prstGeom prst="rect">
+            <a:avLst/>
+          </a:prstGeom>
+          <a:solidFill>
+            <a:schemeClr val="bg1"/>
+          </a:solidFill>
+          <a:ln>
+            <a:noFill/>
+          </a:ln>
+        </p:spPr>
+        <p:style>
+          <a:lnRef idx="1">
+            <a:schemeClr val="accent4"/>
+          </a:lnRef>
+          <a:fillRef idx="3">
+            <a:schemeClr val="accent4"/>
+          </a:fillRef>
+          <a:effectRef idx="2">
+            <a:schemeClr val="accent4"/>
+          </a:effectRef>
+          <a:fontRef idx="minor">
+            <a:schemeClr val="lt1"/>
+          </a:fontRef>
+        </p:style>
+        <p:txBody>
+          <a:bodyPr rtlCol="0" anchor="ctr"/>
+          <a:lstStyle/>
+          <a:p>
+            <a:pPr algn="ctr"/>
+            <a:endParaRPr lang="zh-TW" altLang="en-US"/>
+          </a:p>
+        </p:txBody>
+      </p:sp>
+      <p:sp>
+        <p:nvSpPr>
           <p:cNvPr id="4" name="標題 3"/>
           <p:cNvSpPr>
             <a:spLocks noGrp="1"/>
@@ -8280,7 +8723,7 @@
         </p:nvSpPr>
         <p:spPr>
           <a:xfrm>
-            <a:off x="632520" y="216024"/>
+            <a:off x="632520" y="332656"/>
             <a:ext cx="8640960" cy="692696"/>
           </a:xfrm>
           <a:prstGeom prst="rect">
@@ -8294,8 +8737,16 @@
           <a:lstStyle/>
           <a:p>
             <a:r>
-              <a:rPr lang="zh-TW" altLang="en-US" sz="4000" dirty="0"/>
-              <a:t>開發技術與工具</a:t>
+              <a:rPr lang="zh-TW" altLang="en-US" sz="4000" dirty="0">
+                <a:effectLst>
+                  <a:innerShdw blurRad="63500" dist="50800" dir="18900000">
+                    <a:prstClr val="black">
+                      <a:alpha val="50000"/>
+                    </a:prstClr>
+                  </a:innerShdw>
+                </a:effectLst>
+              </a:rPr>
+              <a:t>動機與目的</a:t>
             </a:r>
           </a:p>
         </p:txBody>
@@ -8310,15 +8761,15 @@
         </p:nvSpPr>
         <p:spPr bwMode="ltGray">
           <a:xfrm>
-            <a:off x="1065600" y="1268760"/>
-            <a:ext cx="7920000" cy="4824536"/>
+            <a:off x="848544" y="1698737"/>
+            <a:ext cx="8064896" cy="4610583"/>
           </a:xfrm>
           <a:prstGeom prst="rect">
             <a:avLst/>
           </a:prstGeom>
         </p:spPr>
         <p:txBody>
-          <a:bodyPr vert="horz" lIns="91440" tIns="45720" rIns="91440" bIns="45720" rtlCol="0">
+          <a:bodyPr vert="horz" lIns="91440" tIns="45720" rIns="91440" bIns="45720" rtlCol="0" anchor="ctr">
             <a:noAutofit/>
           </a:bodyPr>
           <a:lstStyle>
@@ -8515,73 +8966,136 @@
               <a:buChar char="l"/>
             </a:pPr>
             <a:r>
-              <a:rPr kumimoji="0" lang="zh-TW" altLang="en-US" sz="3200" b="1" i="0" u="none" strike="noStrike" kern="1200" cap="none" spc="0" normalizeH="0" baseline="0" noProof="0" dirty="0">
+              <a:rPr kumimoji="0" lang="zh-TW" altLang="en-US" sz="2400" b="1" i="0" u="none" strike="noStrike" kern="1200" cap="none" spc="0" normalizeH="0" baseline="0" noProof="0" dirty="0" smtClean="0">
                 <a:ln>
                   <a:noFill/>
                 </a:ln>
                 <a:solidFill>
-                  <a:schemeClr val="bg1"/>
+                  <a:schemeClr val="tx1"/>
                 </a:solidFill>
                 <a:effectLst/>
                 <a:uLnTx/>
                 <a:uFillTx/>
-                <a:latin typeface="微軟正黑體" pitchFamily="34" charset="-120"/>
-                <a:ea typeface="微軟正黑體" pitchFamily="34" charset="-120"/>
-                <a:cs typeface="+mn-cs"/>
-              </a:rPr>
-              <a:t>前端</a:t>
-            </a:r>
-            <a:r>
-              <a:rPr kumimoji="0" lang="en-US" altLang="zh-TW" sz="3200" b="1" i="0" u="none" strike="noStrike" kern="1200" cap="none" spc="0" normalizeH="0" baseline="0" noProof="0" dirty="0">
+              </a:rPr>
+              <a:t>     現代人對於健康、樣貌、健身</a:t>
+            </a:r>
+            <a:r>
+              <a:rPr kumimoji="0" lang="zh-TW" altLang="en-US" sz="2400" b="1" i="0" u="none" strike="noStrike" kern="1200" cap="none" spc="0" normalizeH="0" baseline="0" noProof="0" dirty="0">
                 <a:ln>
                   <a:noFill/>
                 </a:ln>
                 <a:solidFill>
-                  <a:schemeClr val="bg1"/>
+                  <a:schemeClr val="tx1"/>
                 </a:solidFill>
                 <a:effectLst/>
                 <a:uLnTx/>
                 <a:uFillTx/>
-                <a:latin typeface="微軟正黑體" pitchFamily="34" charset="-120"/>
-                <a:ea typeface="微軟正黑體" pitchFamily="34" charset="-120"/>
-                <a:cs typeface="+mn-cs"/>
-              </a:rPr>
-              <a:t>:</a:t>
-            </a:r>
-            <a:r>
-              <a:rPr kumimoji="0" lang="en-US" altLang="zh-TW" sz="3200" b="1" i="0" u="none" strike="noStrike" kern="1200" cap="none" spc="0" normalizeH="0" baseline="0" noProof="0" dirty="0" err="1">
+              </a:rPr>
+              <a:t>與營養飲食的觀念越發普及</a:t>
+            </a:r>
+            <a:r>
+              <a:rPr kumimoji="0" lang="zh-TW" altLang="en-US" sz="2400" b="1" i="0" u="none" strike="noStrike" kern="1200" cap="none" spc="0" normalizeH="0" baseline="0" noProof="0" dirty="0" smtClean="0">
                 <a:ln>
                   <a:noFill/>
                 </a:ln>
                 <a:solidFill>
-                  <a:schemeClr val="bg1"/>
+                  <a:schemeClr val="tx1"/>
                 </a:solidFill>
                 <a:effectLst/>
                 <a:uLnTx/>
                 <a:uFillTx/>
-                <a:latin typeface="微軟正黑體" pitchFamily="34" charset="-120"/>
-                <a:ea typeface="微軟正黑體" pitchFamily="34" charset="-120"/>
-                <a:cs typeface="+mn-cs"/>
-              </a:rPr>
-              <a:t>Boostraps</a:t>
-            </a:r>
-            <a:r>
-              <a:rPr kumimoji="0" lang="en-US" altLang="zh-TW" sz="3200" b="1" i="0" u="none" strike="noStrike" kern="1200" cap="none" spc="0" normalizeH="0" baseline="0" noProof="0" dirty="0">
+              </a:rPr>
+              <a:t>。網路</a:t>
+            </a:r>
+            <a:r>
+              <a:rPr kumimoji="0" lang="zh-TW" altLang="en-US" sz="2400" b="1" i="0" u="none" strike="noStrike" kern="1200" cap="none" spc="0" normalizeH="0" baseline="0" noProof="0" dirty="0">
                 <a:ln>
                   <a:noFill/>
                 </a:ln>
                 <a:solidFill>
-                  <a:schemeClr val="bg1"/>
+                  <a:schemeClr val="tx1"/>
                 </a:solidFill>
                 <a:effectLst/>
                 <a:uLnTx/>
                 <a:uFillTx/>
-                <a:latin typeface="微軟正黑體" pitchFamily="34" charset="-120"/>
-                <a:ea typeface="微軟正黑體" pitchFamily="34" charset="-120"/>
-                <a:cs typeface="+mn-cs"/>
-              </a:rPr>
-              <a:t> 4.6				</a:t>
-            </a:r>
+              </a:rPr>
+              <a:t>媒體的</a:t>
+            </a:r>
+            <a:r>
+              <a:rPr kumimoji="0" lang="zh-TW" altLang="en-US" sz="2400" b="1" i="0" u="none" strike="noStrike" kern="1200" cap="none" spc="0" normalizeH="0" baseline="0" noProof="0" dirty="0" smtClean="0">
+                <a:ln>
+                  <a:noFill/>
+                </a:ln>
+                <a:solidFill>
+                  <a:schemeClr val="tx1"/>
+                </a:solidFill>
+                <a:effectLst/>
+                <a:uLnTx/>
+                <a:uFillTx/>
+              </a:rPr>
+              <a:t>進步也造就</a:t>
+            </a:r>
+            <a:r>
+              <a:rPr kumimoji="0" lang="zh-TW" altLang="en-US" sz="2400" b="1" i="0" u="none" strike="noStrike" kern="1200" cap="none" spc="0" normalizeH="0" baseline="0" noProof="0" dirty="0">
+                <a:ln>
+                  <a:noFill/>
+                </a:ln>
+                <a:solidFill>
+                  <a:schemeClr val="tx1"/>
+                </a:solidFill>
+                <a:effectLst/>
+                <a:uLnTx/>
+                <a:uFillTx/>
+              </a:rPr>
+              <a:t>網路資訊數量龐大</a:t>
+            </a:r>
+            <a:r>
+              <a:rPr kumimoji="0" lang="zh-TW" altLang="en-US" sz="2400" b="1" i="0" u="none" strike="noStrike" kern="1200" cap="none" spc="0" normalizeH="0" baseline="0" noProof="0" dirty="0" smtClean="0">
+                <a:ln>
+                  <a:noFill/>
+                </a:ln>
+                <a:solidFill>
+                  <a:schemeClr val="tx1"/>
+                </a:solidFill>
+                <a:effectLst/>
+                <a:uLnTx/>
+                <a:uFillTx/>
+              </a:rPr>
+              <a:t>。參</a:t>
+            </a:r>
+            <a:r>
+              <a:rPr kumimoji="0" lang="zh-TW" altLang="en-US" sz="2400" b="1" i="0" u="none" strike="noStrike" kern="1200" cap="none" spc="0" normalizeH="0" baseline="0" noProof="0" dirty="0">
+                <a:ln>
+                  <a:noFill/>
+                </a:ln>
+                <a:solidFill>
+                  <a:schemeClr val="tx1"/>
+                </a:solidFill>
+                <a:effectLst/>
+                <a:uLnTx/>
+                <a:uFillTx/>
+              </a:rPr>
+              <a:t>雜許多正確或誤導的</a:t>
+            </a:r>
+            <a:r>
+              <a:rPr lang="zh-TW" altLang="en-US" sz="2400" dirty="0">
+                <a:solidFill>
+                  <a:schemeClr val="tx1"/>
+                </a:solidFill>
+              </a:rPr>
+              <a:t>觀念，</a:t>
+            </a:r>
+            <a:endParaRPr kumimoji="0" lang="zh-TW" altLang="en-US" sz="2400" b="1" i="0" u="none" strike="noStrike" kern="1200" cap="none" spc="0" normalizeH="0" baseline="0" noProof="0" dirty="0">
+              <a:ln>
+                <a:noFill/>
+              </a:ln>
+              <a:solidFill>
+                <a:schemeClr val="tx1"/>
+              </a:solidFill>
+              <a:effectLst/>
+              <a:uLnTx/>
+              <a:uFillTx/>
+            </a:endParaRPr>
           </a:p>
           <a:p>
             <a:pPr>
@@ -8592,38 +9106,68 @@
               <a:buChar char="l"/>
             </a:pPr>
             <a:r>
-              <a:rPr kumimoji="0" lang="en-US" altLang="zh-TW" sz="3200" b="1" i="0" u="none" strike="noStrike" kern="1200" cap="none" spc="0" normalizeH="0" baseline="0" noProof="0" dirty="0" err="1">
+              <a:rPr kumimoji="0" lang="zh-TW" altLang="en-US" sz="2400" b="1" i="0" u="none" strike="noStrike" kern="1200" cap="none" spc="0" normalizeH="0" baseline="0" noProof="0" dirty="0">
                 <a:ln>
                   <a:noFill/>
                 </a:ln>
                 <a:solidFill>
-                  <a:schemeClr val="bg1"/>
+                  <a:schemeClr val="tx1"/>
                 </a:solidFill>
                 <a:effectLst/>
                 <a:uLnTx/>
                 <a:uFillTx/>
-                <a:latin typeface="微軟正黑體" pitchFamily="34" charset="-120"/>
-                <a:ea typeface="微軟正黑體" pitchFamily="34" charset="-120"/>
-                <a:cs typeface="+mn-cs"/>
-              </a:rPr>
-              <a:t>Icon:awesome</a:t>
-            </a:r>
-            <a:r>
-              <a:rPr kumimoji="0" lang="en-US" altLang="zh-TW" sz="3200" b="1" i="0" u="none" strike="noStrike" kern="1200" cap="none" spc="0" normalizeH="0" baseline="0" noProof="0" dirty="0">
+              </a:rPr>
+              <a:t>同時，近年來的</a:t>
+            </a:r>
+            <a:r>
+              <a:rPr kumimoji="0" lang="zh-TW" altLang="en-US" sz="2400" b="1" i="0" u="none" strike="noStrike" kern="1200" cap="none" spc="0" normalizeH="0" baseline="0" noProof="0" dirty="0" smtClean="0">
                 <a:ln>
                   <a:noFill/>
                 </a:ln>
                 <a:solidFill>
-                  <a:schemeClr val="bg1"/>
+                  <a:schemeClr val="tx1"/>
                 </a:solidFill>
                 <a:effectLst/>
                 <a:uLnTx/>
                 <a:uFillTx/>
-                <a:latin typeface="微軟正黑體" pitchFamily="34" charset="-120"/>
-                <a:ea typeface="微軟正黑體" pitchFamily="34" charset="-120"/>
-                <a:cs typeface="+mn-cs"/>
-              </a:rPr>
-              <a:t>				</a:t>
+              </a:rPr>
+              <a:t>健身</a:t>
+            </a:r>
+            <a:r>
+              <a:rPr lang="zh-TW" altLang="en-US" sz="2400" dirty="0" smtClean="0">
+                <a:solidFill>
+                  <a:schemeClr val="tx1"/>
+                </a:solidFill>
+              </a:rPr>
+              <a:t>趨勢與重視</a:t>
+            </a:r>
+            <a:r>
+              <a:rPr kumimoji="0" lang="zh-TW" altLang="en-US" sz="2400" b="1" i="0" u="none" strike="noStrike" kern="1200" cap="none" spc="0" normalizeH="0" baseline="0" noProof="0" dirty="0" smtClean="0">
+                <a:ln>
+                  <a:noFill/>
+                </a:ln>
+                <a:solidFill>
+                  <a:schemeClr val="tx1"/>
+                </a:solidFill>
+                <a:effectLst/>
+                <a:uLnTx/>
+                <a:uFillTx/>
+              </a:rPr>
+              <a:t>造就</a:t>
+            </a:r>
+            <a:r>
+              <a:rPr kumimoji="0" lang="zh-TW" altLang="en-US" sz="2400" b="1" i="0" u="none" strike="noStrike" kern="1200" cap="none" spc="0" normalizeH="0" baseline="0" noProof="0" dirty="0">
+                <a:ln>
+                  <a:noFill/>
+                </a:ln>
+                <a:solidFill>
+                  <a:schemeClr val="tx1"/>
+                </a:solidFill>
+                <a:effectLst/>
+                <a:uLnTx/>
+                <a:uFillTx/>
+              </a:rPr>
+              <a:t>健身房林立，許多人可能想踏出這一步，但苦於一個開頭或推手。</a:t>
             </a:r>
           </a:p>
           <a:p>
@@ -8635,252 +9179,137 @@
               <a:buChar char="l"/>
             </a:pPr>
             <a:r>
-              <a:rPr kumimoji="0" lang="zh-TW" altLang="en-US" sz="3200" b="1" i="0" u="none" strike="noStrike" kern="1200" cap="none" spc="0" normalizeH="0" baseline="0" noProof="0" dirty="0">
-                <a:ln>
-                  <a:noFill/>
-                </a:ln>
-                <a:solidFill>
-                  <a:schemeClr val="bg1"/>
-                </a:solidFill>
-                <a:effectLst/>
-                <a:uLnTx/>
-                <a:uFillTx/>
-                <a:latin typeface="微軟正黑體" pitchFamily="34" charset="-120"/>
-                <a:ea typeface="微軟正黑體" pitchFamily="34" charset="-120"/>
-                <a:cs typeface="+mn-cs"/>
-              </a:rPr>
-              <a:t>遊戲</a:t>
-            </a:r>
-            <a:r>
-              <a:rPr kumimoji="0" lang="en-US" altLang="zh-TW" sz="3200" b="1" i="0" u="none" strike="noStrike" kern="1200" cap="none" spc="0" normalizeH="0" baseline="0" noProof="0" dirty="0">
-                <a:ln>
-                  <a:noFill/>
-                </a:ln>
-                <a:solidFill>
-                  <a:schemeClr val="bg1"/>
-                </a:solidFill>
-                <a:effectLst/>
-                <a:uLnTx/>
-                <a:uFillTx/>
-                <a:latin typeface="微軟正黑體" pitchFamily="34" charset="-120"/>
-                <a:ea typeface="微軟正黑體" pitchFamily="34" charset="-120"/>
-                <a:cs typeface="+mn-cs"/>
-              </a:rPr>
-              <a:t>:Java script				</a:t>
-            </a:r>
-          </a:p>
-          <a:p>
-            <a:pPr>
-              <a:lnSpc>
-                <a:spcPts val="3600"/>
-              </a:lnSpc>
-              <a:buFont typeface="Wingdings" panose="05000000000000000000" pitchFamily="2" charset="2"/>
-              <a:buChar char="l"/>
-            </a:pPr>
-            <a:r>
-              <a:rPr kumimoji="0" lang="zh-TW" altLang="en-US" sz="3200" b="1" i="0" u="none" strike="noStrike" kern="1200" cap="none" spc="0" normalizeH="0" baseline="0" noProof="0" dirty="0">
-                <a:ln>
-                  <a:noFill/>
-                </a:ln>
-                <a:solidFill>
-                  <a:schemeClr val="bg1"/>
-                </a:solidFill>
-                <a:effectLst/>
-                <a:uLnTx/>
-                <a:uFillTx/>
-                <a:latin typeface="微軟正黑體" pitchFamily="34" charset="-120"/>
-                <a:ea typeface="微軟正黑體" pitchFamily="34" charset="-120"/>
-                <a:cs typeface="+mn-cs"/>
-              </a:rPr>
-              <a:t>網站後端架構</a:t>
-            </a:r>
-            <a:r>
-              <a:rPr kumimoji="0" lang="en-US" altLang="zh-TW" sz="3200" b="1" i="0" u="none" strike="noStrike" kern="1200" cap="none" spc="0" normalizeH="0" baseline="0" noProof="0" dirty="0">
-                <a:ln>
-                  <a:noFill/>
-                </a:ln>
-                <a:solidFill>
-                  <a:schemeClr val="bg1"/>
-                </a:solidFill>
-                <a:effectLst/>
-                <a:uLnTx/>
-                <a:uFillTx/>
-                <a:latin typeface="微軟正黑體" pitchFamily="34" charset="-120"/>
-                <a:ea typeface="微軟正黑體" pitchFamily="34" charset="-120"/>
-                <a:cs typeface="+mn-cs"/>
-              </a:rPr>
-              <a:t>:Laravel				</a:t>
-            </a:r>
-          </a:p>
-          <a:p>
-            <a:pPr>
-              <a:lnSpc>
-                <a:spcPts val="3600"/>
-              </a:lnSpc>
-              <a:buFont typeface="Wingdings" panose="05000000000000000000" pitchFamily="2" charset="2"/>
-              <a:buChar char="l"/>
-            </a:pPr>
-            <a:r>
-              <a:rPr kumimoji="0" lang="zh-TW" altLang="en-US" sz="3200" b="1" i="0" u="none" strike="noStrike" kern="1200" cap="none" spc="0" normalizeH="0" baseline="0" noProof="0" dirty="0">
-                <a:ln>
-                  <a:noFill/>
-                </a:ln>
-                <a:solidFill>
-                  <a:schemeClr val="bg1"/>
-                </a:solidFill>
-                <a:effectLst/>
-                <a:uLnTx/>
-                <a:uFillTx/>
-                <a:latin typeface="微軟正黑體" pitchFamily="34" charset="-120"/>
-                <a:ea typeface="微軟正黑體" pitchFamily="34" charset="-120"/>
-                <a:cs typeface="+mn-cs"/>
-              </a:rPr>
-              <a:t>套件</a:t>
-            </a:r>
-            <a:r>
-              <a:rPr kumimoji="0" lang="en-US" altLang="zh-TW" sz="3200" b="1" i="0" u="none" strike="noStrike" kern="1200" cap="none" spc="0" normalizeH="0" baseline="0" noProof="0" dirty="0">
-                <a:ln>
-                  <a:noFill/>
-                </a:ln>
-                <a:solidFill>
-                  <a:schemeClr val="bg1"/>
-                </a:solidFill>
-                <a:effectLst/>
-                <a:uLnTx/>
-                <a:uFillTx/>
-                <a:latin typeface="微軟正黑體" pitchFamily="34" charset="-120"/>
-                <a:ea typeface="微軟正黑體" pitchFamily="34" charset="-120"/>
-                <a:cs typeface="+mn-cs"/>
-              </a:rPr>
-              <a:t>:</a:t>
-            </a:r>
-            <a:r>
-              <a:rPr kumimoji="0" lang="en-US" altLang="zh-TW" sz="3200" b="1" i="0" u="none" strike="noStrike" kern="1200" cap="none" spc="0" normalizeH="0" baseline="0" noProof="0" dirty="0" err="1">
-                <a:ln>
-                  <a:noFill/>
-                </a:ln>
-                <a:solidFill>
-                  <a:schemeClr val="bg1"/>
-                </a:solidFill>
-                <a:effectLst/>
-                <a:uLnTx/>
-                <a:uFillTx/>
-                <a:latin typeface="微軟正黑體" pitchFamily="34" charset="-120"/>
-                <a:ea typeface="微軟正黑體" pitchFamily="34" charset="-120"/>
-                <a:cs typeface="+mn-cs"/>
-              </a:rPr>
-              <a:t>PHPMiller</a:t>
-            </a:r>
-            <a:r>
-              <a:rPr kumimoji="0" lang="en-US" altLang="zh-TW" sz="3200" b="1" i="0" u="none" strike="noStrike" kern="1200" cap="none" spc="0" normalizeH="0" baseline="0" noProof="0" dirty="0">
-                <a:ln>
-                  <a:noFill/>
-                </a:ln>
-                <a:solidFill>
-                  <a:schemeClr val="bg1"/>
-                </a:solidFill>
-                <a:effectLst/>
-                <a:uLnTx/>
-                <a:uFillTx/>
-                <a:latin typeface="微軟正黑體" pitchFamily="34" charset="-120"/>
-                <a:ea typeface="微軟正黑體" pitchFamily="34" charset="-120"/>
-                <a:cs typeface="+mn-cs"/>
-              </a:rPr>
-              <a:t>				</a:t>
-            </a:r>
-          </a:p>
-          <a:p>
-            <a:pPr>
-              <a:lnSpc>
-                <a:spcPts val="3600"/>
-              </a:lnSpc>
-              <a:buFont typeface="Wingdings" panose="05000000000000000000" pitchFamily="2" charset="2"/>
-              <a:buChar char="l"/>
-            </a:pPr>
-            <a:r>
-              <a:rPr kumimoji="0" lang="zh-TW" altLang="en-US" sz="3200" b="1" i="0" u="none" strike="noStrike" kern="1200" cap="none" spc="0" normalizeH="0" baseline="0" noProof="0" dirty="0">
-                <a:ln>
-                  <a:noFill/>
-                </a:ln>
-                <a:solidFill>
-                  <a:schemeClr val="bg1"/>
-                </a:solidFill>
-                <a:effectLst/>
-                <a:uLnTx/>
-                <a:uFillTx/>
-                <a:latin typeface="微軟正黑體" pitchFamily="34" charset="-120"/>
-                <a:ea typeface="微軟正黑體" pitchFamily="34" charset="-120"/>
-                <a:cs typeface="+mn-cs"/>
-              </a:rPr>
-              <a:t>套件</a:t>
-            </a:r>
-            <a:r>
-              <a:rPr kumimoji="0" lang="en-US" altLang="zh-TW" sz="3200" b="1" i="0" u="none" strike="noStrike" kern="1200" cap="none" spc="0" normalizeH="0" baseline="0" noProof="0" dirty="0">
-                <a:ln>
-                  <a:noFill/>
-                </a:ln>
-                <a:solidFill>
-                  <a:schemeClr val="bg1"/>
-                </a:solidFill>
-                <a:effectLst/>
-                <a:uLnTx/>
-                <a:uFillTx/>
-                <a:latin typeface="微軟正黑體" pitchFamily="34" charset="-120"/>
-                <a:ea typeface="微軟正黑體" pitchFamily="34" charset="-120"/>
-                <a:cs typeface="+mn-cs"/>
-              </a:rPr>
-              <a:t>:AOS.js				</a:t>
-            </a:r>
-          </a:p>
-          <a:p>
-            <a:pPr>
-              <a:lnSpc>
-                <a:spcPts val="3600"/>
-              </a:lnSpc>
-              <a:buFont typeface="Wingdings" panose="05000000000000000000" pitchFamily="2" charset="2"/>
-              <a:buChar char="l"/>
-            </a:pPr>
-            <a:r>
-              <a:rPr kumimoji="0" lang="zh-TW" altLang="en-US" sz="3200" b="1" i="0" u="none" strike="noStrike" kern="1200" cap="none" spc="0" normalizeH="0" baseline="0" noProof="0" dirty="0">
-                <a:ln>
-                  <a:noFill/>
-                </a:ln>
-                <a:solidFill>
-                  <a:schemeClr val="bg1"/>
-                </a:solidFill>
-                <a:effectLst/>
-                <a:uLnTx/>
-                <a:uFillTx/>
-                <a:latin typeface="微軟正黑體" pitchFamily="34" charset="-120"/>
-                <a:ea typeface="微軟正黑體" pitchFamily="34" charset="-120"/>
-                <a:cs typeface="+mn-cs"/>
-              </a:rPr>
-              <a:t>套件</a:t>
-            </a:r>
-            <a:r>
-              <a:rPr kumimoji="0" lang="en-US" altLang="zh-TW" sz="3200" b="1" i="0" u="none" strike="noStrike" kern="1200" cap="none" spc="0" normalizeH="0" baseline="0" noProof="0" dirty="0">
-                <a:ln>
-                  <a:noFill/>
-                </a:ln>
-                <a:solidFill>
-                  <a:schemeClr val="bg1"/>
-                </a:solidFill>
-                <a:effectLst/>
-                <a:uLnTx/>
-                <a:uFillTx/>
-                <a:latin typeface="微軟正黑體" pitchFamily="34" charset="-120"/>
-                <a:ea typeface="微軟正黑體" pitchFamily="34" charset="-120"/>
-                <a:cs typeface="+mn-cs"/>
-              </a:rPr>
-              <a:t>:leaflet.js</a:t>
-            </a:r>
+              <a:rPr lang="zh-TW" altLang="en-US" sz="2400" dirty="0" smtClean="0">
+                <a:solidFill>
+                  <a:schemeClr val="tx1"/>
+                </a:solidFill>
+              </a:rPr>
+              <a:t>因此</a:t>
+            </a:r>
+            <a:r>
+              <a:rPr lang="zh-TW" altLang="en-US" sz="2400" dirty="0">
+                <a:solidFill>
+                  <a:schemeClr val="tx1"/>
+                </a:solidFill>
+              </a:rPr>
+              <a:t>我們開創</a:t>
+            </a:r>
+            <a:r>
+              <a:rPr lang="zh-TW" altLang="en-US" sz="2400" dirty="0">
+                <a:solidFill>
+                  <a:schemeClr val="tx1"/>
+                </a:solidFill>
+              </a:rPr>
+              <a:t>一個資訊整合平台，整合並提供客觀資訊提供使用者參考，成為健身小白的新手村。</a:t>
+            </a:r>
+            <a:endParaRPr lang="en-US" altLang="zh-TW" sz="2400" dirty="0">
+              <a:solidFill>
+                <a:schemeClr val="tx1"/>
+              </a:solidFill>
+            </a:endParaRPr>
           </a:p>
         </p:txBody>
       </p:sp>
+      <p:pic>
+        <p:nvPicPr>
+          <p:cNvPr id="8" name="Picture 3" descr="D:\本地全端應用網站開發120D\大專\start_fitness\Eva\AI\SP.png"/>
+          <p:cNvPicPr>
+            <a:picLocks noChangeAspect="1" noChangeArrowheads="1"/>
+          </p:cNvPicPr>
+          <p:nvPr/>
+        </p:nvPicPr>
+        <p:blipFill>
+          <a:blip r:embed="rId2" cstate="print">
+            <a:extLst>
+              <a:ext uri="{28A0092B-C50C-407E-A947-70E740481C1C}">
+                <a14:useLocalDpi xmlns:a14="http://schemas.microsoft.com/office/drawing/2010/main" val="0"/>
+              </a:ext>
+            </a:extLst>
+          </a:blip>
+          <a:srcRect/>
+          <a:stretch>
+            <a:fillRect/>
+          </a:stretch>
+        </p:blipFill>
+        <p:spPr bwMode="auto">
+          <a:xfrm>
+            <a:off x="266818" y="1419787"/>
+            <a:ext cx="874006" cy="688980"/>
+          </a:xfrm>
+          <a:prstGeom prst="rect">
+            <a:avLst/>
+          </a:prstGeom>
+          <a:noFill/>
+          <a:effectLst>
+            <a:outerShdw blurRad="76200" dir="13500000" sy="23000" kx="1200000" algn="br" rotWithShape="0">
+              <a:prstClr val="black">
+                <a:alpha val="20000"/>
+              </a:prstClr>
+            </a:outerShdw>
+          </a:effectLst>
+          <a:extLst>
+            <a:ext uri="{909E8E84-426E-40DD-AFC4-6F175D3DCCD1}">
+              <a14:hiddenFill xmlns:a14="http://schemas.microsoft.com/office/drawing/2010/main">
+                <a:solidFill>
+                  <a:srgbClr val="FFFFFF"/>
+                </a:solidFill>
+              </a14:hiddenFill>
+            </a:ext>
+          </a:extLst>
+        </p:spPr>
+      </p:pic>
+      <p:pic>
+        <p:nvPicPr>
+          <p:cNvPr id="9" name="Picture 2" descr="D:\本地全端應用網站開發120D\大專\start_fitness\Eva\AI\FOOD.png"/>
+          <p:cNvPicPr>
+            <a:picLocks noChangeAspect="1" noChangeArrowheads="1"/>
+          </p:cNvPicPr>
+          <p:nvPr/>
+        </p:nvPicPr>
+        <p:blipFill>
+          <a:blip r:embed="rId3" cstate="print">
+            <a:extLst>
+              <a:ext uri="{28A0092B-C50C-407E-A947-70E740481C1C}">
+                <a14:useLocalDpi xmlns:a14="http://schemas.microsoft.com/office/drawing/2010/main" val="0"/>
+              </a:ext>
+            </a:extLst>
+          </a:blip>
+          <a:srcRect/>
+          <a:stretch>
+            <a:fillRect/>
+          </a:stretch>
+        </p:blipFill>
+        <p:spPr bwMode="auto">
+          <a:xfrm>
+            <a:off x="8769424" y="5877272"/>
+            <a:ext cx="864096" cy="639699"/>
+          </a:xfrm>
+          <a:prstGeom prst="rect">
+            <a:avLst/>
+          </a:prstGeom>
+          <a:noFill/>
+          <a:effectLst>
+            <a:outerShdw blurRad="76200" dir="18900000" sy="23000" kx="-1200000" algn="bl" rotWithShape="0">
+              <a:prstClr val="black">
+                <a:alpha val="20000"/>
+              </a:prstClr>
+            </a:outerShdw>
+          </a:effectLst>
+          <a:extLst>
+            <a:ext uri="{909E8E84-426E-40DD-AFC4-6F175D3DCCD1}">
+              <a14:hiddenFill xmlns:a14="http://schemas.microsoft.com/office/drawing/2010/main">
+                <a:solidFill>
+                  <a:srgbClr val="FFFFFF"/>
+                </a:solidFill>
+              </a14:hiddenFill>
+            </a:ext>
+          </a:extLst>
+        </p:spPr>
+      </p:pic>
     </p:spTree>
     <p:extLst>
       <p:ext uri="{BB962C8B-B14F-4D97-AF65-F5344CB8AC3E}">
-        <p14:creationId xmlns:p14="http://schemas.microsoft.com/office/powerpoint/2010/main" val="970251380"/>
+        <p14:creationId xmlns:p14="http://schemas.microsoft.com/office/powerpoint/2010/main" val="1568314330"/>
       </p:ext>
     </p:extLst>
   </p:cSld>
@@ -8916,6 +9345,50 @@
       </p:grpSpPr>
       <p:sp>
         <p:nvSpPr>
+          <p:cNvPr id="5" name="矩形 4"/>
+          <p:cNvSpPr/>
+          <p:nvPr/>
+        </p:nvSpPr>
+        <p:spPr>
+          <a:xfrm>
+            <a:off x="0" y="1268760"/>
+            <a:ext cx="9906000" cy="5400600"/>
+          </a:xfrm>
+          <a:prstGeom prst="rect">
+            <a:avLst/>
+          </a:prstGeom>
+          <a:solidFill>
+            <a:schemeClr val="bg1"/>
+          </a:solidFill>
+          <a:ln>
+            <a:noFill/>
+          </a:ln>
+        </p:spPr>
+        <p:style>
+          <a:lnRef idx="1">
+            <a:schemeClr val="accent4"/>
+          </a:lnRef>
+          <a:fillRef idx="3">
+            <a:schemeClr val="accent4"/>
+          </a:fillRef>
+          <a:effectRef idx="2">
+            <a:schemeClr val="accent4"/>
+          </a:effectRef>
+          <a:fontRef idx="minor">
+            <a:schemeClr val="lt1"/>
+          </a:fontRef>
+        </p:style>
+        <p:txBody>
+          <a:bodyPr rtlCol="0" anchor="ctr"/>
+          <a:lstStyle/>
+          <a:p>
+            <a:pPr algn="ctr"/>
+            <a:endParaRPr lang="zh-TW" altLang="en-US"/>
+          </a:p>
+        </p:txBody>
+      </p:sp>
+      <p:sp>
+        <p:nvSpPr>
           <p:cNvPr id="4" name="標題 3"/>
           <p:cNvSpPr>
             <a:spLocks noGrp="1"/>
@@ -8926,7 +9399,7 @@
         </p:nvSpPr>
         <p:spPr>
           <a:xfrm>
-            <a:off x="632520" y="0"/>
+            <a:off x="632520" y="332656"/>
             <a:ext cx="8640960" cy="692696"/>
           </a:xfrm>
           <a:prstGeom prst="rect">
@@ -8934,12 +9407,22 @@
           </a:prstGeom>
         </p:spPr>
         <p:txBody>
-          <a:bodyPr/>
+          <a:bodyPr>
+            <a:noAutofit/>
+          </a:bodyPr>
           <a:lstStyle/>
           <a:p>
             <a:r>
-              <a:rPr lang="zh-TW" altLang="en-US" b="0" dirty="0"/>
-              <a:t>動機與目的</a:t>
+              <a:rPr lang="zh-TW" altLang="en-US" sz="4000" dirty="0">
+                <a:effectLst>
+                  <a:innerShdw blurRad="63500" dist="50800" dir="18900000">
+                    <a:prstClr val="black">
+                      <a:alpha val="50000"/>
+                    </a:prstClr>
+                  </a:innerShdw>
+                </a:effectLst>
+              </a:rPr>
+              <a:t>目標客群</a:t>
             </a:r>
           </a:p>
         </p:txBody>
@@ -8954,15 +9437,15 @@
         </p:nvSpPr>
         <p:spPr bwMode="ltGray">
           <a:xfrm>
-            <a:off x="1065600" y="979200"/>
-            <a:ext cx="7920000" cy="4824536"/>
+            <a:off x="1538845" y="1916832"/>
+            <a:ext cx="7269079" cy="3996444"/>
           </a:xfrm>
           <a:prstGeom prst="rect">
             <a:avLst/>
           </a:prstGeom>
         </p:spPr>
         <p:txBody>
-          <a:bodyPr vert="horz" lIns="91440" tIns="45720" rIns="91440" bIns="45720" rtlCol="0">
+          <a:bodyPr vert="horz" lIns="91440" tIns="45720" rIns="91440" bIns="45720" rtlCol="0" anchor="ctr">
             <a:noAutofit/>
           </a:bodyPr>
           <a:lstStyle>
@@ -9159,39 +9642,26 @@
               <a:buChar char="l"/>
             </a:pPr>
             <a:r>
-              <a:rPr kumimoji="0" lang="zh-TW" altLang="en-US" sz="2400" b="1" i="0" u="none" strike="noStrike" kern="1200" cap="none" spc="0" normalizeH="0" baseline="0" noProof="0" dirty="0">
-                <a:ln>
-                  <a:noFill/>
-                </a:ln>
-                <a:solidFill>
-                  <a:schemeClr val="bg1"/>
-                </a:solidFill>
-                <a:effectLst/>
-                <a:uLnTx/>
-                <a:uFillTx/>
-                <a:latin typeface="微軟正黑體" pitchFamily="34" charset="-120"/>
-                <a:ea typeface="微軟正黑體" pitchFamily="34" charset="-120"/>
-                <a:cs typeface="+mn-cs"/>
-              </a:rPr>
-              <a:t>動機</a:t>
-            </a:r>
-            <a:r>
-              <a:rPr kumimoji="0" lang="en-US" altLang="zh-TW" sz="2400" b="1" i="0" u="none" strike="noStrike" kern="1200" cap="none" spc="0" normalizeH="0" baseline="0" noProof="0" dirty="0">
-                <a:ln>
-                  <a:noFill/>
-                </a:ln>
-                <a:solidFill>
-                  <a:schemeClr val="bg1"/>
-                </a:solidFill>
-                <a:effectLst/>
-                <a:uLnTx/>
-                <a:uFillTx/>
-                <a:latin typeface="微軟正黑體" pitchFamily="34" charset="-120"/>
-                <a:ea typeface="微軟正黑體" pitchFamily="34" charset="-120"/>
-                <a:cs typeface="+mn-cs"/>
-              </a:rPr>
-              <a:t>:</a:t>
-            </a:r>
+              <a:rPr lang="en-US" altLang="zh-TW" dirty="0" smtClean="0">
+                <a:solidFill>
+                  <a:schemeClr val="tx1"/>
+                </a:solidFill>
+              </a:rPr>
+              <a:t>1.</a:t>
+            </a:r>
+            <a:r>
+              <a:rPr lang="zh-TW" altLang="en-US" dirty="0" smtClean="0">
+                <a:solidFill>
+                  <a:schemeClr val="tx1"/>
+                </a:solidFill>
+              </a:rPr>
+              <a:t>年紀</a:t>
+            </a:r>
+            <a:endParaRPr lang="en-US" altLang="zh-TW" dirty="0" smtClean="0">
+              <a:solidFill>
+                <a:schemeClr val="tx1"/>
+              </a:solidFill>
+            </a:endParaRPr>
           </a:p>
           <a:p>
             <a:pPr>
@@ -9202,22 +9672,26 @@
               <a:buChar char="l"/>
             </a:pPr>
             <a:r>
-              <a:rPr kumimoji="0" lang="zh-TW" altLang="en-US" sz="2400" b="1" i="0" u="none" strike="noStrike" kern="1200" cap="none" spc="0" normalizeH="0" baseline="0" noProof="0" dirty="0">
-                <a:ln>
-                  <a:noFill/>
-                </a:ln>
-                <a:solidFill>
-                  <a:schemeClr val="bg1"/>
-                </a:solidFill>
-                <a:effectLst/>
-                <a:uLnTx/>
-                <a:uFillTx/>
-                <a:latin typeface="微軟正黑體" pitchFamily="34" charset="-120"/>
-                <a:ea typeface="微軟正黑體" pitchFamily="34" charset="-120"/>
-                <a:cs typeface="+mn-cs"/>
-              </a:rPr>
-              <a:t>現在為了健康與樣貌，健身與營養飲食的觀念越發普及。</a:t>
-            </a:r>
+              <a:rPr lang="en-US" altLang="zh-TW" dirty="0" smtClean="0">
+                <a:solidFill>
+                  <a:schemeClr val="tx1"/>
+                </a:solidFill>
+              </a:rPr>
+              <a:t>2.</a:t>
+            </a:r>
+            <a:r>
+              <a:rPr lang="zh-TW" altLang="en-US" dirty="0" smtClean="0">
+                <a:solidFill>
+                  <a:schemeClr val="tx1"/>
+                </a:solidFill>
+              </a:rPr>
+              <a:t>工作</a:t>
+            </a:r>
+            <a:endParaRPr lang="en-US" altLang="zh-TW" dirty="0" smtClean="0">
+              <a:solidFill>
+                <a:schemeClr val="tx1"/>
+              </a:solidFill>
+            </a:endParaRPr>
           </a:p>
           <a:p>
             <a:pPr>
@@ -9228,21 +9702,20 @@
               <a:buChar char="l"/>
             </a:pPr>
             <a:r>
-              <a:rPr kumimoji="0" lang="zh-TW" altLang="en-US" sz="2400" b="1" i="0" u="none" strike="noStrike" kern="1200" cap="none" spc="0" normalizeH="0" baseline="0" noProof="0" dirty="0">
-                <a:ln>
-                  <a:noFill/>
-                </a:ln>
-                <a:solidFill>
-                  <a:schemeClr val="bg1"/>
-                </a:solidFill>
-                <a:effectLst/>
-                <a:uLnTx/>
-                <a:uFillTx/>
-                <a:latin typeface="微軟正黑體" pitchFamily="34" charset="-120"/>
-                <a:ea typeface="微軟正黑體" pitchFamily="34" charset="-120"/>
-                <a:cs typeface="+mn-cs"/>
-              </a:rPr>
-              <a:t>網路媒體的進步造就網路資訊數量龐大。</a:t>
+              <a:rPr lang="zh-TW" altLang="en-US" dirty="0" smtClean="0">
+                <a:solidFill>
+                  <a:schemeClr val="tx1"/>
+                </a:solidFill>
+              </a:rPr>
+              <a:t>有</a:t>
+            </a:r>
+            <a:r>
+              <a:rPr lang="zh-TW" altLang="en-US" dirty="0">
+                <a:solidFill>
+                  <a:schemeClr val="tx1"/>
+                </a:solidFill>
+              </a:rPr>
+              <a:t>健身觀念但還沒展開計畫的準健身小白	</a:t>
             </a:r>
           </a:p>
           <a:p>
@@ -9254,21 +9727,12 @@
               <a:buChar char="l"/>
             </a:pPr>
             <a:r>
-              <a:rPr kumimoji="0" lang="zh-TW" altLang="en-US" sz="2400" b="1" i="0" u="none" strike="noStrike" kern="1200" cap="none" spc="0" normalizeH="0" baseline="0" noProof="0" dirty="0">
-                <a:ln>
-                  <a:noFill/>
-                </a:ln>
-                <a:solidFill>
-                  <a:schemeClr val="bg1"/>
-                </a:solidFill>
-                <a:effectLst/>
-                <a:uLnTx/>
-                <a:uFillTx/>
-                <a:latin typeface="微軟正黑體" pitchFamily="34" charset="-120"/>
-                <a:ea typeface="微軟正黑體" pitchFamily="34" charset="-120"/>
-                <a:cs typeface="+mn-cs"/>
-              </a:rPr>
-              <a:t>可能會參雜許多正確或誤導的觀念</a:t>
+              <a:rPr lang="zh-TW" altLang="en-US" dirty="0">
+                <a:solidFill>
+                  <a:schemeClr val="tx1"/>
+                </a:solidFill>
+              </a:rPr>
+              <a:t>想開始但還很徬徨的健身小白</a:t>
             </a:r>
           </a:p>
           <a:p>
@@ -9280,69 +9744,127 @@
               <a:buChar char="l"/>
             </a:pPr>
             <a:r>
-              <a:rPr kumimoji="0" lang="zh-TW" altLang="en-US" sz="2400" b="1" i="0" u="none" strike="noStrike" kern="1200" cap="none" spc="0" normalizeH="0" baseline="0" noProof="0" dirty="0">
-                <a:ln>
-                  <a:noFill/>
-                </a:ln>
-                <a:solidFill>
-                  <a:schemeClr val="bg1"/>
-                </a:solidFill>
-                <a:effectLst/>
-                <a:uLnTx/>
-                <a:uFillTx/>
-                <a:latin typeface="微軟正黑體" pitchFamily="34" charset="-120"/>
-                <a:ea typeface="微軟正黑體" pitchFamily="34" charset="-120"/>
-                <a:cs typeface="+mn-cs"/>
-              </a:rPr>
-              <a:t>同時，近年來的健身區是造就健身房林立，許多人可能想踏出這一步，但苦於一個開頭或推手。</a:t>
-            </a:r>
-          </a:p>
-          <a:p>
-            <a:pPr>
-              <a:lnSpc>
-                <a:spcPts val="3600"/>
-              </a:lnSpc>
-              <a:buFont typeface="Wingdings" panose="05000000000000000000" pitchFamily="2" charset="2"/>
-              <a:buChar char="l"/>
-            </a:pPr>
-            <a:r>
-              <a:rPr kumimoji="0" lang="zh-TW" altLang="en-US" sz="2400" b="1" i="0" u="none" strike="noStrike" kern="1200" cap="none" spc="0" normalizeH="0" baseline="0" noProof="0" dirty="0">
-                <a:ln>
-                  <a:noFill/>
-                </a:ln>
-                <a:solidFill>
-                  <a:schemeClr val="bg1"/>
-                </a:solidFill>
-                <a:effectLst/>
-                <a:uLnTx/>
-                <a:uFillTx/>
-                <a:latin typeface="微軟正黑體" pitchFamily="34" charset="-120"/>
-                <a:ea typeface="微軟正黑體" pitchFamily="34" charset="-120"/>
-                <a:cs typeface="+mn-cs"/>
-              </a:rPr>
-              <a:t>所以我們想開創一個資訊整合平台，整合並提供客觀資訊提供使用者參考，成為健身小白的新手村。</a:t>
-            </a:r>
-            <a:endParaRPr kumimoji="0" lang="en-US" altLang="zh-TW" sz="2400" b="1" i="0" u="none" strike="noStrike" kern="1200" cap="none" spc="0" normalizeH="0" baseline="0" noProof="0" dirty="0">
+              <a:rPr lang="zh-TW" altLang="en-US" dirty="0">
+                <a:solidFill>
+                  <a:schemeClr val="tx1"/>
+                </a:solidFill>
+              </a:rPr>
+              <a:t>剛開始但資訊還不成熟的健身小白	</a:t>
+            </a:r>
+            <a:endParaRPr kumimoji="0" lang="en-US" altLang="zh-TW" b="1" i="0" u="none" strike="noStrike" kern="1200" cap="none" spc="0" normalizeH="0" baseline="0" noProof="0" dirty="0">
               <a:ln>
                 <a:noFill/>
               </a:ln>
               <a:solidFill>
-                <a:schemeClr val="bg1"/>
+                <a:schemeClr val="tx1"/>
               </a:solidFill>
               <a:effectLst/>
               <a:uLnTx/>
               <a:uFillTx/>
-              <a:latin typeface="微軟正黑體" pitchFamily="34" charset="-120"/>
-              <a:ea typeface="微軟正黑體" pitchFamily="34" charset="-120"/>
-              <a:cs typeface="+mn-cs"/>
             </a:endParaRPr>
           </a:p>
         </p:txBody>
       </p:sp>
+      <p:pic>
+        <p:nvPicPr>
+          <p:cNvPr id="2050" name="Picture 2" descr="D:\本地全端應用網站開發120D\大專\start_fitness\Eva\AI\FOOD.png"/>
+          <p:cNvPicPr>
+            <a:picLocks noChangeAspect="1" noChangeArrowheads="1"/>
+          </p:cNvPicPr>
+          <p:nvPr/>
+        </p:nvPicPr>
+        <p:blipFill>
+          <a:blip r:embed="rId2" cstate="print">
+            <a:extLst>
+              <a:ext uri="{28A0092B-C50C-407E-A947-70E740481C1C}">
+                <a14:useLocalDpi xmlns:a14="http://schemas.microsoft.com/office/drawing/2010/main" val="0"/>
+              </a:ext>
+            </a:extLst>
+          </a:blip>
+          <a:srcRect/>
+          <a:stretch>
+            <a:fillRect/>
+          </a:stretch>
+        </p:blipFill>
+        <p:spPr bwMode="auto">
+          <a:xfrm>
+            <a:off x="8625408" y="5733256"/>
+            <a:ext cx="936104" cy="693007"/>
+          </a:xfrm>
+          <a:prstGeom prst="rect">
+            <a:avLst/>
+          </a:prstGeom>
+          <a:noFill/>
+          <a:effectLst>
+            <a:outerShdw blurRad="76200" dir="18900000" sy="23000" kx="-1200000" algn="bl" rotWithShape="0">
+              <a:prstClr val="black">
+                <a:alpha val="20000"/>
+              </a:prstClr>
+            </a:outerShdw>
+          </a:effectLst>
+          <a:extLst>
+            <a:ext uri="{909E8E84-426E-40DD-AFC4-6F175D3DCCD1}">
+              <a14:hiddenFill xmlns:a14="http://schemas.microsoft.com/office/drawing/2010/main">
+                <a:solidFill>
+                  <a:srgbClr val="FFFFFF"/>
+                </a:solidFill>
+              </a14:hiddenFill>
+            </a:ext>
+          </a:extLst>
+        </p:spPr>
+      </p:pic>
+      <p:pic>
+        <p:nvPicPr>
+          <p:cNvPr id="2051" name="Picture 3" descr="D:\本地全端應用網站開發120D\大專\start_fitness\Eva\AI\SP.png"/>
+          <p:cNvPicPr>
+            <a:picLocks noChangeAspect="1" noChangeArrowheads="1"/>
+          </p:cNvPicPr>
+          <p:nvPr/>
+        </p:nvPicPr>
+        <p:blipFill>
+          <a:blip r:embed="rId3" cstate="print">
+            <a:extLst>
+              <a:ext uri="{28A0092B-C50C-407E-A947-70E740481C1C}">
+                <a14:useLocalDpi xmlns:a14="http://schemas.microsoft.com/office/drawing/2010/main" val="0"/>
+              </a:ext>
+            </a:extLst>
+          </a:blip>
+          <a:srcRect/>
+          <a:stretch>
+            <a:fillRect/>
+          </a:stretch>
+        </p:blipFill>
+        <p:spPr bwMode="auto">
+          <a:xfrm>
+            <a:off x="266818" y="1419787"/>
+            <a:ext cx="874006" cy="688980"/>
+          </a:xfrm>
+          <a:prstGeom prst="rect">
+            <a:avLst/>
+          </a:prstGeom>
+          <a:noFill/>
+          <a:effectLst>
+            <a:outerShdw blurRad="76200" dir="13500000" sy="23000" kx="1200000" algn="br" rotWithShape="0">
+              <a:prstClr val="black">
+                <a:alpha val="20000"/>
+              </a:prstClr>
+            </a:outerShdw>
+          </a:effectLst>
+          <a:extLst>
+            <a:ext uri="{909E8E84-426E-40DD-AFC4-6F175D3DCCD1}">
+              <a14:hiddenFill xmlns:a14="http://schemas.microsoft.com/office/drawing/2010/main">
+                <a:solidFill>
+                  <a:srgbClr val="FFFFFF"/>
+                </a:solidFill>
+              </a14:hiddenFill>
+            </a:ext>
+          </a:extLst>
+        </p:spPr>
+      </p:pic>
     </p:spTree>
     <p:extLst>
       <p:ext uri="{BB962C8B-B14F-4D97-AF65-F5344CB8AC3E}">
-        <p14:creationId xmlns:p14="http://schemas.microsoft.com/office/powerpoint/2010/main" val="1568314330"/>
+        <p14:creationId xmlns:p14="http://schemas.microsoft.com/office/powerpoint/2010/main" val="4023445041"/>
       </p:ext>
     </p:extLst>
   </p:cSld>
@@ -9378,6 +9900,50 @@
       </p:grpSpPr>
       <p:sp>
         <p:nvSpPr>
+          <p:cNvPr id="5" name="矩形 4"/>
+          <p:cNvSpPr/>
+          <p:nvPr/>
+        </p:nvSpPr>
+        <p:spPr>
+          <a:xfrm>
+            <a:off x="0" y="1268760"/>
+            <a:ext cx="9906000" cy="5400600"/>
+          </a:xfrm>
+          <a:prstGeom prst="rect">
+            <a:avLst/>
+          </a:prstGeom>
+          <a:solidFill>
+            <a:schemeClr val="bg1"/>
+          </a:solidFill>
+          <a:ln>
+            <a:noFill/>
+          </a:ln>
+        </p:spPr>
+        <p:style>
+          <a:lnRef idx="1">
+            <a:schemeClr val="accent4"/>
+          </a:lnRef>
+          <a:fillRef idx="3">
+            <a:schemeClr val="accent4"/>
+          </a:fillRef>
+          <a:effectRef idx="2">
+            <a:schemeClr val="accent4"/>
+          </a:effectRef>
+          <a:fontRef idx="minor">
+            <a:schemeClr val="lt1"/>
+          </a:fontRef>
+        </p:style>
+        <p:txBody>
+          <a:bodyPr rtlCol="0" anchor="ctr"/>
+          <a:lstStyle/>
+          <a:p>
+            <a:pPr algn="ctr"/>
+            <a:endParaRPr lang="zh-TW" altLang="en-US"/>
+          </a:p>
+        </p:txBody>
+      </p:sp>
+      <p:sp>
+        <p:nvSpPr>
           <p:cNvPr id="4" name="標題 3"/>
           <p:cNvSpPr>
             <a:spLocks noGrp="1"/>
@@ -9388,7 +9954,7 @@
         </p:nvSpPr>
         <p:spPr>
           <a:xfrm>
-            <a:off x="632520" y="0"/>
+            <a:off x="632520" y="332656"/>
             <a:ext cx="8640960" cy="692696"/>
           </a:xfrm>
           <a:prstGeom prst="rect">
@@ -9396,11 +9962,21 @@
           </a:prstGeom>
         </p:spPr>
         <p:txBody>
-          <a:bodyPr/>
+          <a:bodyPr>
+            <a:noAutofit/>
+          </a:bodyPr>
           <a:lstStyle/>
           <a:p>
             <a:r>
-              <a:rPr lang="zh-TW" altLang="en-US" b="0" dirty="0"/>
+              <a:rPr lang="zh-TW" altLang="en-US" sz="4000" dirty="0">
+                <a:effectLst>
+                  <a:innerShdw blurRad="63500" dist="50800" dir="18900000">
+                    <a:prstClr val="black">
+                      <a:alpha val="50000"/>
+                    </a:prstClr>
+                  </a:innerShdw>
+                </a:effectLst>
+              </a:rPr>
               <a:t>目標客群</a:t>
             </a:r>
           </a:p>
@@ -9416,8 +9992,491 @@
         </p:nvSpPr>
         <p:spPr bwMode="ltGray">
           <a:xfrm>
-            <a:off x="1065600" y="979200"/>
-            <a:ext cx="7920000" cy="4824536"/>
+            <a:off x="1538845" y="1916832"/>
+            <a:ext cx="7269079" cy="3996444"/>
+          </a:xfrm>
+          <a:prstGeom prst="rect">
+            <a:avLst/>
+          </a:prstGeom>
+        </p:spPr>
+        <p:txBody>
+          <a:bodyPr vert="horz" lIns="91440" tIns="45720" rIns="91440" bIns="45720" rtlCol="0" anchor="ctr">
+            <a:noAutofit/>
+          </a:bodyPr>
+          <a:lstStyle>
+            <a:lvl1pPr marL="342900" indent="-342900" algn="l" defTabSz="914400" rtl="0" eaLnBrk="1" latinLnBrk="0" hangingPunct="1">
+              <a:lnSpc>
+                <a:spcPct val="100000"/>
+              </a:lnSpc>
+              <a:spcBef>
+                <a:spcPts val="600"/>
+              </a:spcBef>
+              <a:spcAft>
+                <a:spcPts val="600"/>
+              </a:spcAft>
+              <a:buClr>
+                <a:schemeClr val="accent1"/>
+              </a:buClr>
+              <a:buFont typeface="Arial" pitchFamily="34" charset="0"/>
+              <a:buChar char="•"/>
+              <a:defRPr sz="2800" b="1" kern="1200">
+                <a:solidFill>
+                  <a:srgbClr val="393939"/>
+                </a:solidFill>
+                <a:latin typeface="微軟正黑體" pitchFamily="34" charset="-120"/>
+                <a:ea typeface="微軟正黑體" pitchFamily="34" charset="-120"/>
+                <a:cs typeface="+mn-cs"/>
+              </a:defRPr>
+            </a:lvl1pPr>
+            <a:lvl2pPr marL="714375" indent="-352425" algn="l" defTabSz="914400" rtl="0" eaLnBrk="1" latinLnBrk="0" hangingPunct="1">
+              <a:lnSpc>
+                <a:spcPct val="100000"/>
+              </a:lnSpc>
+              <a:spcBef>
+                <a:spcPts val="600"/>
+              </a:spcBef>
+              <a:spcAft>
+                <a:spcPts val="600"/>
+              </a:spcAft>
+              <a:buClr>
+                <a:schemeClr val="accent2"/>
+              </a:buClr>
+              <a:buFont typeface="Arial" pitchFamily="34" charset="0"/>
+              <a:buChar char="–"/>
+              <a:defRPr sz="2400" b="1" kern="1200">
+                <a:solidFill>
+                  <a:srgbClr val="393939"/>
+                </a:solidFill>
+                <a:latin typeface="微軟正黑體" pitchFamily="34" charset="-120"/>
+                <a:ea typeface="微軟正黑體" pitchFamily="34" charset="-120"/>
+                <a:cs typeface="+mn-cs"/>
+              </a:defRPr>
+            </a:lvl2pPr>
+            <a:lvl3pPr marL="1076325" indent="-266700" algn="l" defTabSz="914400" rtl="0" eaLnBrk="1" latinLnBrk="0" hangingPunct="1">
+              <a:lnSpc>
+                <a:spcPct val="100000"/>
+              </a:lnSpc>
+              <a:spcBef>
+                <a:spcPts val="600"/>
+              </a:spcBef>
+              <a:spcAft>
+                <a:spcPts val="600"/>
+              </a:spcAft>
+              <a:buClr>
+                <a:schemeClr val="accent3"/>
+              </a:buClr>
+              <a:buFont typeface="Arial" pitchFamily="34" charset="0"/>
+              <a:buChar char="•"/>
+              <a:defRPr sz="2000" kern="1200">
+                <a:solidFill>
+                  <a:srgbClr val="393939"/>
+                </a:solidFill>
+                <a:latin typeface="微軟正黑體" pitchFamily="34" charset="-120"/>
+                <a:ea typeface="微軟正黑體" pitchFamily="34" charset="-120"/>
+                <a:cs typeface="+mn-cs"/>
+              </a:defRPr>
+            </a:lvl3pPr>
+            <a:lvl4pPr marL="1343025" indent="-180975" algn="l" defTabSz="914400" rtl="0" eaLnBrk="1" latinLnBrk="0" hangingPunct="1">
+              <a:lnSpc>
+                <a:spcPct val="100000"/>
+              </a:lnSpc>
+              <a:spcBef>
+                <a:spcPts val="600"/>
+              </a:spcBef>
+              <a:spcAft>
+                <a:spcPts val="600"/>
+              </a:spcAft>
+              <a:buClr>
+                <a:schemeClr val="accent4"/>
+              </a:buClr>
+              <a:buFont typeface="Arial" pitchFamily="34" charset="0"/>
+              <a:buChar char="–"/>
+              <a:defRPr sz="1800" kern="1200">
+                <a:solidFill>
+                  <a:srgbClr val="393939"/>
+                </a:solidFill>
+                <a:latin typeface="微軟正黑體" pitchFamily="34" charset="-120"/>
+                <a:ea typeface="微軟正黑體" pitchFamily="34" charset="-120"/>
+                <a:cs typeface="+mn-cs"/>
+              </a:defRPr>
+            </a:lvl4pPr>
+            <a:lvl5pPr marL="1619250" indent="-276225" algn="l" defTabSz="914400" rtl="0" eaLnBrk="1" latinLnBrk="0" hangingPunct="1">
+              <a:lnSpc>
+                <a:spcPct val="100000"/>
+              </a:lnSpc>
+              <a:spcBef>
+                <a:spcPts val="600"/>
+              </a:spcBef>
+              <a:spcAft>
+                <a:spcPts val="600"/>
+              </a:spcAft>
+              <a:buClr>
+                <a:schemeClr val="accent5"/>
+              </a:buClr>
+              <a:buFont typeface="Arial" pitchFamily="34" charset="0"/>
+              <a:buChar char="»"/>
+              <a:tabLst>
+                <a:tab pos="7981950" algn="l"/>
+              </a:tabLst>
+              <a:defRPr sz="1800" kern="1200">
+                <a:solidFill>
+                  <a:srgbClr val="393939"/>
+                </a:solidFill>
+                <a:latin typeface="微軟正黑體" pitchFamily="34" charset="-120"/>
+                <a:ea typeface="微軟正黑體" pitchFamily="34" charset="-120"/>
+                <a:cs typeface="+mn-cs"/>
+              </a:defRPr>
+            </a:lvl5pPr>
+            <a:lvl6pPr marL="2514600" indent="-228600" algn="l" defTabSz="914400" rtl="0" eaLnBrk="1" latinLnBrk="0" hangingPunct="1">
+              <a:spcBef>
+                <a:spcPct val="20000"/>
+              </a:spcBef>
+              <a:buFont typeface="Arial" pitchFamily="34" charset="0"/>
+              <a:buChar char="•"/>
+              <a:defRPr sz="2000" kern="1200">
+                <a:solidFill>
+                  <a:schemeClr val="tx1"/>
+                </a:solidFill>
+                <a:latin typeface="+mn-lt"/>
+                <a:ea typeface="+mn-ea"/>
+                <a:cs typeface="+mn-cs"/>
+              </a:defRPr>
+            </a:lvl6pPr>
+            <a:lvl7pPr marL="2971800" indent="-228600" algn="l" defTabSz="914400" rtl="0" eaLnBrk="1" latinLnBrk="0" hangingPunct="1">
+              <a:spcBef>
+                <a:spcPct val="20000"/>
+              </a:spcBef>
+              <a:buFont typeface="Arial" pitchFamily="34" charset="0"/>
+              <a:buChar char="•"/>
+              <a:defRPr sz="2000" kern="1200">
+                <a:solidFill>
+                  <a:schemeClr val="tx1"/>
+                </a:solidFill>
+                <a:latin typeface="+mn-lt"/>
+                <a:ea typeface="+mn-ea"/>
+                <a:cs typeface="+mn-cs"/>
+              </a:defRPr>
+            </a:lvl7pPr>
+            <a:lvl8pPr marL="3429000" indent="-228600" algn="l" defTabSz="914400" rtl="0" eaLnBrk="1" latinLnBrk="0" hangingPunct="1">
+              <a:spcBef>
+                <a:spcPct val="20000"/>
+              </a:spcBef>
+              <a:buFont typeface="Arial" pitchFamily="34" charset="0"/>
+              <a:buChar char="•"/>
+              <a:defRPr sz="2000" kern="1200">
+                <a:solidFill>
+                  <a:schemeClr val="tx1"/>
+                </a:solidFill>
+                <a:latin typeface="+mn-lt"/>
+                <a:ea typeface="+mn-ea"/>
+                <a:cs typeface="+mn-cs"/>
+              </a:defRPr>
+            </a:lvl8pPr>
+            <a:lvl9pPr marL="3886200" indent="-228600" algn="l" defTabSz="914400" rtl="0" eaLnBrk="1" latinLnBrk="0" hangingPunct="1">
+              <a:spcBef>
+                <a:spcPct val="20000"/>
+              </a:spcBef>
+              <a:buFont typeface="Arial" pitchFamily="34" charset="0"/>
+              <a:buChar char="•"/>
+              <a:defRPr sz="2000" kern="1200">
+                <a:solidFill>
+                  <a:schemeClr val="tx1"/>
+                </a:solidFill>
+                <a:latin typeface="+mn-lt"/>
+                <a:ea typeface="+mn-ea"/>
+                <a:cs typeface="+mn-cs"/>
+              </a:defRPr>
+            </a:lvl9pPr>
+          </a:lstStyle>
+          <a:p>
+            <a:pPr>
+              <a:lnSpc>
+                <a:spcPts val="3600"/>
+              </a:lnSpc>
+              <a:buFont typeface="Wingdings" panose="05000000000000000000" pitchFamily="2" charset="2"/>
+              <a:buChar char="l"/>
+            </a:pPr>
+            <a:r>
+              <a:rPr lang="en-US" altLang="zh-TW" b="0" dirty="0">
+                <a:solidFill>
+                  <a:schemeClr val="tx1"/>
+                </a:solidFill>
+              </a:rPr>
+              <a:t>PPT</a:t>
+            </a:r>
+          </a:p>
+          <a:p>
+            <a:pPr>
+              <a:lnSpc>
+                <a:spcPts val="3600"/>
+              </a:lnSpc>
+              <a:buFont typeface="Wingdings" panose="05000000000000000000" pitchFamily="2" charset="2"/>
+              <a:buChar char="l"/>
+            </a:pPr>
+            <a:r>
+              <a:rPr lang="en-US" altLang="zh-TW" b="0" dirty="0">
+                <a:solidFill>
+                  <a:schemeClr val="tx1"/>
+                </a:solidFill>
+              </a:rPr>
+              <a:t>1.</a:t>
+            </a:r>
+            <a:r>
+              <a:rPr lang="zh-TW" altLang="en-US" b="0" dirty="0">
+                <a:solidFill>
+                  <a:schemeClr val="tx1"/>
+                </a:solidFill>
+              </a:rPr>
+              <a:t>分工表</a:t>
+            </a:r>
+          </a:p>
+          <a:p>
+            <a:pPr>
+              <a:lnSpc>
+                <a:spcPts val="3600"/>
+              </a:lnSpc>
+              <a:buFont typeface="Wingdings" panose="05000000000000000000" pitchFamily="2" charset="2"/>
+              <a:buChar char="l"/>
+            </a:pPr>
+            <a:r>
+              <a:rPr lang="en-US" altLang="zh-TW" b="0" dirty="0">
+                <a:solidFill>
+                  <a:schemeClr val="tx1"/>
+                </a:solidFill>
+              </a:rPr>
+              <a:t>2.</a:t>
+            </a:r>
+            <a:r>
+              <a:rPr lang="zh-TW" altLang="en-US" b="0" dirty="0">
+                <a:solidFill>
+                  <a:schemeClr val="tx1"/>
+                </a:solidFill>
+              </a:rPr>
+              <a:t>技術點</a:t>
+            </a:r>
+          </a:p>
+          <a:p>
+            <a:pPr>
+              <a:lnSpc>
+                <a:spcPts val="3600"/>
+              </a:lnSpc>
+              <a:buFont typeface="Wingdings" panose="05000000000000000000" pitchFamily="2" charset="2"/>
+              <a:buChar char="l"/>
+            </a:pPr>
+            <a:r>
+              <a:rPr lang="en-US" altLang="zh-TW" b="0" dirty="0">
+                <a:solidFill>
+                  <a:schemeClr val="tx1"/>
+                </a:solidFill>
+              </a:rPr>
+              <a:t>3.</a:t>
+            </a:r>
+            <a:r>
+              <a:rPr lang="zh-TW" altLang="en-US" b="0" dirty="0">
+                <a:solidFill>
+                  <a:schemeClr val="tx1"/>
+                </a:solidFill>
+              </a:rPr>
+              <a:t>系統畫面	</a:t>
+            </a:r>
+            <a:endParaRPr kumimoji="0" lang="en-US" altLang="zh-TW" b="0" i="0" u="none" strike="noStrike" kern="1200" cap="none" spc="0" normalizeH="0" baseline="0" noProof="0" dirty="0">
+              <a:ln>
+                <a:noFill/>
+              </a:ln>
+              <a:solidFill>
+                <a:schemeClr val="tx1"/>
+              </a:solidFill>
+              <a:effectLst/>
+              <a:uLnTx/>
+              <a:uFillTx/>
+            </a:endParaRPr>
+          </a:p>
+        </p:txBody>
+      </p:sp>
+      <p:pic>
+        <p:nvPicPr>
+          <p:cNvPr id="2050" name="Picture 2" descr="D:\本地全端應用網站開發120D\大專\start_fitness\Eva\AI\FOOD.png"/>
+          <p:cNvPicPr>
+            <a:picLocks noChangeAspect="1" noChangeArrowheads="1"/>
+          </p:cNvPicPr>
+          <p:nvPr/>
+        </p:nvPicPr>
+        <p:blipFill>
+          <a:blip r:embed="rId2" cstate="print">
+            <a:extLst>
+              <a:ext uri="{28A0092B-C50C-407E-A947-70E740481C1C}">
+                <a14:useLocalDpi xmlns:a14="http://schemas.microsoft.com/office/drawing/2010/main" val="0"/>
+              </a:ext>
+            </a:extLst>
+          </a:blip>
+          <a:srcRect/>
+          <a:stretch>
+            <a:fillRect/>
+          </a:stretch>
+        </p:blipFill>
+        <p:spPr bwMode="auto">
+          <a:xfrm>
+            <a:off x="8625408" y="5733256"/>
+            <a:ext cx="936104" cy="693007"/>
+          </a:xfrm>
+          <a:prstGeom prst="rect">
+            <a:avLst/>
+          </a:prstGeom>
+          <a:noFill/>
+          <a:effectLst>
+            <a:outerShdw blurRad="76200" dir="18900000" sy="23000" kx="-1200000" algn="bl" rotWithShape="0">
+              <a:prstClr val="black">
+                <a:alpha val="20000"/>
+              </a:prstClr>
+            </a:outerShdw>
+          </a:effectLst>
+          <a:extLst>
+            <a:ext uri="{909E8E84-426E-40DD-AFC4-6F175D3DCCD1}">
+              <a14:hiddenFill xmlns:a14="http://schemas.microsoft.com/office/drawing/2010/main">
+                <a:solidFill>
+                  <a:srgbClr val="FFFFFF"/>
+                </a:solidFill>
+              </a14:hiddenFill>
+            </a:ext>
+          </a:extLst>
+        </p:spPr>
+      </p:pic>
+      <p:pic>
+        <p:nvPicPr>
+          <p:cNvPr id="2051" name="Picture 3" descr="D:\本地全端應用網站開發120D\大專\start_fitness\Eva\AI\SP.png"/>
+          <p:cNvPicPr>
+            <a:picLocks noChangeAspect="1" noChangeArrowheads="1"/>
+          </p:cNvPicPr>
+          <p:nvPr/>
+        </p:nvPicPr>
+        <p:blipFill>
+          <a:blip r:embed="rId3" cstate="print">
+            <a:extLst>
+              <a:ext uri="{28A0092B-C50C-407E-A947-70E740481C1C}">
+                <a14:useLocalDpi xmlns:a14="http://schemas.microsoft.com/office/drawing/2010/main" val="0"/>
+              </a:ext>
+            </a:extLst>
+          </a:blip>
+          <a:srcRect/>
+          <a:stretch>
+            <a:fillRect/>
+          </a:stretch>
+        </p:blipFill>
+        <p:spPr bwMode="auto">
+          <a:xfrm>
+            <a:off x="266818" y="1419787"/>
+            <a:ext cx="874006" cy="688980"/>
+          </a:xfrm>
+          <a:prstGeom prst="rect">
+            <a:avLst/>
+          </a:prstGeom>
+          <a:noFill/>
+          <a:effectLst>
+            <a:outerShdw blurRad="76200" dir="13500000" sy="23000" kx="1200000" algn="br" rotWithShape="0">
+              <a:prstClr val="black">
+                <a:alpha val="20000"/>
+              </a:prstClr>
+            </a:outerShdw>
+          </a:effectLst>
+          <a:extLst>
+            <a:ext uri="{909E8E84-426E-40DD-AFC4-6F175D3DCCD1}">
+              <a14:hiddenFill xmlns:a14="http://schemas.microsoft.com/office/drawing/2010/main">
+                <a:solidFill>
+                  <a:srgbClr val="FFFFFF"/>
+                </a:solidFill>
+              </a14:hiddenFill>
+            </a:ext>
+          </a:extLst>
+        </p:spPr>
+      </p:pic>
+      <p:sp>
+        <p:nvSpPr>
+          <p:cNvPr id="2" name="矩形 1"/>
+          <p:cNvSpPr/>
+          <p:nvPr/>
+        </p:nvSpPr>
+        <p:spPr>
+          <a:xfrm>
+            <a:off x="3475672" y="3152001"/>
+            <a:ext cx="2954655" cy="553998"/>
+          </a:xfrm>
+          <a:prstGeom prst="rect">
+            <a:avLst/>
+          </a:prstGeom>
+        </p:spPr>
+        <p:txBody>
+          <a:bodyPr wrap="none">
+            <a:spAutoFit/>
+          </a:bodyPr>
+          <a:lstStyle/>
+          <a:p>
+            <a:pPr>
+              <a:lnSpc>
+                <a:spcPts val="3600"/>
+              </a:lnSpc>
+              <a:buFont typeface="Wingdings" panose="05000000000000000000" pitchFamily="2" charset="2"/>
+              <a:buChar char="l"/>
+            </a:pPr>
+            <a:r>
+              <a:rPr lang="zh-TW" altLang="en-US" dirty="0">
+                <a:solidFill>
+                  <a:schemeClr val="bg1"/>
+                </a:solidFill>
+              </a:rPr>
+              <a:t>佳樺</a:t>
+            </a:r>
+            <a:r>
+              <a:rPr lang="en-US" altLang="zh-TW" b="1" dirty="0">
+                <a:solidFill>
+                  <a:schemeClr val="bg1"/>
+                </a:solidFill>
+                <a:latin typeface="微軟正黑體" pitchFamily="34" charset="-120"/>
+                <a:ea typeface="微軟正黑體" pitchFamily="34" charset="-120"/>
+              </a:rPr>
+              <a:t> =&gt;</a:t>
+            </a:r>
+            <a:r>
+              <a:rPr lang="zh-TW" altLang="en-US" b="1" dirty="0">
+                <a:solidFill>
+                  <a:schemeClr val="bg1"/>
+                </a:solidFill>
+                <a:latin typeface="微軟正黑體" pitchFamily="34" charset="-120"/>
+                <a:ea typeface="微軟正黑體" pitchFamily="34" charset="-120"/>
+              </a:rPr>
+              <a:t>人員介紹 理念 </a:t>
+            </a:r>
+            <a:r>
+              <a:rPr lang="en-US" altLang="zh-TW" b="1" dirty="0">
+                <a:solidFill>
+                  <a:schemeClr val="bg1"/>
+                </a:solidFill>
+                <a:latin typeface="微軟正黑體" pitchFamily="34" charset="-120"/>
+                <a:ea typeface="微軟正黑體" pitchFamily="34" charset="-120"/>
+              </a:rPr>
+              <a:t>&gt; </a:t>
+            </a:r>
+            <a:endParaRPr lang="en-US" altLang="zh-TW" b="1" dirty="0">
+              <a:solidFill>
+                <a:schemeClr val="bg1"/>
+              </a:solidFill>
+              <a:latin typeface="微軟正黑體" pitchFamily="34" charset="-120"/>
+              <a:ea typeface="微軟正黑體" pitchFamily="34" charset="-120"/>
+            </a:endParaRPr>
+          </a:p>
+        </p:txBody>
+      </p:sp>
+      <p:sp>
+        <p:nvSpPr>
+          <p:cNvPr id="10" name="內容版面配置區 1"/>
+          <p:cNvSpPr txBox="1">
+            <a:spLocks/>
+          </p:cNvSpPr>
+          <p:nvPr/>
+        </p:nvSpPr>
+        <p:spPr bwMode="ltGray">
+          <a:xfrm>
+            <a:off x="3872880" y="2038287"/>
+            <a:ext cx="5759608" cy="3694969"/>
           </a:xfrm>
           <a:prstGeom prst="rect">
             <a:avLst/>
@@ -9621,22 +10680,30 @@
               <a:buChar char="l"/>
             </a:pPr>
             <a:r>
-              <a:rPr kumimoji="0" lang="zh-TW" altLang="en-US" sz="2400" b="1" i="0" u="none" strike="noStrike" kern="1200" cap="none" spc="0" normalizeH="0" baseline="0" noProof="0" dirty="0">
-                <a:ln>
-                  <a:noFill/>
-                </a:ln>
-                <a:solidFill>
-                  <a:schemeClr val="bg1"/>
-                </a:solidFill>
-                <a:effectLst/>
-                <a:uLnTx/>
-                <a:uFillTx/>
-                <a:latin typeface="微軟正黑體" pitchFamily="34" charset="-120"/>
-                <a:ea typeface="微軟正黑體" pitchFamily="34" charset="-120"/>
-                <a:cs typeface="+mn-cs"/>
-              </a:rPr>
-              <a:t>有健身觀念但還沒展開計畫的準健身小白	</a:t>
-            </a:r>
+              <a:rPr lang="zh-TW" altLang="en-US" sz="1800" dirty="0">
+                <a:effectLst>
+                  <a:innerShdw blurRad="63500" dist="50800" dir="18900000">
+                    <a:prstClr val="black">
+                      <a:alpha val="50000"/>
+                    </a:prstClr>
+                  </a:innerShdw>
+                </a:effectLst>
+              </a:rPr>
+              <a:t>組員報告順序</a:t>
+            </a:r>
+            <a:endParaRPr kumimoji="0" lang="en-US" altLang="zh-TW" sz="1800" b="1" i="0" u="none" strike="noStrike" kern="1200" cap="none" spc="0" normalizeH="0" baseline="0" noProof="0" dirty="0" smtClean="0">
+              <a:ln>
+                <a:noFill/>
+              </a:ln>
+              <a:solidFill>
+                <a:schemeClr val="bg2">
+                  <a:lumMod val="10000"/>
+                </a:schemeClr>
+              </a:solidFill>
+              <a:effectLst/>
+              <a:uLnTx/>
+              <a:uFillTx/>
+            </a:endParaRPr>
           </a:p>
           <a:p>
             <a:pPr>
@@ -9647,43 +10714,161 @@
               <a:buChar char="l"/>
             </a:pPr>
             <a:r>
-              <a:rPr lang="zh-TW" altLang="en-US" sz="2400" dirty="0">
-                <a:solidFill>
-                  <a:schemeClr val="bg1"/>
-                </a:solidFill>
-              </a:rPr>
-              <a:t>想</a:t>
-            </a:r>
-            <a:r>
-              <a:rPr kumimoji="0" lang="zh-TW" altLang="en-US" sz="2400" b="1" i="0" u="none" strike="noStrike" kern="1200" cap="none" spc="0" normalizeH="0" baseline="0" noProof="0" dirty="0">
+              <a:rPr kumimoji="0" lang="zh-TW" altLang="en-US" sz="1800" b="1" i="0" u="none" strike="noStrike" kern="1200" cap="none" spc="0" normalizeH="0" baseline="0" noProof="0" dirty="0" smtClean="0">
                 <a:ln>
                   <a:noFill/>
                 </a:ln>
                 <a:solidFill>
-                  <a:schemeClr val="bg1"/>
+                  <a:schemeClr val="bg2">
+                    <a:lumMod val="10000"/>
+                  </a:schemeClr>
                 </a:solidFill>
                 <a:effectLst/>
                 <a:uLnTx/>
                 <a:uFillTx/>
-                <a:latin typeface="微軟正黑體" pitchFamily="34" charset="-120"/>
-                <a:ea typeface="微軟正黑體" pitchFamily="34" charset="-120"/>
-                <a:cs typeface="+mn-cs"/>
-              </a:rPr>
-              <a:t>開始但還很徬徨的健身小白</a:t>
-            </a:r>
-            <a:endParaRPr kumimoji="0" lang="en-US" altLang="zh-TW" sz="2400" b="1" i="0" u="none" strike="noStrike" kern="1200" cap="none" spc="0" normalizeH="0" baseline="0" noProof="0" dirty="0">
+              </a:rPr>
+              <a:t>從 </a:t>
+            </a:r>
+            <a:r>
+              <a:rPr kumimoji="0" lang="zh-TW" altLang="en-US" sz="1800" b="1" i="0" u="none" strike="noStrike" kern="1200" cap="none" spc="0" normalizeH="0" baseline="0" noProof="0" dirty="0">
+                <a:ln>
+                  <a:noFill/>
+                </a:ln>
+                <a:solidFill>
+                  <a:schemeClr val="bg2">
+                    <a:lumMod val="10000"/>
+                  </a:schemeClr>
+                </a:solidFill>
+                <a:effectLst/>
+                <a:uLnTx/>
+                <a:uFillTx/>
+              </a:rPr>
+              <a:t>前端</a:t>
+            </a:r>
+            <a:r>
+              <a:rPr kumimoji="0" lang="en-US" altLang="zh-TW" sz="1800" b="1" i="0" u="none" strike="noStrike" kern="1200" cap="none" spc="0" normalizeH="0" baseline="0" noProof="0" dirty="0">
+                <a:ln>
+                  <a:noFill/>
+                </a:ln>
+                <a:solidFill>
+                  <a:schemeClr val="bg2">
+                    <a:lumMod val="10000"/>
+                  </a:schemeClr>
+                </a:solidFill>
+                <a:effectLst/>
+                <a:uLnTx/>
+                <a:uFillTx/>
+              </a:rPr>
+              <a:t>&gt;</a:t>
+            </a:r>
+            <a:r>
+              <a:rPr kumimoji="0" lang="zh-TW" altLang="en-US" sz="1800" b="1" i="0" u="none" strike="noStrike" kern="1200" cap="none" spc="0" normalizeH="0" baseline="0" noProof="0" dirty="0">
+                <a:ln>
+                  <a:noFill/>
+                </a:ln>
+                <a:solidFill>
+                  <a:schemeClr val="bg2">
+                    <a:lumMod val="10000"/>
+                  </a:schemeClr>
+                </a:solidFill>
+                <a:effectLst/>
+                <a:uLnTx/>
+                <a:uFillTx/>
+              </a:rPr>
+              <a:t>後端 </a:t>
+            </a:r>
+            <a:r>
+              <a:rPr kumimoji="0" lang="zh-TW" altLang="en-US" sz="1800" b="1" i="0" u="none" strike="noStrike" kern="1200" cap="none" spc="0" normalizeH="0" noProof="0" dirty="0" smtClean="0">
+                <a:ln>
+                  <a:noFill/>
+                </a:ln>
+                <a:solidFill>
+                  <a:schemeClr val="bg2">
+                    <a:lumMod val="10000"/>
+                  </a:schemeClr>
+                </a:solidFill>
+                <a:effectLst/>
+                <a:uLnTx/>
+                <a:uFillTx/>
+              </a:rPr>
+              <a:t> </a:t>
+            </a:r>
+            <a:r>
+              <a:rPr kumimoji="0" lang="zh-TW" altLang="en-US" sz="1800" b="1" i="0" u="none" strike="noStrike" kern="1200" cap="none" spc="0" normalizeH="0" baseline="0" noProof="0" dirty="0" smtClean="0">
+                <a:ln>
+                  <a:noFill/>
+                </a:ln>
+                <a:solidFill>
+                  <a:schemeClr val="bg2">
+                    <a:lumMod val="10000"/>
+                  </a:schemeClr>
+                </a:solidFill>
+                <a:effectLst/>
+                <a:uLnTx/>
+                <a:uFillTx/>
+              </a:rPr>
+              <a:t>從 </a:t>
+            </a:r>
+            <a:r>
+              <a:rPr kumimoji="0" lang="zh-TW" altLang="en-US" sz="1800" b="1" i="0" u="none" strike="noStrike" kern="1200" cap="none" spc="0" normalizeH="0" baseline="0" noProof="0" dirty="0">
+                <a:ln>
+                  <a:noFill/>
+                </a:ln>
+                <a:solidFill>
+                  <a:schemeClr val="bg2">
+                    <a:lumMod val="10000"/>
+                  </a:schemeClr>
+                </a:solidFill>
+                <a:effectLst/>
+                <a:uLnTx/>
+                <a:uFillTx/>
+              </a:rPr>
+              <a:t>畫面</a:t>
+            </a:r>
+            <a:r>
+              <a:rPr kumimoji="0" lang="en-US" altLang="zh-TW" sz="1800" b="1" i="0" u="none" strike="noStrike" kern="1200" cap="none" spc="0" normalizeH="0" baseline="0" noProof="0" dirty="0">
+                <a:ln>
+                  <a:noFill/>
+                </a:ln>
+                <a:solidFill>
+                  <a:schemeClr val="bg2">
+                    <a:lumMod val="10000"/>
+                  </a:schemeClr>
+                </a:solidFill>
+                <a:effectLst/>
+                <a:uLnTx/>
+                <a:uFillTx/>
+              </a:rPr>
+              <a:t>&gt;</a:t>
+            </a:r>
+            <a:r>
+              <a:rPr kumimoji="0" lang="zh-TW" altLang="en-US" sz="1800" b="1" i="0" u="none" strike="noStrike" kern="1200" cap="none" spc="0" normalizeH="0" baseline="0" noProof="0" dirty="0" smtClean="0">
+                <a:ln>
+                  <a:noFill/>
+                </a:ln>
+                <a:solidFill>
+                  <a:schemeClr val="bg2">
+                    <a:lumMod val="10000"/>
+                  </a:schemeClr>
+                </a:solidFill>
+                <a:effectLst/>
+                <a:uLnTx/>
+                <a:uFillTx/>
+              </a:rPr>
+              <a:t>管理</a:t>
+            </a:r>
+            <a:endParaRPr kumimoji="0" lang="zh-TW" altLang="en-US" sz="1800" b="1" i="0" u="none" strike="noStrike" kern="1200" cap="none" spc="0" normalizeH="0" baseline="0" noProof="0" dirty="0">
               <a:ln>
                 <a:noFill/>
               </a:ln>
               <a:solidFill>
-                <a:schemeClr val="bg1"/>
+                <a:schemeClr val="bg2">
+                  <a:lumMod val="10000"/>
+                </a:schemeClr>
               </a:solidFill>
               <a:effectLst/>
               <a:uLnTx/>
               <a:uFillTx/>
-              <a:latin typeface="微軟正黑體" pitchFamily="34" charset="-120"/>
-              <a:ea typeface="微軟正黑體" pitchFamily="34" charset="-120"/>
-              <a:cs typeface="+mn-cs"/>
             </a:endParaRPr>
           </a:p>
           <a:p>
@@ -9695,29 +10880,393 @@
               <a:buChar char="l"/>
             </a:pPr>
             <a:r>
-              <a:rPr lang="zh-TW" altLang="en-US" sz="2400" dirty="0">
-                <a:solidFill>
-                  <a:schemeClr val="bg1"/>
-                </a:solidFill>
-              </a:rPr>
-              <a:t>剛開始但資訊還不成熟的健身小白</a:t>
-            </a:r>
-            <a:r>
-              <a:rPr kumimoji="0" lang="zh-TW" altLang="en-US" sz="2400" b="1" i="0" u="none" strike="noStrike" kern="1200" cap="none" spc="0" normalizeH="0" baseline="0" noProof="0" dirty="0">
+              <a:rPr lang="zh-TW" altLang="en-US" sz="1800" dirty="0">
+                <a:solidFill>
+                  <a:schemeClr val="bg2">
+                    <a:lumMod val="10000"/>
+                  </a:schemeClr>
+                </a:solidFill>
+              </a:rPr>
+              <a:t>佳樺</a:t>
+            </a:r>
+            <a:r>
+              <a:rPr kumimoji="0" lang="en-US" altLang="zh-TW" sz="1800" b="1" i="0" u="none" strike="noStrike" kern="1200" cap="none" spc="0" normalizeH="0" baseline="0" noProof="0" dirty="0">
                 <a:ln>
                   <a:noFill/>
                 </a:ln>
                 <a:solidFill>
-                  <a:schemeClr val="bg1"/>
+                  <a:schemeClr val="bg2">
+                    <a:lumMod val="10000"/>
+                  </a:schemeClr>
                 </a:solidFill>
                 <a:effectLst/>
                 <a:uLnTx/>
                 <a:uFillTx/>
-                <a:latin typeface="微軟正黑體" pitchFamily="34" charset="-120"/>
-                <a:ea typeface="微軟正黑體" pitchFamily="34" charset="-120"/>
-                <a:cs typeface="+mn-cs"/>
-              </a:rPr>
-              <a:t>			</a:t>
+              </a:rPr>
+              <a:t> =&gt;</a:t>
+            </a:r>
+            <a:r>
+              <a:rPr kumimoji="0" lang="zh-TW" altLang="en-US" sz="1800" b="1" i="0" u="none" strike="noStrike" kern="1200" cap="none" spc="0" normalizeH="0" baseline="0" noProof="0" dirty="0">
+                <a:ln>
+                  <a:noFill/>
+                </a:ln>
+                <a:solidFill>
+                  <a:schemeClr val="bg2">
+                    <a:lumMod val="10000"/>
+                  </a:schemeClr>
+                </a:solidFill>
+                <a:effectLst/>
+                <a:uLnTx/>
+                <a:uFillTx/>
+              </a:rPr>
+              <a:t>人員介紹 理念 </a:t>
+            </a:r>
+            <a:r>
+              <a:rPr kumimoji="0" lang="en-US" altLang="zh-TW" sz="1800" b="1" i="0" u="none" strike="noStrike" kern="1200" cap="none" spc="0" normalizeH="0" baseline="0" noProof="0" dirty="0">
+                <a:ln>
+                  <a:noFill/>
+                </a:ln>
+                <a:solidFill>
+                  <a:schemeClr val="bg2">
+                    <a:lumMod val="10000"/>
+                  </a:schemeClr>
+                </a:solidFill>
+                <a:effectLst/>
+                <a:uLnTx/>
+                <a:uFillTx/>
+              </a:rPr>
+              <a:t>&gt; </a:t>
+            </a:r>
+          </a:p>
+          <a:p>
+            <a:pPr>
+              <a:lnSpc>
+                <a:spcPts val="3600"/>
+              </a:lnSpc>
+              <a:buFont typeface="Wingdings" panose="05000000000000000000" pitchFamily="2" charset="2"/>
+              <a:buChar char="l"/>
+            </a:pPr>
+            <a:r>
+              <a:rPr kumimoji="0" lang="zh-TW" altLang="en-US" sz="1800" b="1" i="0" u="none" strike="noStrike" kern="1200" cap="none" spc="0" normalizeH="0" baseline="0" noProof="0" dirty="0">
+                <a:ln>
+                  <a:noFill/>
+                </a:ln>
+                <a:solidFill>
+                  <a:schemeClr val="bg2">
+                    <a:lumMod val="10000"/>
+                  </a:schemeClr>
+                </a:solidFill>
+                <a:effectLst/>
+                <a:uLnTx/>
+                <a:uFillTx/>
+              </a:rPr>
+              <a:t>孟穎 </a:t>
+            </a:r>
+            <a:r>
+              <a:rPr kumimoji="0" lang="en-US" altLang="zh-TW" sz="1800" b="1" i="0" u="none" strike="noStrike" kern="1200" cap="none" spc="0" normalizeH="0" baseline="0" noProof="0" dirty="0">
+                <a:ln>
+                  <a:noFill/>
+                </a:ln>
+                <a:solidFill>
+                  <a:schemeClr val="bg2">
+                    <a:lumMod val="10000"/>
+                  </a:schemeClr>
+                </a:solidFill>
+                <a:effectLst/>
+                <a:uLnTx/>
+                <a:uFillTx/>
+              </a:rPr>
+              <a:t>=&gt;</a:t>
+            </a:r>
+            <a:r>
+              <a:rPr kumimoji="0" lang="zh-TW" altLang="en-US" sz="1800" b="1" i="0" u="none" strike="noStrike" kern="1200" cap="none" spc="0" normalizeH="0" baseline="0" noProof="0" dirty="0">
+                <a:ln>
+                  <a:noFill/>
+                </a:ln>
+                <a:solidFill>
+                  <a:schemeClr val="bg2">
+                    <a:lumMod val="10000"/>
+                  </a:schemeClr>
+                </a:solidFill>
+                <a:effectLst/>
+                <a:uLnTx/>
+                <a:uFillTx/>
+              </a:rPr>
+              <a:t>設計概念 色彩運用 </a:t>
+            </a:r>
+            <a:r>
+              <a:rPr kumimoji="0" lang="en-US" altLang="zh-TW" sz="1800" b="1" i="0" u="none" strike="noStrike" kern="1200" cap="none" spc="0" normalizeH="0" baseline="0" noProof="0" dirty="0">
+                <a:ln>
+                  <a:noFill/>
+                </a:ln>
+                <a:solidFill>
+                  <a:schemeClr val="bg2">
+                    <a:lumMod val="10000"/>
+                  </a:schemeClr>
+                </a:solidFill>
+                <a:effectLst/>
+                <a:uLnTx/>
+                <a:uFillTx/>
+              </a:rPr>
+              <a:t>&gt; </a:t>
+            </a:r>
+          </a:p>
+          <a:p>
+            <a:pPr>
+              <a:lnSpc>
+                <a:spcPts val="3600"/>
+              </a:lnSpc>
+              <a:buFont typeface="Wingdings" panose="05000000000000000000" pitchFamily="2" charset="2"/>
+              <a:buChar char="l"/>
+            </a:pPr>
+            <a:r>
+              <a:rPr kumimoji="0" lang="zh-TW" altLang="en-US" sz="1800" b="1" i="0" u="none" strike="noStrike" kern="1200" cap="none" spc="0" normalizeH="0" baseline="0" noProof="0" dirty="0">
+                <a:ln>
+                  <a:noFill/>
+                </a:ln>
+                <a:solidFill>
+                  <a:schemeClr val="bg2">
+                    <a:lumMod val="10000"/>
+                  </a:schemeClr>
+                </a:solidFill>
+                <a:effectLst/>
+                <a:uLnTx/>
+                <a:uFillTx/>
+              </a:rPr>
+              <a:t>宜芬</a:t>
+            </a:r>
+            <a:r>
+              <a:rPr kumimoji="0" lang="en-US" altLang="zh-TW" sz="1800" b="1" i="0" u="none" strike="noStrike" kern="1200" cap="none" spc="0" normalizeH="0" baseline="0" noProof="0" dirty="0">
+                <a:ln>
+                  <a:noFill/>
+                </a:ln>
+                <a:solidFill>
+                  <a:schemeClr val="bg2">
+                    <a:lumMod val="10000"/>
+                  </a:schemeClr>
+                </a:solidFill>
+                <a:effectLst/>
+                <a:uLnTx/>
+                <a:uFillTx/>
+              </a:rPr>
+              <a:t> =&gt; </a:t>
+            </a:r>
+            <a:r>
+              <a:rPr kumimoji="0" lang="zh-TW" altLang="en-US" sz="1800" b="1" i="0" u="none" strike="noStrike" kern="1200" cap="none" spc="0" normalizeH="0" baseline="0" noProof="0" dirty="0">
+                <a:ln>
+                  <a:noFill/>
+                </a:ln>
+                <a:solidFill>
+                  <a:schemeClr val="bg2">
+                    <a:lumMod val="10000"/>
+                  </a:schemeClr>
+                </a:solidFill>
+                <a:effectLst/>
+                <a:uLnTx/>
+                <a:uFillTx/>
+              </a:rPr>
+              <a:t>功能</a:t>
+            </a:r>
+            <a:r>
+              <a:rPr kumimoji="0" lang="en-US" altLang="zh-TW" sz="1800" b="1" i="0" u="none" strike="noStrike" kern="1200" cap="none" spc="0" normalizeH="0" baseline="0" noProof="0" dirty="0">
+                <a:ln>
+                  <a:noFill/>
+                </a:ln>
+                <a:solidFill>
+                  <a:schemeClr val="bg2">
+                    <a:lumMod val="10000"/>
+                  </a:schemeClr>
+                </a:solidFill>
+                <a:effectLst/>
+                <a:uLnTx/>
+                <a:uFillTx/>
+              </a:rPr>
+              <a:t>: </a:t>
+            </a:r>
+            <a:r>
+              <a:rPr kumimoji="0" lang="zh-TW" altLang="en-US" sz="1800" b="1" i="0" u="none" strike="noStrike" kern="1200" cap="none" spc="0" normalizeH="0" baseline="0" noProof="0" dirty="0">
+                <a:ln>
+                  <a:noFill/>
+                </a:ln>
+                <a:solidFill>
+                  <a:schemeClr val="bg2">
+                    <a:lumMod val="10000"/>
+                  </a:schemeClr>
+                </a:solidFill>
+                <a:effectLst/>
+                <a:uLnTx/>
+                <a:uFillTx/>
+              </a:rPr>
+              <a:t>登入 地圖</a:t>
+            </a:r>
+            <a:r>
+              <a:rPr kumimoji="0" lang="en-US" altLang="zh-TW" sz="1800" b="1" i="0" u="none" strike="noStrike" kern="1200" cap="none" spc="0" normalizeH="0" baseline="0" noProof="0" dirty="0">
+                <a:ln>
+                  <a:noFill/>
+                </a:ln>
+                <a:solidFill>
+                  <a:schemeClr val="bg2">
+                    <a:lumMod val="10000"/>
+                  </a:schemeClr>
+                </a:solidFill>
+                <a:effectLst/>
+                <a:uLnTx/>
+                <a:uFillTx/>
+              </a:rPr>
+              <a:t>API</a:t>
+            </a:r>
+            <a:r>
+              <a:rPr kumimoji="0" lang="zh-TW" altLang="en-US" sz="1800" b="1" i="0" u="none" strike="noStrike" kern="1200" cap="none" spc="0" normalizeH="0" baseline="0" noProof="0" dirty="0">
+                <a:ln>
+                  <a:noFill/>
+                </a:ln>
+                <a:solidFill>
+                  <a:schemeClr val="bg2">
+                    <a:lumMod val="10000"/>
+                  </a:schemeClr>
+                </a:solidFill>
+                <a:effectLst/>
+                <a:uLnTx/>
+                <a:uFillTx/>
+              </a:rPr>
+              <a:t> </a:t>
+            </a:r>
+            <a:r>
+              <a:rPr kumimoji="0" lang="en-US" altLang="zh-TW" sz="1800" b="1" i="0" u="none" strike="noStrike" kern="1200" cap="none" spc="0" normalizeH="0" baseline="0" noProof="0" dirty="0">
+                <a:ln>
+                  <a:noFill/>
+                </a:ln>
+                <a:solidFill>
+                  <a:schemeClr val="bg2">
+                    <a:lumMod val="10000"/>
+                  </a:schemeClr>
+                </a:solidFill>
+                <a:effectLst/>
+                <a:uLnTx/>
+                <a:uFillTx/>
+              </a:rPr>
+              <a:t> </a:t>
+            </a:r>
+            <a:r>
+              <a:rPr kumimoji="0" lang="zh-TW" altLang="en-US" sz="1800" b="1" i="0" u="none" strike="noStrike" kern="1200" cap="none" spc="0" normalizeH="0" baseline="0" noProof="0" dirty="0">
+                <a:ln>
+                  <a:noFill/>
+                </a:ln>
+                <a:solidFill>
+                  <a:schemeClr val="bg2">
+                    <a:lumMod val="10000"/>
+                  </a:schemeClr>
+                </a:solidFill>
+                <a:effectLst/>
+                <a:uLnTx/>
+                <a:uFillTx/>
+              </a:rPr>
+              <a:t>購物車功能 </a:t>
+            </a:r>
+            <a:r>
+              <a:rPr kumimoji="0" lang="en-US" altLang="zh-TW" sz="1800" b="1" i="0" u="none" strike="noStrike" kern="1200" cap="none" spc="0" normalizeH="0" baseline="0" noProof="0" dirty="0">
+                <a:ln>
+                  <a:noFill/>
+                </a:ln>
+                <a:solidFill>
+                  <a:schemeClr val="bg2">
+                    <a:lumMod val="10000"/>
+                  </a:schemeClr>
+                </a:solidFill>
+                <a:effectLst/>
+                <a:uLnTx/>
+                <a:uFillTx/>
+              </a:rPr>
+              <a:t>&gt; </a:t>
+            </a:r>
+          </a:p>
+          <a:p>
+            <a:pPr>
+              <a:lnSpc>
+                <a:spcPts val="3600"/>
+              </a:lnSpc>
+              <a:buFont typeface="Wingdings" panose="05000000000000000000" pitchFamily="2" charset="2"/>
+              <a:buChar char="l"/>
+            </a:pPr>
+            <a:r>
+              <a:rPr kumimoji="0" lang="zh-TW" altLang="en-US" sz="1800" b="1" i="0" u="none" strike="noStrike" kern="1200" cap="none" spc="0" normalizeH="0" baseline="0" noProof="0" dirty="0">
+                <a:ln>
+                  <a:noFill/>
+                </a:ln>
+                <a:solidFill>
+                  <a:schemeClr val="bg2">
+                    <a:lumMod val="10000"/>
+                  </a:schemeClr>
+                </a:solidFill>
+                <a:effectLst/>
+                <a:uLnTx/>
+                <a:uFillTx/>
+              </a:rPr>
+              <a:t>威宇 </a:t>
+            </a:r>
+            <a:r>
+              <a:rPr kumimoji="0" lang="en-US" altLang="zh-TW" sz="1800" b="1" i="0" u="none" strike="noStrike" kern="1200" cap="none" spc="0" normalizeH="0" baseline="0" noProof="0" dirty="0">
+                <a:ln>
+                  <a:noFill/>
+                </a:ln>
+                <a:solidFill>
+                  <a:schemeClr val="bg2">
+                    <a:lumMod val="10000"/>
+                  </a:schemeClr>
+                </a:solidFill>
+                <a:effectLst/>
+                <a:uLnTx/>
+                <a:uFillTx/>
+              </a:rPr>
+              <a:t>=&gt;  </a:t>
+            </a:r>
+            <a:r>
+              <a:rPr kumimoji="0" lang="zh-TW" altLang="en-US" sz="1800" b="1" i="0" u="none" strike="noStrike" kern="1200" cap="none" spc="0" normalizeH="0" baseline="0" noProof="0" dirty="0">
+                <a:ln>
+                  <a:noFill/>
+                </a:ln>
+                <a:solidFill>
+                  <a:schemeClr val="bg2">
+                    <a:lumMod val="10000"/>
+                  </a:schemeClr>
+                </a:solidFill>
+                <a:effectLst/>
+                <a:uLnTx/>
+                <a:uFillTx/>
+              </a:rPr>
+              <a:t>功能</a:t>
+            </a:r>
+            <a:r>
+              <a:rPr kumimoji="0" lang="en-US" altLang="zh-TW" sz="1800" b="1" i="0" u="none" strike="noStrike" kern="1200" cap="none" spc="0" normalizeH="0" baseline="0" noProof="0" dirty="0">
+                <a:ln>
+                  <a:noFill/>
+                </a:ln>
+                <a:solidFill>
+                  <a:schemeClr val="bg2">
+                    <a:lumMod val="10000"/>
+                  </a:schemeClr>
+                </a:solidFill>
+                <a:effectLst/>
+                <a:uLnTx/>
+                <a:uFillTx/>
+              </a:rPr>
+              <a:t>: </a:t>
+            </a:r>
+            <a:r>
+              <a:rPr kumimoji="0" lang="zh-TW" altLang="en-US" sz="1800" b="1" i="0" u="none" strike="noStrike" kern="1200" cap="none" spc="0" normalizeH="0" baseline="0" noProof="0" dirty="0">
+                <a:ln>
+                  <a:noFill/>
+                </a:ln>
+                <a:solidFill>
+                  <a:schemeClr val="bg2">
+                    <a:lumMod val="10000"/>
+                  </a:schemeClr>
+                </a:solidFill>
+                <a:effectLst/>
+                <a:uLnTx/>
+                <a:uFillTx/>
+              </a:rPr>
+              <a:t>遊戲 後台</a:t>
             </a:r>
           </a:p>
         </p:txBody>
@@ -9725,13 +11274,20 @@
     </p:spTree>
     <p:extLst>
       <p:ext uri="{BB962C8B-B14F-4D97-AF65-F5344CB8AC3E}">
-        <p14:creationId xmlns:p14="http://schemas.microsoft.com/office/powerpoint/2010/main" val="3127645402"/>
+        <p14:creationId xmlns:p14="http://schemas.microsoft.com/office/powerpoint/2010/main" val="2101120498"/>
       </p:ext>
     </p:extLst>
   </p:cSld>
   <p:clrMapOvr>
     <a:masterClrMapping/>
   </p:clrMapOvr>
+  <p:timing>
+    <p:tnLst>
+      <p:par>
+        <p:cTn id="1" dur="indefinite" restart="never" nodeType="tmRoot"/>
+      </p:par>
+    </p:tnLst>
+  </p:timing>
 </p:sld>
 </file>
 
@@ -9764,7 +11320,7 @@
         </p:nvSpPr>
         <p:spPr>
           <a:xfrm>
-            <a:off x="632520" y="0"/>
+            <a:off x="632520" y="216024"/>
             <a:ext cx="8640960" cy="692696"/>
           </a:xfrm>
           <a:prstGeom prst="rect">
@@ -9772,789 +11328,71 @@
           </a:prstGeom>
         </p:spPr>
         <p:txBody>
-          <a:bodyPr/>
+          <a:bodyPr>
+            <a:noAutofit/>
+          </a:bodyPr>
           <a:lstStyle/>
           <a:p>
             <a:r>
-              <a:rPr lang="zh-TW" altLang="en-US" b="0" dirty="0"/>
-              <a:t>組員報告順序</a:t>
+              <a:rPr lang="zh-TW" altLang="en-US" sz="4000" dirty="0">
+                <a:effectLst>
+                  <a:innerShdw blurRad="63500" dist="50800" dir="18900000">
+                    <a:prstClr val="black">
+                      <a:alpha val="50000"/>
+                    </a:prstClr>
+                  </a:innerShdw>
+                </a:effectLst>
+              </a:rPr>
+              <a:t>網站架構圖</a:t>
             </a:r>
           </a:p>
         </p:txBody>
       </p:sp>
-      <p:sp>
-        <p:nvSpPr>
-          <p:cNvPr id="6" name="內容版面配置區 1"/>
-          <p:cNvSpPr txBox="1">
-            <a:spLocks/>
-          </p:cNvSpPr>
+      <p:pic>
+        <p:nvPicPr>
+          <p:cNvPr id="2" name="Picture 2" descr="D:\本地全端應用網站開發120D\88.大磚啼\規劃資料\1657886195000.jpg"/>
+          <p:cNvPicPr>
+            <a:picLocks noChangeAspect="1" noChangeArrowheads="1"/>
+          </p:cNvPicPr>
           <p:nvPr/>
-        </p:nvSpPr>
-        <p:spPr bwMode="ltGray">
+        </p:nvPicPr>
+        <p:blipFill>
+          <a:blip r:embed="rId2">
+            <a:extLst>
+              <a:ext uri="{28A0092B-C50C-407E-A947-70E740481C1C}">
+                <a14:useLocalDpi xmlns:a14="http://schemas.microsoft.com/office/drawing/2010/main" val="0"/>
+              </a:ext>
+            </a:extLst>
+          </a:blip>
+          <a:srcRect/>
+          <a:stretch>
+            <a:fillRect/>
+          </a:stretch>
+        </p:blipFill>
+        <p:spPr bwMode="auto">
           <a:xfrm>
-            <a:off x="1065600" y="979200"/>
-            <a:ext cx="7920000" cy="4824536"/>
+            <a:off x="265956" y="1120527"/>
+            <a:ext cx="9455002" cy="5328592"/>
           </a:xfrm>
           <a:prstGeom prst="rect">
             <a:avLst/>
           </a:prstGeom>
+          <a:noFill/>
+          <a:extLst>
+            <a:ext uri="{909E8E84-426E-40DD-AFC4-6F175D3DCCD1}">
+              <a14:hiddenFill xmlns:a14="http://schemas.microsoft.com/office/drawing/2010/main">
+                <a:solidFill>
+                  <a:srgbClr val="FFFFFF"/>
+                </a:solidFill>
+              </a14:hiddenFill>
+            </a:ext>
+          </a:extLst>
         </p:spPr>
-        <p:txBody>
-          <a:bodyPr vert="horz" lIns="91440" tIns="45720" rIns="91440" bIns="45720" rtlCol="0">
-            <a:noAutofit/>
-          </a:bodyPr>
-          <a:lstStyle>
-            <a:lvl1pPr marL="342900" indent="-342900" algn="l" defTabSz="914400" rtl="0" eaLnBrk="1" latinLnBrk="0" hangingPunct="1">
-              <a:lnSpc>
-                <a:spcPct val="100000"/>
-              </a:lnSpc>
-              <a:spcBef>
-                <a:spcPts val="600"/>
-              </a:spcBef>
-              <a:spcAft>
-                <a:spcPts val="600"/>
-              </a:spcAft>
-              <a:buClr>
-                <a:schemeClr val="accent1"/>
-              </a:buClr>
-              <a:buFont typeface="Arial" pitchFamily="34" charset="0"/>
-              <a:buChar char="•"/>
-              <a:defRPr sz="2800" b="1" kern="1200">
-                <a:solidFill>
-                  <a:srgbClr val="393939"/>
-                </a:solidFill>
-                <a:latin typeface="微軟正黑體" pitchFamily="34" charset="-120"/>
-                <a:ea typeface="微軟正黑體" pitchFamily="34" charset="-120"/>
-                <a:cs typeface="+mn-cs"/>
-              </a:defRPr>
-            </a:lvl1pPr>
-            <a:lvl2pPr marL="714375" indent="-352425" algn="l" defTabSz="914400" rtl="0" eaLnBrk="1" latinLnBrk="0" hangingPunct="1">
-              <a:lnSpc>
-                <a:spcPct val="100000"/>
-              </a:lnSpc>
-              <a:spcBef>
-                <a:spcPts val="600"/>
-              </a:spcBef>
-              <a:spcAft>
-                <a:spcPts val="600"/>
-              </a:spcAft>
-              <a:buClr>
-                <a:schemeClr val="accent2"/>
-              </a:buClr>
-              <a:buFont typeface="Arial" pitchFamily="34" charset="0"/>
-              <a:buChar char="–"/>
-              <a:defRPr sz="2400" b="1" kern="1200">
-                <a:solidFill>
-                  <a:srgbClr val="393939"/>
-                </a:solidFill>
-                <a:latin typeface="微軟正黑體" pitchFamily="34" charset="-120"/>
-                <a:ea typeface="微軟正黑體" pitchFamily="34" charset="-120"/>
-                <a:cs typeface="+mn-cs"/>
-              </a:defRPr>
-            </a:lvl2pPr>
-            <a:lvl3pPr marL="1076325" indent="-266700" algn="l" defTabSz="914400" rtl="0" eaLnBrk="1" latinLnBrk="0" hangingPunct="1">
-              <a:lnSpc>
-                <a:spcPct val="100000"/>
-              </a:lnSpc>
-              <a:spcBef>
-                <a:spcPts val="600"/>
-              </a:spcBef>
-              <a:spcAft>
-                <a:spcPts val="600"/>
-              </a:spcAft>
-              <a:buClr>
-                <a:schemeClr val="accent3"/>
-              </a:buClr>
-              <a:buFont typeface="Arial" pitchFamily="34" charset="0"/>
-              <a:buChar char="•"/>
-              <a:defRPr sz="2000" kern="1200">
-                <a:solidFill>
-                  <a:srgbClr val="393939"/>
-                </a:solidFill>
-                <a:latin typeface="微軟正黑體" pitchFamily="34" charset="-120"/>
-                <a:ea typeface="微軟正黑體" pitchFamily="34" charset="-120"/>
-                <a:cs typeface="+mn-cs"/>
-              </a:defRPr>
-            </a:lvl3pPr>
-            <a:lvl4pPr marL="1343025" indent="-180975" algn="l" defTabSz="914400" rtl="0" eaLnBrk="1" latinLnBrk="0" hangingPunct="1">
-              <a:lnSpc>
-                <a:spcPct val="100000"/>
-              </a:lnSpc>
-              <a:spcBef>
-                <a:spcPts val="600"/>
-              </a:spcBef>
-              <a:spcAft>
-                <a:spcPts val="600"/>
-              </a:spcAft>
-              <a:buClr>
-                <a:schemeClr val="accent4"/>
-              </a:buClr>
-              <a:buFont typeface="Arial" pitchFamily="34" charset="0"/>
-              <a:buChar char="–"/>
-              <a:defRPr sz="1800" kern="1200">
-                <a:solidFill>
-                  <a:srgbClr val="393939"/>
-                </a:solidFill>
-                <a:latin typeface="微軟正黑體" pitchFamily="34" charset="-120"/>
-                <a:ea typeface="微軟正黑體" pitchFamily="34" charset="-120"/>
-                <a:cs typeface="+mn-cs"/>
-              </a:defRPr>
-            </a:lvl4pPr>
-            <a:lvl5pPr marL="1619250" indent="-276225" algn="l" defTabSz="914400" rtl="0" eaLnBrk="1" latinLnBrk="0" hangingPunct="1">
-              <a:lnSpc>
-                <a:spcPct val="100000"/>
-              </a:lnSpc>
-              <a:spcBef>
-                <a:spcPts val="600"/>
-              </a:spcBef>
-              <a:spcAft>
-                <a:spcPts val="600"/>
-              </a:spcAft>
-              <a:buClr>
-                <a:schemeClr val="accent5"/>
-              </a:buClr>
-              <a:buFont typeface="Arial" pitchFamily="34" charset="0"/>
-              <a:buChar char="»"/>
-              <a:tabLst>
-                <a:tab pos="7981950" algn="l"/>
-              </a:tabLst>
-              <a:defRPr sz="1800" kern="1200">
-                <a:solidFill>
-                  <a:srgbClr val="393939"/>
-                </a:solidFill>
-                <a:latin typeface="微軟正黑體" pitchFamily="34" charset="-120"/>
-                <a:ea typeface="微軟正黑體" pitchFamily="34" charset="-120"/>
-                <a:cs typeface="+mn-cs"/>
-              </a:defRPr>
-            </a:lvl5pPr>
-            <a:lvl6pPr marL="2514600" indent="-228600" algn="l" defTabSz="914400" rtl="0" eaLnBrk="1" latinLnBrk="0" hangingPunct="1">
-              <a:spcBef>
-                <a:spcPct val="20000"/>
-              </a:spcBef>
-              <a:buFont typeface="Arial" pitchFamily="34" charset="0"/>
-              <a:buChar char="•"/>
-              <a:defRPr sz="2000" kern="1200">
-                <a:solidFill>
-                  <a:schemeClr val="tx1"/>
-                </a:solidFill>
-                <a:latin typeface="+mn-lt"/>
-                <a:ea typeface="+mn-ea"/>
-                <a:cs typeface="+mn-cs"/>
-              </a:defRPr>
-            </a:lvl6pPr>
-            <a:lvl7pPr marL="2971800" indent="-228600" algn="l" defTabSz="914400" rtl="0" eaLnBrk="1" latinLnBrk="0" hangingPunct="1">
-              <a:spcBef>
-                <a:spcPct val="20000"/>
-              </a:spcBef>
-              <a:buFont typeface="Arial" pitchFamily="34" charset="0"/>
-              <a:buChar char="•"/>
-              <a:defRPr sz="2000" kern="1200">
-                <a:solidFill>
-                  <a:schemeClr val="tx1"/>
-                </a:solidFill>
-                <a:latin typeface="+mn-lt"/>
-                <a:ea typeface="+mn-ea"/>
-                <a:cs typeface="+mn-cs"/>
-              </a:defRPr>
-            </a:lvl7pPr>
-            <a:lvl8pPr marL="3429000" indent="-228600" algn="l" defTabSz="914400" rtl="0" eaLnBrk="1" latinLnBrk="0" hangingPunct="1">
-              <a:spcBef>
-                <a:spcPct val="20000"/>
-              </a:spcBef>
-              <a:buFont typeface="Arial" pitchFamily="34" charset="0"/>
-              <a:buChar char="•"/>
-              <a:defRPr sz="2000" kern="1200">
-                <a:solidFill>
-                  <a:schemeClr val="tx1"/>
-                </a:solidFill>
-                <a:latin typeface="+mn-lt"/>
-                <a:ea typeface="+mn-ea"/>
-                <a:cs typeface="+mn-cs"/>
-              </a:defRPr>
-            </a:lvl8pPr>
-            <a:lvl9pPr marL="3886200" indent="-228600" algn="l" defTabSz="914400" rtl="0" eaLnBrk="1" latinLnBrk="0" hangingPunct="1">
-              <a:spcBef>
-                <a:spcPct val="20000"/>
-              </a:spcBef>
-              <a:buFont typeface="Arial" pitchFamily="34" charset="0"/>
-              <a:buChar char="•"/>
-              <a:defRPr sz="2000" kern="1200">
-                <a:solidFill>
-                  <a:schemeClr val="tx1"/>
-                </a:solidFill>
-                <a:latin typeface="+mn-lt"/>
-                <a:ea typeface="+mn-ea"/>
-                <a:cs typeface="+mn-cs"/>
-              </a:defRPr>
-            </a:lvl9pPr>
-          </a:lstStyle>
-          <a:p>
-            <a:pPr>
-              <a:lnSpc>
-                <a:spcPts val="3600"/>
-              </a:lnSpc>
-              <a:buFont typeface="Wingdings" panose="05000000000000000000" pitchFamily="2" charset="2"/>
-              <a:buChar char="l"/>
-            </a:pPr>
-            <a:r>
-              <a:rPr kumimoji="0" lang="zh-TW" altLang="en-US" sz="2400" b="1" i="0" u="none" strike="noStrike" kern="1200" cap="none" spc="0" normalizeH="0" baseline="0" noProof="0" dirty="0">
-                <a:ln>
-                  <a:noFill/>
-                </a:ln>
-                <a:solidFill>
-                  <a:schemeClr val="bg1"/>
-                </a:solidFill>
-                <a:effectLst/>
-                <a:uLnTx/>
-                <a:uFillTx/>
-                <a:latin typeface="微軟正黑體" pitchFamily="34" charset="-120"/>
-                <a:ea typeface="微軟正黑體" pitchFamily="34" charset="-120"/>
-                <a:cs typeface="+mn-cs"/>
-              </a:rPr>
-              <a:t>從 前端</a:t>
-            </a:r>
-            <a:r>
-              <a:rPr kumimoji="0" lang="en-US" altLang="zh-TW" sz="2400" b="1" i="0" u="none" strike="noStrike" kern="1200" cap="none" spc="0" normalizeH="0" baseline="0" noProof="0" dirty="0">
-                <a:ln>
-                  <a:noFill/>
-                </a:ln>
-                <a:solidFill>
-                  <a:schemeClr val="bg1"/>
-                </a:solidFill>
-                <a:effectLst/>
-                <a:uLnTx/>
-                <a:uFillTx/>
-                <a:latin typeface="微軟正黑體" pitchFamily="34" charset="-120"/>
-                <a:ea typeface="微軟正黑體" pitchFamily="34" charset="-120"/>
-                <a:cs typeface="+mn-cs"/>
-              </a:rPr>
-              <a:t>&gt;</a:t>
-            </a:r>
-            <a:r>
-              <a:rPr kumimoji="0" lang="zh-TW" altLang="en-US" sz="2400" b="1" i="0" u="none" strike="noStrike" kern="1200" cap="none" spc="0" normalizeH="0" baseline="0" noProof="0" dirty="0">
-                <a:ln>
-                  <a:noFill/>
-                </a:ln>
-                <a:solidFill>
-                  <a:schemeClr val="bg1"/>
-                </a:solidFill>
-                <a:effectLst/>
-                <a:uLnTx/>
-                <a:uFillTx/>
-                <a:latin typeface="微軟正黑體" pitchFamily="34" charset="-120"/>
-                <a:ea typeface="微軟正黑體" pitchFamily="34" charset="-120"/>
-                <a:cs typeface="+mn-cs"/>
-              </a:rPr>
-              <a:t>後端 </a:t>
-            </a:r>
-          </a:p>
-          <a:p>
-            <a:pPr>
-              <a:lnSpc>
-                <a:spcPts val="3600"/>
-              </a:lnSpc>
-              <a:buFont typeface="Wingdings" panose="05000000000000000000" pitchFamily="2" charset="2"/>
-              <a:buChar char="l"/>
-            </a:pPr>
-            <a:r>
-              <a:rPr kumimoji="0" lang="zh-TW" altLang="en-US" sz="2400" b="1" i="0" u="none" strike="noStrike" kern="1200" cap="none" spc="0" normalizeH="0" baseline="0" noProof="0" dirty="0">
-                <a:ln>
-                  <a:noFill/>
-                </a:ln>
-                <a:solidFill>
-                  <a:schemeClr val="bg1"/>
-                </a:solidFill>
-                <a:effectLst/>
-                <a:uLnTx/>
-                <a:uFillTx/>
-                <a:latin typeface="微軟正黑體" pitchFamily="34" charset="-120"/>
-                <a:ea typeface="微軟正黑體" pitchFamily="34" charset="-120"/>
-                <a:cs typeface="+mn-cs"/>
-              </a:rPr>
-              <a:t>從 畫面</a:t>
-            </a:r>
-            <a:r>
-              <a:rPr kumimoji="0" lang="en-US" altLang="zh-TW" sz="2400" b="1" i="0" u="none" strike="noStrike" kern="1200" cap="none" spc="0" normalizeH="0" baseline="0" noProof="0" dirty="0">
-                <a:ln>
-                  <a:noFill/>
-                </a:ln>
-                <a:solidFill>
-                  <a:schemeClr val="bg1"/>
-                </a:solidFill>
-                <a:effectLst/>
-                <a:uLnTx/>
-                <a:uFillTx/>
-                <a:latin typeface="微軟正黑體" pitchFamily="34" charset="-120"/>
-                <a:ea typeface="微軟正黑體" pitchFamily="34" charset="-120"/>
-                <a:cs typeface="+mn-cs"/>
-              </a:rPr>
-              <a:t>&gt;</a:t>
-            </a:r>
-            <a:r>
-              <a:rPr kumimoji="0" lang="zh-TW" altLang="en-US" sz="2400" b="1" i="0" u="none" strike="noStrike" kern="1200" cap="none" spc="0" normalizeH="0" baseline="0" noProof="0" dirty="0">
-                <a:ln>
-                  <a:noFill/>
-                </a:ln>
-                <a:solidFill>
-                  <a:schemeClr val="bg1"/>
-                </a:solidFill>
-                <a:effectLst/>
-                <a:uLnTx/>
-                <a:uFillTx/>
-                <a:latin typeface="微軟正黑體" pitchFamily="34" charset="-120"/>
-                <a:ea typeface="微軟正黑體" pitchFamily="34" charset="-120"/>
-                <a:cs typeface="+mn-cs"/>
-              </a:rPr>
-              <a:t>管理</a:t>
-            </a:r>
-          </a:p>
-          <a:p>
-            <a:pPr>
-              <a:lnSpc>
-                <a:spcPts val="3600"/>
-              </a:lnSpc>
-              <a:buFont typeface="Wingdings" panose="05000000000000000000" pitchFamily="2" charset="2"/>
-              <a:buChar char="l"/>
-            </a:pPr>
-            <a:endParaRPr kumimoji="0" lang="zh-TW" altLang="en-US" sz="2400" b="1" i="0" u="none" strike="noStrike" kern="1200" cap="none" spc="0" normalizeH="0" baseline="0" noProof="0" dirty="0">
-              <a:ln>
-                <a:noFill/>
-              </a:ln>
-              <a:solidFill>
-                <a:schemeClr val="bg1"/>
-              </a:solidFill>
-              <a:effectLst/>
-              <a:uLnTx/>
-              <a:uFillTx/>
-              <a:latin typeface="微軟正黑體" pitchFamily="34" charset="-120"/>
-              <a:ea typeface="微軟正黑體" pitchFamily="34" charset="-120"/>
-              <a:cs typeface="+mn-cs"/>
-            </a:endParaRPr>
-          </a:p>
-          <a:p>
-            <a:pPr>
-              <a:lnSpc>
-                <a:spcPts val="3600"/>
-              </a:lnSpc>
-              <a:buFont typeface="Wingdings" panose="05000000000000000000" pitchFamily="2" charset="2"/>
-              <a:buChar char="l"/>
-            </a:pPr>
-            <a:r>
-              <a:rPr lang="zh-TW" altLang="en-US" sz="2400" dirty="0">
-                <a:solidFill>
-                  <a:schemeClr val="bg1"/>
-                </a:solidFill>
-              </a:rPr>
-              <a:t>佳樺</a:t>
-            </a:r>
-            <a:r>
-              <a:rPr kumimoji="0" lang="en-US" altLang="zh-TW" sz="2400" b="1" i="0" u="none" strike="noStrike" kern="1200" cap="none" spc="0" normalizeH="0" baseline="0" noProof="0" dirty="0">
-                <a:ln>
-                  <a:noFill/>
-                </a:ln>
-                <a:solidFill>
-                  <a:schemeClr val="bg1"/>
-                </a:solidFill>
-                <a:effectLst/>
-                <a:uLnTx/>
-                <a:uFillTx/>
-                <a:latin typeface="微軟正黑體" pitchFamily="34" charset="-120"/>
-                <a:ea typeface="微軟正黑體" pitchFamily="34" charset="-120"/>
-                <a:cs typeface="+mn-cs"/>
-              </a:rPr>
-              <a:t> =&gt;</a:t>
-            </a:r>
-            <a:r>
-              <a:rPr kumimoji="0" lang="zh-TW" altLang="en-US" sz="2400" b="1" i="0" u="none" strike="noStrike" kern="1200" cap="none" spc="0" normalizeH="0" baseline="0" noProof="0" dirty="0">
-                <a:ln>
-                  <a:noFill/>
-                </a:ln>
-                <a:solidFill>
-                  <a:schemeClr val="bg1"/>
-                </a:solidFill>
-                <a:effectLst/>
-                <a:uLnTx/>
-                <a:uFillTx/>
-                <a:latin typeface="微軟正黑體" pitchFamily="34" charset="-120"/>
-                <a:ea typeface="微軟正黑體" pitchFamily="34" charset="-120"/>
-                <a:cs typeface="+mn-cs"/>
-              </a:rPr>
-              <a:t>人員介紹 理念 </a:t>
-            </a:r>
-            <a:r>
-              <a:rPr kumimoji="0" lang="en-US" altLang="zh-TW" sz="2400" b="1" i="0" u="none" strike="noStrike" kern="1200" cap="none" spc="0" normalizeH="0" baseline="0" noProof="0" dirty="0">
-                <a:ln>
-                  <a:noFill/>
-                </a:ln>
-                <a:solidFill>
-                  <a:schemeClr val="bg1"/>
-                </a:solidFill>
-                <a:effectLst/>
-                <a:uLnTx/>
-                <a:uFillTx/>
-                <a:latin typeface="微軟正黑體" pitchFamily="34" charset="-120"/>
-                <a:ea typeface="微軟正黑體" pitchFamily="34" charset="-120"/>
-                <a:cs typeface="+mn-cs"/>
-              </a:rPr>
-              <a:t>&gt; </a:t>
-            </a:r>
-          </a:p>
-          <a:p>
-            <a:pPr>
-              <a:lnSpc>
-                <a:spcPts val="3600"/>
-              </a:lnSpc>
-              <a:buFont typeface="Wingdings" panose="05000000000000000000" pitchFamily="2" charset="2"/>
-              <a:buChar char="l"/>
-            </a:pPr>
-            <a:r>
-              <a:rPr kumimoji="0" lang="zh-TW" altLang="en-US" sz="2400" b="1" i="0" u="none" strike="noStrike" kern="1200" cap="none" spc="0" normalizeH="0" baseline="0" noProof="0" dirty="0">
-                <a:ln>
-                  <a:noFill/>
-                </a:ln>
-                <a:solidFill>
-                  <a:schemeClr val="bg1"/>
-                </a:solidFill>
-                <a:effectLst/>
-                <a:uLnTx/>
-                <a:uFillTx/>
-                <a:latin typeface="微軟正黑體" pitchFamily="34" charset="-120"/>
-                <a:ea typeface="微軟正黑體" pitchFamily="34" charset="-120"/>
-                <a:cs typeface="+mn-cs"/>
-              </a:rPr>
-              <a:t>孟穎 </a:t>
-            </a:r>
-            <a:r>
-              <a:rPr kumimoji="0" lang="en-US" altLang="zh-TW" sz="2400" b="1" i="0" u="none" strike="noStrike" kern="1200" cap="none" spc="0" normalizeH="0" baseline="0" noProof="0" dirty="0">
-                <a:ln>
-                  <a:noFill/>
-                </a:ln>
-                <a:solidFill>
-                  <a:schemeClr val="bg1"/>
-                </a:solidFill>
-                <a:effectLst/>
-                <a:uLnTx/>
-                <a:uFillTx/>
-                <a:latin typeface="微軟正黑體" pitchFamily="34" charset="-120"/>
-                <a:ea typeface="微軟正黑體" pitchFamily="34" charset="-120"/>
-                <a:cs typeface="+mn-cs"/>
-              </a:rPr>
-              <a:t>=&gt;</a:t>
-            </a:r>
-            <a:r>
-              <a:rPr kumimoji="0" lang="zh-TW" altLang="en-US" sz="2400" b="1" i="0" u="none" strike="noStrike" kern="1200" cap="none" spc="0" normalizeH="0" baseline="0" noProof="0" dirty="0">
-                <a:ln>
-                  <a:noFill/>
-                </a:ln>
-                <a:solidFill>
-                  <a:schemeClr val="bg1"/>
-                </a:solidFill>
-                <a:effectLst/>
-                <a:uLnTx/>
-                <a:uFillTx/>
-                <a:latin typeface="微軟正黑體" pitchFamily="34" charset="-120"/>
-                <a:ea typeface="微軟正黑體" pitchFamily="34" charset="-120"/>
-                <a:cs typeface="+mn-cs"/>
-              </a:rPr>
-              <a:t>設計概念 色彩運用 </a:t>
-            </a:r>
-            <a:r>
-              <a:rPr kumimoji="0" lang="en-US" altLang="zh-TW" sz="2400" b="1" i="0" u="none" strike="noStrike" kern="1200" cap="none" spc="0" normalizeH="0" baseline="0" noProof="0" dirty="0">
-                <a:ln>
-                  <a:noFill/>
-                </a:ln>
-                <a:solidFill>
-                  <a:schemeClr val="bg1"/>
-                </a:solidFill>
-                <a:effectLst/>
-                <a:uLnTx/>
-                <a:uFillTx/>
-                <a:latin typeface="微軟正黑體" pitchFamily="34" charset="-120"/>
-                <a:ea typeface="微軟正黑體" pitchFamily="34" charset="-120"/>
-                <a:cs typeface="+mn-cs"/>
-              </a:rPr>
-              <a:t>&gt; </a:t>
-            </a:r>
-          </a:p>
-          <a:p>
-            <a:pPr>
-              <a:lnSpc>
-                <a:spcPts val="3600"/>
-              </a:lnSpc>
-              <a:buFont typeface="Wingdings" panose="05000000000000000000" pitchFamily="2" charset="2"/>
-              <a:buChar char="l"/>
-            </a:pPr>
-            <a:r>
-              <a:rPr kumimoji="0" lang="zh-TW" altLang="en-US" sz="2400" b="1" i="0" u="none" strike="noStrike" kern="1200" cap="none" spc="0" normalizeH="0" baseline="0" noProof="0" dirty="0">
-                <a:ln>
-                  <a:noFill/>
-                </a:ln>
-                <a:solidFill>
-                  <a:schemeClr val="bg1"/>
-                </a:solidFill>
-                <a:effectLst/>
-                <a:uLnTx/>
-                <a:uFillTx/>
-                <a:latin typeface="微軟正黑體" pitchFamily="34" charset="-120"/>
-                <a:ea typeface="微軟正黑體" pitchFamily="34" charset="-120"/>
-                <a:cs typeface="+mn-cs"/>
-              </a:rPr>
-              <a:t>宜芬</a:t>
-            </a:r>
-            <a:r>
-              <a:rPr kumimoji="0" lang="en-US" altLang="zh-TW" sz="2400" b="1" i="0" u="none" strike="noStrike" kern="1200" cap="none" spc="0" normalizeH="0" baseline="0" noProof="0" dirty="0">
-                <a:ln>
-                  <a:noFill/>
-                </a:ln>
-                <a:solidFill>
-                  <a:schemeClr val="bg1"/>
-                </a:solidFill>
-                <a:effectLst/>
-                <a:uLnTx/>
-                <a:uFillTx/>
-                <a:latin typeface="微軟正黑體" pitchFamily="34" charset="-120"/>
-                <a:ea typeface="微軟正黑體" pitchFamily="34" charset="-120"/>
-                <a:cs typeface="+mn-cs"/>
-              </a:rPr>
-              <a:t> =&gt; </a:t>
-            </a:r>
-            <a:r>
-              <a:rPr kumimoji="0" lang="zh-TW" altLang="en-US" sz="2400" b="1" i="0" u="none" strike="noStrike" kern="1200" cap="none" spc="0" normalizeH="0" baseline="0" noProof="0" dirty="0">
-                <a:ln>
-                  <a:noFill/>
-                </a:ln>
-                <a:solidFill>
-                  <a:schemeClr val="bg1"/>
-                </a:solidFill>
-                <a:effectLst/>
-                <a:uLnTx/>
-                <a:uFillTx/>
-                <a:latin typeface="微軟正黑體" pitchFamily="34" charset="-120"/>
-                <a:ea typeface="微軟正黑體" pitchFamily="34" charset="-120"/>
-                <a:cs typeface="+mn-cs"/>
-              </a:rPr>
-              <a:t>功能</a:t>
-            </a:r>
-            <a:r>
-              <a:rPr kumimoji="0" lang="en-US" altLang="zh-TW" sz="2400" b="1" i="0" u="none" strike="noStrike" kern="1200" cap="none" spc="0" normalizeH="0" baseline="0" noProof="0" dirty="0">
-                <a:ln>
-                  <a:noFill/>
-                </a:ln>
-                <a:solidFill>
-                  <a:schemeClr val="bg1"/>
-                </a:solidFill>
-                <a:effectLst/>
-                <a:uLnTx/>
-                <a:uFillTx/>
-                <a:latin typeface="微軟正黑體" pitchFamily="34" charset="-120"/>
-                <a:ea typeface="微軟正黑體" pitchFamily="34" charset="-120"/>
-                <a:cs typeface="+mn-cs"/>
-              </a:rPr>
-              <a:t>: </a:t>
-            </a:r>
-            <a:r>
-              <a:rPr kumimoji="0" lang="zh-TW" altLang="en-US" sz="2400" b="1" i="0" u="none" strike="noStrike" kern="1200" cap="none" spc="0" normalizeH="0" baseline="0" noProof="0" dirty="0">
-                <a:ln>
-                  <a:noFill/>
-                </a:ln>
-                <a:solidFill>
-                  <a:schemeClr val="bg1"/>
-                </a:solidFill>
-                <a:effectLst/>
-                <a:uLnTx/>
-                <a:uFillTx/>
-                <a:latin typeface="微軟正黑體" pitchFamily="34" charset="-120"/>
-                <a:ea typeface="微軟正黑體" pitchFamily="34" charset="-120"/>
-                <a:cs typeface="+mn-cs"/>
-              </a:rPr>
-              <a:t>登入 地圖</a:t>
-            </a:r>
-            <a:r>
-              <a:rPr kumimoji="0" lang="en-US" altLang="zh-TW" sz="2400" b="1" i="0" u="none" strike="noStrike" kern="1200" cap="none" spc="0" normalizeH="0" baseline="0" noProof="0" dirty="0">
-                <a:ln>
-                  <a:noFill/>
-                </a:ln>
-                <a:solidFill>
-                  <a:schemeClr val="bg1"/>
-                </a:solidFill>
-                <a:effectLst/>
-                <a:uLnTx/>
-                <a:uFillTx/>
-                <a:latin typeface="微軟正黑體" pitchFamily="34" charset="-120"/>
-                <a:ea typeface="微軟正黑體" pitchFamily="34" charset="-120"/>
-                <a:cs typeface="+mn-cs"/>
-              </a:rPr>
-              <a:t>API</a:t>
-            </a:r>
-            <a:r>
-              <a:rPr kumimoji="0" lang="zh-TW" altLang="en-US" sz="2400" b="1" i="0" u="none" strike="noStrike" kern="1200" cap="none" spc="0" normalizeH="0" baseline="0" noProof="0" dirty="0">
-                <a:ln>
-                  <a:noFill/>
-                </a:ln>
-                <a:solidFill>
-                  <a:schemeClr val="bg1"/>
-                </a:solidFill>
-                <a:effectLst/>
-                <a:uLnTx/>
-                <a:uFillTx/>
-                <a:latin typeface="微軟正黑體" pitchFamily="34" charset="-120"/>
-                <a:ea typeface="微軟正黑體" pitchFamily="34" charset="-120"/>
-                <a:cs typeface="+mn-cs"/>
-              </a:rPr>
-              <a:t> </a:t>
-            </a:r>
-            <a:r>
-              <a:rPr kumimoji="0" lang="en-US" altLang="zh-TW" sz="2400" b="1" i="0" u="none" strike="noStrike" kern="1200" cap="none" spc="0" normalizeH="0" baseline="0" noProof="0" dirty="0">
-                <a:ln>
-                  <a:noFill/>
-                </a:ln>
-                <a:solidFill>
-                  <a:schemeClr val="bg1"/>
-                </a:solidFill>
-                <a:effectLst/>
-                <a:uLnTx/>
-                <a:uFillTx/>
-                <a:latin typeface="微軟正黑體" pitchFamily="34" charset="-120"/>
-                <a:ea typeface="微軟正黑體" pitchFamily="34" charset="-120"/>
-                <a:cs typeface="+mn-cs"/>
-              </a:rPr>
-              <a:t> </a:t>
-            </a:r>
-            <a:r>
-              <a:rPr kumimoji="0" lang="zh-TW" altLang="en-US" sz="2400" b="1" i="0" u="none" strike="noStrike" kern="1200" cap="none" spc="0" normalizeH="0" baseline="0" noProof="0" dirty="0">
-                <a:ln>
-                  <a:noFill/>
-                </a:ln>
-                <a:solidFill>
-                  <a:schemeClr val="bg1"/>
-                </a:solidFill>
-                <a:effectLst/>
-                <a:uLnTx/>
-                <a:uFillTx/>
-                <a:latin typeface="微軟正黑體" pitchFamily="34" charset="-120"/>
-                <a:ea typeface="微軟正黑體" pitchFamily="34" charset="-120"/>
-                <a:cs typeface="+mn-cs"/>
-              </a:rPr>
-              <a:t>購物車功能 </a:t>
-            </a:r>
-            <a:r>
-              <a:rPr kumimoji="0" lang="en-US" altLang="zh-TW" sz="2400" b="1" i="0" u="none" strike="noStrike" kern="1200" cap="none" spc="0" normalizeH="0" baseline="0" noProof="0" dirty="0">
-                <a:ln>
-                  <a:noFill/>
-                </a:ln>
-                <a:solidFill>
-                  <a:schemeClr val="bg1"/>
-                </a:solidFill>
-                <a:effectLst/>
-                <a:uLnTx/>
-                <a:uFillTx/>
-                <a:latin typeface="微軟正黑體" pitchFamily="34" charset="-120"/>
-                <a:ea typeface="微軟正黑體" pitchFamily="34" charset="-120"/>
-                <a:cs typeface="+mn-cs"/>
-              </a:rPr>
-              <a:t>&gt; </a:t>
-            </a:r>
-          </a:p>
-          <a:p>
-            <a:pPr>
-              <a:lnSpc>
-                <a:spcPts val="3600"/>
-              </a:lnSpc>
-              <a:buFont typeface="Wingdings" panose="05000000000000000000" pitchFamily="2" charset="2"/>
-              <a:buChar char="l"/>
-            </a:pPr>
-            <a:r>
-              <a:rPr kumimoji="0" lang="zh-TW" altLang="en-US" sz="2400" b="1" i="0" u="none" strike="noStrike" kern="1200" cap="none" spc="0" normalizeH="0" baseline="0" noProof="0" dirty="0">
-                <a:ln>
-                  <a:noFill/>
-                </a:ln>
-                <a:solidFill>
-                  <a:schemeClr val="bg1"/>
-                </a:solidFill>
-                <a:effectLst/>
-                <a:uLnTx/>
-                <a:uFillTx/>
-                <a:latin typeface="微軟正黑體" pitchFamily="34" charset="-120"/>
-                <a:ea typeface="微軟正黑體" pitchFamily="34" charset="-120"/>
-                <a:cs typeface="+mn-cs"/>
-              </a:rPr>
-              <a:t>威宇 </a:t>
-            </a:r>
-            <a:r>
-              <a:rPr kumimoji="0" lang="en-US" altLang="zh-TW" sz="2400" b="1" i="0" u="none" strike="noStrike" kern="1200" cap="none" spc="0" normalizeH="0" baseline="0" noProof="0" dirty="0">
-                <a:ln>
-                  <a:noFill/>
-                </a:ln>
-                <a:solidFill>
-                  <a:schemeClr val="bg1"/>
-                </a:solidFill>
-                <a:effectLst/>
-                <a:uLnTx/>
-                <a:uFillTx/>
-                <a:latin typeface="微軟正黑體" pitchFamily="34" charset="-120"/>
-                <a:ea typeface="微軟正黑體" pitchFamily="34" charset="-120"/>
-                <a:cs typeface="+mn-cs"/>
-              </a:rPr>
-              <a:t>=&gt;  </a:t>
-            </a:r>
-            <a:r>
-              <a:rPr kumimoji="0" lang="zh-TW" altLang="en-US" sz="2400" b="1" i="0" u="none" strike="noStrike" kern="1200" cap="none" spc="0" normalizeH="0" baseline="0" noProof="0" dirty="0">
-                <a:ln>
-                  <a:noFill/>
-                </a:ln>
-                <a:solidFill>
-                  <a:schemeClr val="bg1"/>
-                </a:solidFill>
-                <a:effectLst/>
-                <a:uLnTx/>
-                <a:uFillTx/>
-                <a:latin typeface="微軟正黑體" pitchFamily="34" charset="-120"/>
-                <a:ea typeface="微軟正黑體" pitchFamily="34" charset="-120"/>
-                <a:cs typeface="+mn-cs"/>
-              </a:rPr>
-              <a:t>功能</a:t>
-            </a:r>
-            <a:r>
-              <a:rPr kumimoji="0" lang="en-US" altLang="zh-TW" sz="2400" b="1" i="0" u="none" strike="noStrike" kern="1200" cap="none" spc="0" normalizeH="0" baseline="0" noProof="0" dirty="0">
-                <a:ln>
-                  <a:noFill/>
-                </a:ln>
-                <a:solidFill>
-                  <a:schemeClr val="bg1"/>
-                </a:solidFill>
-                <a:effectLst/>
-                <a:uLnTx/>
-                <a:uFillTx/>
-                <a:latin typeface="微軟正黑體" pitchFamily="34" charset="-120"/>
-                <a:ea typeface="微軟正黑體" pitchFamily="34" charset="-120"/>
-                <a:cs typeface="+mn-cs"/>
-              </a:rPr>
-              <a:t>: </a:t>
-            </a:r>
-            <a:r>
-              <a:rPr kumimoji="0" lang="zh-TW" altLang="en-US" sz="2400" b="1" i="0" u="none" strike="noStrike" kern="1200" cap="none" spc="0" normalizeH="0" baseline="0" noProof="0" dirty="0">
-                <a:ln>
-                  <a:noFill/>
-                </a:ln>
-                <a:solidFill>
-                  <a:schemeClr val="bg1"/>
-                </a:solidFill>
-                <a:effectLst/>
-                <a:uLnTx/>
-                <a:uFillTx/>
-                <a:latin typeface="微軟正黑體" pitchFamily="34" charset="-120"/>
-                <a:ea typeface="微軟正黑體" pitchFamily="34" charset="-120"/>
-                <a:cs typeface="+mn-cs"/>
-              </a:rPr>
-              <a:t>遊戲 後台</a:t>
-            </a:r>
-          </a:p>
-        </p:txBody>
-      </p:sp>
+      </p:pic>
     </p:spTree>
     <p:extLst>
       <p:ext uri="{BB962C8B-B14F-4D97-AF65-F5344CB8AC3E}">
-        <p14:creationId xmlns:p14="http://schemas.microsoft.com/office/powerpoint/2010/main" val="1246643756"/>
+        <p14:creationId xmlns:p14="http://schemas.microsoft.com/office/powerpoint/2010/main" val="3004687195"/>
       </p:ext>
     </p:extLst>
   </p:cSld>
@@ -10593,8 +11431,8 @@
         </p:nvSpPr>
         <p:spPr>
           <a:xfrm>
-            <a:off x="632520" y="0"/>
-            <a:ext cx="8640960" cy="692696"/>
+            <a:off x="632519" y="0"/>
+            <a:ext cx="8658397" cy="908720"/>
           </a:xfrm>
           <a:prstGeom prst="rect">
             <a:avLst/>
@@ -10607,36 +11445,76 @@
           <a:lstStyle/>
           <a:p>
             <a:r>
-              <a:rPr lang="en-US" altLang="zh-TW" sz="2800" b="0" dirty="0"/>
+              <a:rPr lang="en-US" altLang="zh-TW" sz="4000" dirty="0">
+                <a:effectLst>
+                  <a:innerShdw blurRad="63500" dist="50800" dir="18900000">
+                    <a:prstClr val="black">
+                      <a:alpha val="50000"/>
+                    </a:prstClr>
+                  </a:innerShdw>
+                </a:effectLst>
+              </a:rPr>
               <a:t>Logo</a:t>
             </a:r>
             <a:r>
-              <a:rPr lang="zh-TW" altLang="en-US" sz="2800" b="0" dirty="0"/>
+              <a:rPr lang="zh-TW" altLang="en-US" sz="4000" dirty="0">
+                <a:effectLst>
+                  <a:innerShdw blurRad="63500" dist="50800" dir="18900000">
+                    <a:prstClr val="black">
+                      <a:alpha val="50000"/>
+                    </a:prstClr>
+                  </a:innerShdw>
+                </a:effectLst>
+              </a:rPr>
               <a:t>設計 </a:t>
             </a:r>
             <a:r>
-              <a:rPr lang="en-US" altLang="zh-TW" sz="2800" b="0" dirty="0"/>
+              <a:rPr lang="en-US" altLang="zh-TW" sz="4000" dirty="0">
+                <a:effectLst>
+                  <a:innerShdw blurRad="63500" dist="50800" dir="18900000">
+                    <a:prstClr val="black">
+                      <a:alpha val="50000"/>
+                    </a:prstClr>
+                  </a:innerShdw>
+                </a:effectLst>
+              </a:rPr>
               <a:t>| </a:t>
             </a:r>
             <a:r>
-              <a:rPr lang="zh-TW" altLang="en-US" sz="2800" b="0" dirty="0"/>
+              <a:rPr lang="zh-TW" altLang="en-US" sz="4000" dirty="0">
+                <a:effectLst>
+                  <a:innerShdw blurRad="63500" dist="50800" dir="18900000">
+                    <a:prstClr val="black">
+                      <a:alpha val="50000"/>
+                    </a:prstClr>
+                  </a:innerShdw>
+                </a:effectLst>
+              </a:rPr>
               <a:t>色彩計畫 </a:t>
             </a:r>
             <a:r>
-              <a:rPr lang="en-US" altLang="zh-TW" sz="2800" b="0" dirty="0"/>
+              <a:rPr lang="en-US" altLang="zh-TW" sz="4000" dirty="0">
+                <a:effectLst>
+                  <a:innerShdw blurRad="63500" dist="50800" dir="18900000">
+                    <a:prstClr val="black">
+                      <a:alpha val="50000"/>
+                    </a:prstClr>
+                  </a:innerShdw>
+                </a:effectLst>
+              </a:rPr>
               <a:t>| </a:t>
             </a:r>
             <a:r>
-              <a:rPr lang="zh-TW" altLang="en-US" sz="2800" b="0" dirty="0"/>
+              <a:rPr lang="zh-TW" altLang="en-US" sz="4000" dirty="0">
+                <a:effectLst>
+                  <a:innerShdw blurRad="63500" dist="50800" dir="18900000">
+                    <a:prstClr val="black">
+                      <a:alpha val="50000"/>
+                    </a:prstClr>
+                  </a:innerShdw>
+                </a:effectLst>
+              </a:rPr>
               <a:t>色彩配置 </a:t>
-            </a:r>
-            <a:r>
-              <a:rPr lang="en-US" altLang="zh-TW" sz="2800" b="0" dirty="0"/>
-              <a:t>| </a:t>
-            </a:r>
-            <a:r>
-              <a:rPr lang="zh-TW" altLang="en-US" sz="2800" b="0" dirty="0"/>
-              <a:t>視覺概念</a:t>
             </a:r>
           </a:p>
         </p:txBody>
@@ -10646,7 +11524,7 @@
           <p:cNvPr id="3076" name="Picture 4">
             <a:extLst>
               <a:ext uri="{FF2B5EF4-FFF2-40B4-BE49-F238E27FC236}">
-                <a16:creationId xmlns:a16="http://schemas.microsoft.com/office/drawing/2014/main" xmlns="" id="{87E02326-0A66-F416-E27F-CCC25B44BF95}"/>
+                <a16:creationId xmlns="" xmlns:a16="http://schemas.microsoft.com/office/drawing/2014/main" id="{87E02326-0A66-F416-E27F-CCC25B44BF95}"/>
               </a:ext>
             </a:extLst>
           </p:cNvPr>
@@ -10693,7 +11571,7 @@
           <p:cNvPr id="7" name="矩形 6">
             <a:extLst>
               <a:ext uri="{FF2B5EF4-FFF2-40B4-BE49-F238E27FC236}">
-                <a16:creationId xmlns:a16="http://schemas.microsoft.com/office/drawing/2014/main" xmlns="" id="{5AA8709B-146C-1E0E-7948-190E737CA1E9}"/>
+                <a16:creationId xmlns="" xmlns:a16="http://schemas.microsoft.com/office/drawing/2014/main" id="{5AA8709B-146C-1E0E-7948-190E737CA1E9}"/>
               </a:ext>
             </a:extLst>
           </p:cNvPr>
@@ -10745,7 +11623,7 @@
           <p:cNvPr id="10" name="圖片 9">
             <a:extLst>
               <a:ext uri="{FF2B5EF4-FFF2-40B4-BE49-F238E27FC236}">
-                <a16:creationId xmlns:a16="http://schemas.microsoft.com/office/drawing/2014/main" xmlns="" id="{EF7A52C7-DE76-3F6C-64E6-4D83019BB8EB}"/>
+                <a16:creationId xmlns="" xmlns:a16="http://schemas.microsoft.com/office/drawing/2014/main" id="{EF7A52C7-DE76-3F6C-64E6-4D83019BB8EB}"/>
               </a:ext>
             </a:extLst>
           </p:cNvPr>
@@ -10781,7 +11659,7 @@
           <p:cNvPr id="2" name="文字方塊 1">
             <a:extLst>
               <a:ext uri="{FF2B5EF4-FFF2-40B4-BE49-F238E27FC236}">
-                <a16:creationId xmlns:a16="http://schemas.microsoft.com/office/drawing/2014/main" xmlns="" id="{8DB7FFA7-816A-53CB-3132-C3F2C3746DD6}"/>
+                <a16:creationId xmlns="" xmlns:a16="http://schemas.microsoft.com/office/drawing/2014/main" id="{8DB7FFA7-816A-53CB-3132-C3F2C3746DD6}"/>
               </a:ext>
             </a:extLst>
           </p:cNvPr>
@@ -11227,7 +12105,7 @@
   <a:extraClrSchemeLst/>
   <a:extLst>
     <a:ext uri="{05A4C25C-085E-4340-85A3-A5531E510DB2}">
-      <thm15:themeFamily xmlns:thm15="http://schemas.microsoft.com/office/thememl/2012/main" xmlns="" name="資策會2021簡報範本_dark.potx" id="{81C76F81-1671-4B56-BD0F-02ECACBEA1CD}" vid="{64F81388-CB1B-4503-9A85-CB10ADCB8F38}"/>
+      <thm15:themeFamily xmlns="" xmlns:thm15="http://schemas.microsoft.com/office/thememl/2012/main" name="資策會2021簡報範本_dark.potx" id="{81C76F81-1671-4B56-BD0F-02ECACBEA1CD}" vid="{64F81388-CB1B-4503-9A85-CB10ADCB8F38}"/>
     </a:ext>
   </a:extLst>
 </a:theme>

--- a/期末報告企畫書與ppt/第三組動吃動吃 更0715.pptx
+++ b/期末報告企畫書與ppt/第三組動吃動吃 更0715.pptx
@@ -121,7 +121,7 @@
   </p:defaultTextStyle>
   <p:extLst>
     <p:ext uri="{EFAFB233-063F-42B5-8137-9DF3F51BA10A}">
-      <p15:sldGuideLst xmlns="" xmlns:p15="http://schemas.microsoft.com/office/powerpoint/2012/main">
+      <p15:sldGuideLst xmlns:p15="http://schemas.microsoft.com/office/powerpoint/2012/main" xmlns="">
         <p15:guide id="1" orient="horz" pos="2160">
           <p15:clr>
             <a:srgbClr val="A4A3A4"/>
@@ -143,7 +143,7 @@
   <p:cmAuthor id="1" name="宜芬 林" initials="宜芬" lastIdx="1" clrIdx="0">
     <p:extLst>
       <p:ext uri="{19B8F6BF-5375-455C-9EA6-DF929625EA0E}">
-        <p15:presenceInfo xmlns="" xmlns:p15="http://schemas.microsoft.com/office/powerpoint/2012/main" userId="aba83431a2d473ae" providerId="Windows Live"/>
+        <p15:presenceInfo xmlns:p15="http://schemas.microsoft.com/office/powerpoint/2012/main" xmlns="" userId="aba83431a2d473ae" providerId="Windows Live"/>
       </p:ext>
     </p:extLst>
   </p:cmAuthor>
@@ -233,7 +233,7 @@
             <a:fld id="{05BF5AB9-3463-4E65-AFD3-5431B79ADFDC}" type="datetimeFigureOut">
               <a:rPr lang="zh-TW" altLang="en-US" smtClean="0"/>
               <a:pPr/>
-              <a:t>2022/7/15</a:t>
+              <a:t>2022/7/16</a:t>
             </a:fld>
             <a:endParaRPr lang="zh-TW" altLang="en-US"/>
           </a:p>
@@ -400,7 +400,7 @@
             <a:fld id="{838FF680-7B6B-4655-B6A1-33A8AD0AE8B4}" type="datetimeFigureOut">
               <a:rPr lang="zh-TW" altLang="en-US" smtClean="0"/>
               <a:pPr/>
-              <a:t>2022/7/15</a:t>
+              <a:t>2022/7/16</a:t>
             </a:fld>
             <a:endParaRPr lang="zh-TW" altLang="en-US"/>
           </a:p>
@@ -2103,7 +2103,7 @@
   </p:clrMapOvr>
   <p:extLst>
     <p:ext uri="{DCECCB84-F9BA-43D5-87BE-67443E8EF086}">
-      <p15:sldGuideLst xmlns="" xmlns:p15="http://schemas.microsoft.com/office/powerpoint/2012/main">
+      <p15:sldGuideLst xmlns:p15="http://schemas.microsoft.com/office/powerpoint/2012/main" xmlns="">
         <p15:guide id="1" orient="horz" pos="2160">
           <p15:clr>
             <a:srgbClr val="FBAE40"/>
@@ -3504,7 +3504,7 @@
           <p:cNvPr id="6" name="圖片 5">
             <a:extLst>
               <a:ext uri="{FF2B5EF4-FFF2-40B4-BE49-F238E27FC236}">
-                <a16:creationId xmlns="" xmlns:a16="http://schemas.microsoft.com/office/drawing/2014/main" id="{A38F83B7-CC73-4E3F-9287-CF590BE57B63}"/>
+                <a16:creationId xmlns:a16="http://schemas.microsoft.com/office/drawing/2014/main" xmlns="" id="{A38F83B7-CC73-4E3F-9287-CF590BE57B63}"/>
               </a:ext>
             </a:extLst>
           </p:cNvPr>
@@ -3566,7 +3566,7 @@
           <p:cNvPr id="7" name="群組 6">
             <a:extLst>
               <a:ext uri="{FF2B5EF4-FFF2-40B4-BE49-F238E27FC236}">
-                <a16:creationId xmlns="" xmlns:a16="http://schemas.microsoft.com/office/drawing/2014/main" id="{C165526D-DB92-4A98-9E03-1227F7138DBB}"/>
+                <a16:creationId xmlns:a16="http://schemas.microsoft.com/office/drawing/2014/main" xmlns="" id="{C165526D-DB92-4A98-9E03-1227F7138DBB}"/>
               </a:ext>
             </a:extLst>
           </p:cNvPr>
@@ -3586,7 +3586,7 @@
             <p:cNvPr id="8" name="圖片 7">
               <a:extLst>
                 <a:ext uri="{FF2B5EF4-FFF2-40B4-BE49-F238E27FC236}">
-                  <a16:creationId xmlns="" xmlns:a16="http://schemas.microsoft.com/office/drawing/2014/main" id="{15CFBFC1-A069-4FBC-A453-306DD6015A7E}"/>
+                  <a16:creationId xmlns:a16="http://schemas.microsoft.com/office/drawing/2014/main" xmlns="" id="{15CFBFC1-A069-4FBC-A453-306DD6015A7E}"/>
                 </a:ext>
               </a:extLst>
             </p:cNvPr>
@@ -3616,7 +3616,7 @@
             <p:cNvPr id="9" name="文字方塊 8">
               <a:extLst>
                 <a:ext uri="{FF2B5EF4-FFF2-40B4-BE49-F238E27FC236}">
-                  <a16:creationId xmlns="" xmlns:a16="http://schemas.microsoft.com/office/drawing/2014/main" id="{3DEC8BE7-DA71-4BDA-8CB8-33EEA10823B6}"/>
+                  <a16:creationId xmlns:a16="http://schemas.microsoft.com/office/drawing/2014/main" xmlns="" id="{3DEC8BE7-DA71-4BDA-8CB8-33EEA10823B6}"/>
                 </a:ext>
               </a:extLst>
             </p:cNvPr>
@@ -3666,7 +3666,7 @@
             <p:cNvPr id="10" name="矩形 9">
               <a:extLst>
                 <a:ext uri="{FF2B5EF4-FFF2-40B4-BE49-F238E27FC236}">
-                  <a16:creationId xmlns="" xmlns:a16="http://schemas.microsoft.com/office/drawing/2014/main" id="{0E2543E6-D835-43CF-8323-BB5950B7F5DC}"/>
+                  <a16:creationId xmlns:a16="http://schemas.microsoft.com/office/drawing/2014/main" xmlns="" id="{0E2543E6-D835-43CF-8323-BB5950B7F5DC}"/>
                 </a:ext>
               </a:extLst>
             </p:cNvPr>
@@ -3710,7 +3710,7 @@
             <p:cNvPr id="11" name="文字方塊 10">
               <a:extLst>
                 <a:ext uri="{FF2B5EF4-FFF2-40B4-BE49-F238E27FC236}">
-                  <a16:creationId xmlns="" xmlns:a16="http://schemas.microsoft.com/office/drawing/2014/main" id="{56E7BB63-E6A1-4E5D-BBDE-09FA7D686D38}"/>
+                  <a16:creationId xmlns:a16="http://schemas.microsoft.com/office/drawing/2014/main" xmlns="" id="{56E7BB63-E6A1-4E5D-BBDE-09FA7D686D38}"/>
                 </a:ext>
               </a:extLst>
             </p:cNvPr>
@@ -3759,7 +3759,7 @@
             <p:cNvPr id="12" name="文字方塊 11">
               <a:extLst>
                 <a:ext uri="{FF2B5EF4-FFF2-40B4-BE49-F238E27FC236}">
-                  <a16:creationId xmlns="" xmlns:a16="http://schemas.microsoft.com/office/drawing/2014/main" id="{66D811A0-564C-4DD2-8EB6-01EBFFC8B991}"/>
+                  <a16:creationId xmlns:a16="http://schemas.microsoft.com/office/drawing/2014/main" xmlns="" id="{66D811A0-564C-4DD2-8EB6-01EBFFC8B991}"/>
                 </a:ext>
               </a:extLst>
             </p:cNvPr>
@@ -3808,7 +3808,7 @@
             <p:cNvPr id="13" name="文字方塊 12">
               <a:extLst>
                 <a:ext uri="{FF2B5EF4-FFF2-40B4-BE49-F238E27FC236}">
-                  <a16:creationId xmlns="" xmlns:a16="http://schemas.microsoft.com/office/drawing/2014/main" id="{B589B725-0E0C-40CC-9549-C1BDEC14B51E}"/>
+                  <a16:creationId xmlns:a16="http://schemas.microsoft.com/office/drawing/2014/main" xmlns="" id="{B589B725-0E0C-40CC-9549-C1BDEC14B51E}"/>
                 </a:ext>
               </a:extLst>
             </p:cNvPr>
@@ -6654,7 +6654,37 @@
                     <a:bodyPr/>
                     <a:lstStyle/>
                     <a:p>
-                      <a:pPr marL="342900" indent="-342900" algn="ctr">
+                      <a:pPr marL="342900" indent="-342900" algn="l">
+                        <a:buClr>
+                          <a:schemeClr val="accent4"/>
+                        </a:buClr>
+                        <a:buFont typeface="Wingdings" pitchFamily="2" charset="2"/>
+                        <a:buChar char="u"/>
+                      </a:pPr>
+                      <a:r>
+                        <a:rPr lang="en-US" altLang="zh-TW" sz="2000" b="1" spc="300" dirty="0" smtClean="0">
+                          <a:solidFill>
+                            <a:srgbClr val="FFFFFF"/>
+                          </a:solidFill>
+                        </a:rPr>
+                        <a:t>LOGO</a:t>
+                      </a:r>
+                      <a:r>
+                        <a:rPr lang="zh-TW" altLang="en-US" sz="2000" b="1" spc="300" dirty="0" smtClean="0">
+                          <a:solidFill>
+                            <a:srgbClr val="FFFFFF"/>
+                          </a:solidFill>
+                        </a:rPr>
+                        <a:t>設計</a:t>
+                      </a:r>
+                      <a:endParaRPr lang="en-US" altLang="zh-TW" sz="2000" b="1" spc="300" dirty="0" smtClean="0">
+                        <a:solidFill>
+                          <a:srgbClr val="FFFFFF"/>
+                        </a:solidFill>
+                      </a:endParaRPr>
+                    </a:p>
+                    <a:p>
+                      <a:pPr marL="342900" indent="-342900" algn="l">
                         <a:buClr>
                           <a:schemeClr val="accent4"/>
                         </a:buClr>
@@ -6667,7 +6697,29 @@
                             <a:srgbClr val="FFFFFF"/>
                           </a:solidFill>
                         </a:rPr>
-                        <a:t>設計</a:t>
+                        <a:t>前端網頁</a:t>
+                      </a:r>
+                      <a:endParaRPr lang="en-US" altLang="zh-TW" sz="2000" b="1" spc="300" dirty="0" smtClean="0">
+                        <a:solidFill>
+                          <a:srgbClr val="FFFFFF"/>
+                        </a:solidFill>
+                      </a:endParaRPr>
+                    </a:p>
+                    <a:p>
+                      <a:pPr marL="342900" indent="-342900" algn="l">
+                        <a:buClr>
+                          <a:schemeClr val="accent4"/>
+                        </a:buClr>
+                        <a:buFont typeface="Wingdings" pitchFamily="2" charset="2"/>
+                        <a:buChar char="u"/>
+                      </a:pPr>
+                      <a:r>
+                        <a:rPr lang="zh-TW" altLang="en-US" sz="2000" b="1" spc="300" smtClean="0">
+                          <a:solidFill>
+                            <a:srgbClr val="FFFFFF"/>
+                          </a:solidFill>
+                        </a:rPr>
+                        <a:t>企劃書</a:t>
                       </a:r>
                       <a:endParaRPr lang="zh-TW" altLang="en-US" sz="2000" b="1" spc="300" dirty="0">
                         <a:solidFill>
@@ -9192,15 +9244,7 @@
                   <a:schemeClr val="tx1"/>
                 </a:solidFill>
               </a:rPr>
-              <a:t>我們開創</a:t>
-            </a:r>
-            <a:r>
-              <a:rPr lang="zh-TW" altLang="en-US" sz="2400" dirty="0">
-                <a:solidFill>
-                  <a:schemeClr val="tx1"/>
-                </a:solidFill>
-              </a:rPr>
-              <a:t>一個資訊整合平台，整合並提供客觀資訊提供使用者參考，成為健身小白的新手村。</a:t>
+              <a:t>我們開創一個資訊整合平台，整合並提供客觀資訊提供使用者參考，成為健身小白的新手村。</a:t>
             </a:r>
             <a:endParaRPr lang="en-US" altLang="zh-TW" sz="2400" dirty="0">
               <a:solidFill>
@@ -10455,13 +10499,6 @@
               </a:rPr>
               <a:t>&gt; </a:t>
             </a:r>
-            <a:endParaRPr lang="en-US" altLang="zh-TW" b="1" dirty="0">
-              <a:solidFill>
-                <a:schemeClr val="bg1"/>
-              </a:solidFill>
-              <a:latin typeface="微軟正黑體" pitchFamily="34" charset="-120"/>
-              <a:ea typeface="微軟正黑體" pitchFamily="34" charset="-120"/>
-            </a:endParaRPr>
           </a:p>
         </p:txBody>
       </p:sp>
@@ -11524,7 +11561,7 @@
           <p:cNvPr id="3076" name="Picture 4">
             <a:extLst>
               <a:ext uri="{FF2B5EF4-FFF2-40B4-BE49-F238E27FC236}">
-                <a16:creationId xmlns="" xmlns:a16="http://schemas.microsoft.com/office/drawing/2014/main" id="{87E02326-0A66-F416-E27F-CCC25B44BF95}"/>
+                <a16:creationId xmlns:a16="http://schemas.microsoft.com/office/drawing/2014/main" xmlns="" id="{87E02326-0A66-F416-E27F-CCC25B44BF95}"/>
               </a:ext>
             </a:extLst>
           </p:cNvPr>
@@ -11571,7 +11608,7 @@
           <p:cNvPr id="7" name="矩形 6">
             <a:extLst>
               <a:ext uri="{FF2B5EF4-FFF2-40B4-BE49-F238E27FC236}">
-                <a16:creationId xmlns="" xmlns:a16="http://schemas.microsoft.com/office/drawing/2014/main" id="{5AA8709B-146C-1E0E-7948-190E737CA1E9}"/>
+                <a16:creationId xmlns:a16="http://schemas.microsoft.com/office/drawing/2014/main" xmlns="" id="{5AA8709B-146C-1E0E-7948-190E737CA1E9}"/>
               </a:ext>
             </a:extLst>
           </p:cNvPr>
@@ -11623,7 +11660,7 @@
           <p:cNvPr id="10" name="圖片 9">
             <a:extLst>
               <a:ext uri="{FF2B5EF4-FFF2-40B4-BE49-F238E27FC236}">
-                <a16:creationId xmlns="" xmlns:a16="http://schemas.microsoft.com/office/drawing/2014/main" id="{EF7A52C7-DE76-3F6C-64E6-4D83019BB8EB}"/>
+                <a16:creationId xmlns:a16="http://schemas.microsoft.com/office/drawing/2014/main" xmlns="" id="{EF7A52C7-DE76-3F6C-64E6-4D83019BB8EB}"/>
               </a:ext>
             </a:extLst>
           </p:cNvPr>
@@ -11659,7 +11696,7 @@
           <p:cNvPr id="2" name="文字方塊 1">
             <a:extLst>
               <a:ext uri="{FF2B5EF4-FFF2-40B4-BE49-F238E27FC236}">
-                <a16:creationId xmlns="" xmlns:a16="http://schemas.microsoft.com/office/drawing/2014/main" id="{8DB7FFA7-816A-53CB-3132-C3F2C3746DD6}"/>
+                <a16:creationId xmlns:a16="http://schemas.microsoft.com/office/drawing/2014/main" xmlns="" id="{8DB7FFA7-816A-53CB-3132-C3F2C3746DD6}"/>
               </a:ext>
             </a:extLst>
           </p:cNvPr>
@@ -12105,7 +12142,7 @@
   <a:extraClrSchemeLst/>
   <a:extLst>
     <a:ext uri="{05A4C25C-085E-4340-85A3-A5531E510DB2}">
-      <thm15:themeFamily xmlns="" xmlns:thm15="http://schemas.microsoft.com/office/thememl/2012/main" name="資策會2021簡報範本_dark.potx" id="{81C76F81-1671-4B56-BD0F-02ECACBEA1CD}" vid="{64F81388-CB1B-4503-9A85-CB10ADCB8F38}"/>
+      <thm15:themeFamily xmlns:thm15="http://schemas.microsoft.com/office/thememl/2012/main" xmlns="" name="資策會2021簡報範本_dark.potx" id="{81C76F81-1671-4B56-BD0F-02ECACBEA1CD}" vid="{64F81388-CB1B-4503-9A85-CB10ADCB8F38}"/>
     </a:ext>
   </a:extLst>
 </a:theme>

--- a/期末報告企畫書與ppt/第三組動吃動吃 更0715.pptx
+++ b/期末報告企畫書與ppt/第三組動吃動吃 更0715.pptx
@@ -5,10 +5,10 @@
     <p:sldMasterId id="2147483664" r:id="rId1"/>
   </p:sldMasterIdLst>
   <p:notesMasterIdLst>
-    <p:notesMasterId r:id="rId12"/>
+    <p:notesMasterId r:id="rId19"/>
   </p:notesMasterIdLst>
   <p:handoutMasterIdLst>
-    <p:handoutMasterId r:id="rId13"/>
+    <p:handoutMasterId r:id="rId20"/>
   </p:handoutMasterIdLst>
   <p:sldIdLst>
     <p:sldId id="264" r:id="rId2"/>
@@ -20,7 +20,14 @@
     <p:sldId id="281" r:id="rId8"/>
     <p:sldId id="279" r:id="rId9"/>
     <p:sldId id="278" r:id="rId10"/>
-    <p:sldId id="260" r:id="rId11"/>
+    <p:sldId id="282" r:id="rId11"/>
+    <p:sldId id="283" r:id="rId12"/>
+    <p:sldId id="284" r:id="rId13"/>
+    <p:sldId id="285" r:id="rId14"/>
+    <p:sldId id="286" r:id="rId15"/>
+    <p:sldId id="287" r:id="rId16"/>
+    <p:sldId id="288" r:id="rId17"/>
+    <p:sldId id="260" r:id="rId18"/>
   </p:sldIdLst>
   <p:sldSz cx="9906000" cy="6858000" type="A4"/>
   <p:notesSz cx="6807200" cy="9939338"/>
@@ -121,7 +128,7 @@
   </p:defaultTextStyle>
   <p:extLst>
     <p:ext uri="{EFAFB233-063F-42B5-8137-9DF3F51BA10A}">
-      <p15:sldGuideLst xmlns:p15="http://schemas.microsoft.com/office/powerpoint/2012/main" xmlns="">
+      <p15:sldGuideLst xmlns="" xmlns:p15="http://schemas.microsoft.com/office/powerpoint/2012/main">
         <p15:guide id="1" orient="horz" pos="2160">
           <p15:clr>
             <a:srgbClr val="A4A3A4"/>
@@ -143,7 +150,7 @@
   <p:cmAuthor id="1" name="宜芬 林" initials="宜芬" lastIdx="1" clrIdx="0">
     <p:extLst>
       <p:ext uri="{19B8F6BF-5375-455C-9EA6-DF929625EA0E}">
-        <p15:presenceInfo xmlns:p15="http://schemas.microsoft.com/office/powerpoint/2012/main" xmlns="" userId="aba83431a2d473ae" providerId="Windows Live"/>
+        <p15:presenceInfo xmlns="" xmlns:p15="http://schemas.microsoft.com/office/powerpoint/2012/main" userId="aba83431a2d473ae" providerId="Windows Live"/>
       </p:ext>
     </p:extLst>
   </p:cmAuthor>
@@ -233,7 +240,7 @@
             <a:fld id="{05BF5AB9-3463-4E65-AFD3-5431B79ADFDC}" type="datetimeFigureOut">
               <a:rPr lang="zh-TW" altLang="en-US" smtClean="0"/>
               <a:pPr/>
-              <a:t>2022/7/16</a:t>
+              <a:t>2022/7/17</a:t>
             </a:fld>
             <a:endParaRPr lang="zh-TW" altLang="en-US"/>
           </a:p>
@@ -400,7 +407,7 @@
             <a:fld id="{838FF680-7B6B-4655-B6A1-33A8AD0AE8B4}" type="datetimeFigureOut">
               <a:rPr lang="zh-TW" altLang="en-US" smtClean="0"/>
               <a:pPr/>
-              <a:t>2022/7/16</a:t>
+              <a:t>2022/7/17</a:t>
             </a:fld>
             <a:endParaRPr lang="zh-TW" altLang="en-US"/>
           </a:p>
@@ -2103,7 +2110,7 @@
   </p:clrMapOvr>
   <p:extLst>
     <p:ext uri="{DCECCB84-F9BA-43D5-87BE-67443E8EF086}">
-      <p15:sldGuideLst xmlns:p15="http://schemas.microsoft.com/office/powerpoint/2012/main" xmlns="">
+      <p15:sldGuideLst xmlns="" xmlns:p15="http://schemas.microsoft.com/office/powerpoint/2012/main">
         <p15:guide id="1" orient="horz" pos="2160">
           <p15:clr>
             <a:srgbClr val="FBAE40"/>
@@ -3504,7 +3511,7 @@
           <p:cNvPr id="6" name="圖片 5">
             <a:extLst>
               <a:ext uri="{FF2B5EF4-FFF2-40B4-BE49-F238E27FC236}">
-                <a16:creationId xmlns:a16="http://schemas.microsoft.com/office/drawing/2014/main" xmlns="" id="{A38F83B7-CC73-4E3F-9287-CF590BE57B63}"/>
+                <a16:creationId xmlns="" xmlns:a16="http://schemas.microsoft.com/office/drawing/2014/main" id="{A38F83B7-CC73-4E3F-9287-CF590BE57B63}"/>
               </a:ext>
             </a:extLst>
           </p:cNvPr>
@@ -3566,7 +3573,7 @@
           <p:cNvPr id="7" name="群組 6">
             <a:extLst>
               <a:ext uri="{FF2B5EF4-FFF2-40B4-BE49-F238E27FC236}">
-                <a16:creationId xmlns:a16="http://schemas.microsoft.com/office/drawing/2014/main" xmlns="" id="{C165526D-DB92-4A98-9E03-1227F7138DBB}"/>
+                <a16:creationId xmlns="" xmlns:a16="http://schemas.microsoft.com/office/drawing/2014/main" id="{C165526D-DB92-4A98-9E03-1227F7138DBB}"/>
               </a:ext>
             </a:extLst>
           </p:cNvPr>
@@ -3586,7 +3593,7 @@
             <p:cNvPr id="8" name="圖片 7">
               <a:extLst>
                 <a:ext uri="{FF2B5EF4-FFF2-40B4-BE49-F238E27FC236}">
-                  <a16:creationId xmlns:a16="http://schemas.microsoft.com/office/drawing/2014/main" xmlns="" id="{15CFBFC1-A069-4FBC-A453-306DD6015A7E}"/>
+                  <a16:creationId xmlns="" xmlns:a16="http://schemas.microsoft.com/office/drawing/2014/main" id="{15CFBFC1-A069-4FBC-A453-306DD6015A7E}"/>
                 </a:ext>
               </a:extLst>
             </p:cNvPr>
@@ -3616,7 +3623,7 @@
             <p:cNvPr id="9" name="文字方塊 8">
               <a:extLst>
                 <a:ext uri="{FF2B5EF4-FFF2-40B4-BE49-F238E27FC236}">
-                  <a16:creationId xmlns:a16="http://schemas.microsoft.com/office/drawing/2014/main" xmlns="" id="{3DEC8BE7-DA71-4BDA-8CB8-33EEA10823B6}"/>
+                  <a16:creationId xmlns="" xmlns:a16="http://schemas.microsoft.com/office/drawing/2014/main" id="{3DEC8BE7-DA71-4BDA-8CB8-33EEA10823B6}"/>
                 </a:ext>
               </a:extLst>
             </p:cNvPr>
@@ -3666,7 +3673,7 @@
             <p:cNvPr id="10" name="矩形 9">
               <a:extLst>
                 <a:ext uri="{FF2B5EF4-FFF2-40B4-BE49-F238E27FC236}">
-                  <a16:creationId xmlns:a16="http://schemas.microsoft.com/office/drawing/2014/main" xmlns="" id="{0E2543E6-D835-43CF-8323-BB5950B7F5DC}"/>
+                  <a16:creationId xmlns="" xmlns:a16="http://schemas.microsoft.com/office/drawing/2014/main" id="{0E2543E6-D835-43CF-8323-BB5950B7F5DC}"/>
                 </a:ext>
               </a:extLst>
             </p:cNvPr>
@@ -3710,7 +3717,7 @@
             <p:cNvPr id="11" name="文字方塊 10">
               <a:extLst>
                 <a:ext uri="{FF2B5EF4-FFF2-40B4-BE49-F238E27FC236}">
-                  <a16:creationId xmlns:a16="http://schemas.microsoft.com/office/drawing/2014/main" xmlns="" id="{56E7BB63-E6A1-4E5D-BBDE-09FA7D686D38}"/>
+                  <a16:creationId xmlns="" xmlns:a16="http://schemas.microsoft.com/office/drawing/2014/main" id="{56E7BB63-E6A1-4E5D-BBDE-09FA7D686D38}"/>
                 </a:ext>
               </a:extLst>
             </p:cNvPr>
@@ -3759,7 +3766,7 @@
             <p:cNvPr id="12" name="文字方塊 11">
               <a:extLst>
                 <a:ext uri="{FF2B5EF4-FFF2-40B4-BE49-F238E27FC236}">
-                  <a16:creationId xmlns:a16="http://schemas.microsoft.com/office/drawing/2014/main" xmlns="" id="{66D811A0-564C-4DD2-8EB6-01EBFFC8B991}"/>
+                  <a16:creationId xmlns="" xmlns:a16="http://schemas.microsoft.com/office/drawing/2014/main" id="{66D811A0-564C-4DD2-8EB6-01EBFFC8B991}"/>
                 </a:ext>
               </a:extLst>
             </p:cNvPr>
@@ -3808,7 +3815,7 @@
             <p:cNvPr id="13" name="文字方塊 12">
               <a:extLst>
                 <a:ext uri="{FF2B5EF4-FFF2-40B4-BE49-F238E27FC236}">
-                  <a16:creationId xmlns:a16="http://schemas.microsoft.com/office/drawing/2014/main" xmlns="" id="{B589B725-0E0C-40CC-9549-C1BDEC14B51E}"/>
+                  <a16:creationId xmlns="" xmlns:a16="http://schemas.microsoft.com/office/drawing/2014/main" id="{B589B725-0E0C-40CC-9549-C1BDEC14B51E}"/>
                 </a:ext>
               </a:extLst>
             </p:cNvPr>
@@ -6161,6 +6168,1677 @@
 </file>
 
 <file path=ppt/slides/slide10.xml><?xml version="1.0" encoding="utf-8"?>
+<p:sld xmlns:a="http://schemas.openxmlformats.org/drawingml/2006/main" xmlns:r="http://schemas.openxmlformats.org/officeDocument/2006/relationships" xmlns:p="http://schemas.openxmlformats.org/presentationml/2006/main">
+  <p:cSld>
+    <p:spTree>
+      <p:nvGrpSpPr>
+        <p:cNvPr id="1" name=""/>
+        <p:cNvGrpSpPr/>
+        <p:nvPr/>
+      </p:nvGrpSpPr>
+      <p:grpSpPr>
+        <a:xfrm>
+          <a:off x="0" y="0"/>
+          <a:ext cx="0" cy="0"/>
+          <a:chOff x="0" y="0"/>
+          <a:chExt cx="0" cy="0"/>
+        </a:xfrm>
+      </p:grpSpPr>
+      <p:sp>
+        <p:nvSpPr>
+          <p:cNvPr id="5" name="矩形 4"/>
+          <p:cNvSpPr/>
+          <p:nvPr/>
+        </p:nvSpPr>
+        <p:spPr>
+          <a:xfrm>
+            <a:off x="0" y="980728"/>
+            <a:ext cx="9906000" cy="5688632"/>
+          </a:xfrm>
+          <a:prstGeom prst="rect">
+            <a:avLst/>
+          </a:prstGeom>
+          <a:solidFill>
+            <a:schemeClr val="bg1"/>
+          </a:solidFill>
+          <a:ln>
+            <a:noFill/>
+          </a:ln>
+        </p:spPr>
+        <p:style>
+          <a:lnRef idx="1">
+            <a:schemeClr val="accent4"/>
+          </a:lnRef>
+          <a:fillRef idx="3">
+            <a:schemeClr val="accent4"/>
+          </a:fillRef>
+          <a:effectRef idx="2">
+            <a:schemeClr val="accent4"/>
+          </a:effectRef>
+          <a:fontRef idx="minor">
+            <a:schemeClr val="lt1"/>
+          </a:fontRef>
+        </p:style>
+        <p:txBody>
+          <a:bodyPr rtlCol="0" anchor="ctr"/>
+          <a:lstStyle/>
+          <a:p>
+            <a:pPr algn="ctr"/>
+            <a:endParaRPr lang="zh-TW" altLang="en-US"/>
+          </a:p>
+        </p:txBody>
+      </p:sp>
+      <p:sp>
+        <p:nvSpPr>
+          <p:cNvPr id="4" name="標題 3"/>
+          <p:cNvSpPr>
+            <a:spLocks noGrp="1"/>
+          </p:cNvSpPr>
+          <p:nvPr>
+            <p:ph type="title" idx="4294967295"/>
+          </p:nvPr>
+        </p:nvSpPr>
+        <p:spPr>
+          <a:xfrm>
+            <a:off x="632519" y="44624"/>
+            <a:ext cx="8658397" cy="908720"/>
+          </a:xfrm>
+          <a:prstGeom prst="rect">
+            <a:avLst/>
+          </a:prstGeom>
+        </p:spPr>
+        <p:txBody>
+          <a:bodyPr>
+            <a:noAutofit/>
+          </a:bodyPr>
+          <a:lstStyle/>
+          <a:p>
+            <a:r>
+              <a:rPr lang="zh-TW" altLang="en-US" sz="4000" dirty="0">
+                <a:effectLst>
+                  <a:innerShdw blurRad="63500" dist="50800" dir="18900000">
+                    <a:prstClr val="black">
+                      <a:alpha val="50000"/>
+                    </a:prstClr>
+                  </a:innerShdw>
+                </a:effectLst>
+              </a:rPr>
+              <a:t>飲食控制遊戲</a:t>
+            </a:r>
+          </a:p>
+        </p:txBody>
+      </p:sp>
+      <p:sp>
+        <p:nvSpPr>
+          <p:cNvPr id="2" name="文字方塊 1">
+            <a:extLst>
+              <a:ext uri="{FF2B5EF4-FFF2-40B4-BE49-F238E27FC236}">
+                <a16:creationId xmlns:a16="http://schemas.microsoft.com/office/drawing/2014/main" xmlns="" id="{8DB7FFA7-816A-53CB-3132-C3F2C3746DD6}"/>
+              </a:ext>
+            </a:extLst>
+          </p:cNvPr>
+          <p:cNvSpPr txBox="1"/>
+          <p:nvPr/>
+        </p:nvSpPr>
+        <p:spPr>
+          <a:xfrm>
+            <a:off x="1104566" y="1624441"/>
+            <a:ext cx="8136904" cy="4401205"/>
+          </a:xfrm>
+          <a:prstGeom prst="rect">
+            <a:avLst/>
+          </a:prstGeom>
+          <a:noFill/>
+        </p:spPr>
+        <p:txBody>
+          <a:bodyPr wrap="square" rtlCol="0">
+            <a:spAutoFit/>
+          </a:bodyPr>
+          <a:lstStyle/>
+          <a:p>
+            <a:pPr marL="342900" indent="-342900">
+              <a:lnSpc>
+                <a:spcPts val="3600"/>
+              </a:lnSpc>
+              <a:spcBef>
+                <a:spcPts val="600"/>
+              </a:spcBef>
+              <a:spcAft>
+                <a:spcPts val="600"/>
+              </a:spcAft>
+              <a:buClr>
+                <a:schemeClr val="tx1"/>
+              </a:buClr>
+              <a:buFont typeface="Wingdings" pitchFamily="2" charset="2"/>
+              <a:buChar char="Ø"/>
+            </a:pPr>
+            <a:r>
+              <a:rPr lang="zh-TW" altLang="en-US" sz="2200" b="1" dirty="0">
+                <a:solidFill>
+                  <a:srgbClr val="FFC000"/>
+                </a:solidFill>
+                <a:latin typeface="微軟正黑體" pitchFamily="34" charset="-120"/>
+                <a:ea typeface="微軟正黑體" pitchFamily="34" charset="-120"/>
+              </a:rPr>
+              <a:t>發想</a:t>
+            </a:r>
+            <a:r>
+              <a:rPr lang="en-US" altLang="zh-TW" sz="2200" b="1" dirty="0" smtClean="0">
+                <a:solidFill>
+                  <a:srgbClr val="FFC000"/>
+                </a:solidFill>
+                <a:latin typeface="微軟正黑體" pitchFamily="34" charset="-120"/>
+                <a:ea typeface="微軟正黑體" pitchFamily="34" charset="-120"/>
+              </a:rPr>
+              <a:t>:</a:t>
+            </a:r>
+            <a:endParaRPr lang="en-US" altLang="zh-TW" sz="2200" b="1" dirty="0">
+              <a:solidFill>
+                <a:srgbClr val="FFC000"/>
+              </a:solidFill>
+              <a:latin typeface="微軟正黑體" pitchFamily="34" charset="-120"/>
+              <a:ea typeface="微軟正黑體" pitchFamily="34" charset="-120"/>
+            </a:endParaRPr>
+          </a:p>
+          <a:p>
+            <a:pPr marL="342900" indent="-342900">
+              <a:lnSpc>
+                <a:spcPts val="3600"/>
+              </a:lnSpc>
+              <a:spcBef>
+                <a:spcPts val="600"/>
+              </a:spcBef>
+              <a:spcAft>
+                <a:spcPts val="600"/>
+              </a:spcAft>
+              <a:buClr>
+                <a:schemeClr val="accent1"/>
+              </a:buClr>
+              <a:buFont typeface="Wingdings" panose="05000000000000000000" pitchFamily="2" charset="2"/>
+              <a:buChar char="l"/>
+            </a:pPr>
+            <a:r>
+              <a:rPr lang="zh-TW" altLang="en-US" sz="2200" b="1" dirty="0" smtClean="0">
+                <a:latin typeface="微軟正黑體" pitchFamily="34" charset="-120"/>
+                <a:ea typeface="微軟正黑體" pitchFamily="34" charset="-120"/>
+              </a:rPr>
+              <a:t> 為了</a:t>
+            </a:r>
+            <a:r>
+              <a:rPr lang="zh-TW" altLang="en-US" sz="2200" b="1" dirty="0">
+                <a:latin typeface="微軟正黑體" pitchFamily="34" charset="-120"/>
+                <a:ea typeface="微軟正黑體" pitchFamily="34" charset="-120"/>
+              </a:rPr>
+              <a:t>重現控制飲食的難度，遊戲利用健康食物及垃圾食物來影響主角的體重，其中誘惑較小的健康食物不會移動，誘惑較大的垃圾食物則會不停移動，雖不會追著玩家跑，但也閃躲不易，更貼近生活上不小心就跑去吃的現實</a:t>
+            </a:r>
+            <a:r>
+              <a:rPr lang="zh-TW" altLang="en-US" sz="2200" b="1" dirty="0" smtClean="0">
+                <a:latin typeface="微軟正黑體" pitchFamily="34" charset="-120"/>
+                <a:ea typeface="微軟正黑體" pitchFamily="34" charset="-120"/>
+              </a:rPr>
+              <a:t>。</a:t>
+            </a:r>
+            <a:endParaRPr lang="en-US" altLang="zh-TW" sz="2200" b="1" dirty="0" smtClean="0">
+              <a:latin typeface="微軟正黑體" pitchFamily="34" charset="-120"/>
+              <a:ea typeface="微軟正黑體" pitchFamily="34" charset="-120"/>
+            </a:endParaRPr>
+          </a:p>
+          <a:p>
+            <a:pPr marL="342900" indent="-342900">
+              <a:lnSpc>
+                <a:spcPts val="3600"/>
+              </a:lnSpc>
+              <a:spcBef>
+                <a:spcPts val="600"/>
+              </a:spcBef>
+              <a:spcAft>
+                <a:spcPts val="600"/>
+              </a:spcAft>
+              <a:buClr>
+                <a:schemeClr val="accent1"/>
+              </a:buClr>
+              <a:buFont typeface="Wingdings" panose="05000000000000000000" pitchFamily="2" charset="2"/>
+              <a:buChar char="l"/>
+            </a:pPr>
+            <a:endParaRPr lang="zh-TW" altLang="en-US" sz="2200" b="1" dirty="0">
+              <a:latin typeface="微軟正黑體" pitchFamily="34" charset="-120"/>
+              <a:ea typeface="微軟正黑體" pitchFamily="34" charset="-120"/>
+            </a:endParaRPr>
+          </a:p>
+          <a:p>
+            <a:pPr marL="342900" indent="-342900">
+              <a:lnSpc>
+                <a:spcPts val="3600"/>
+              </a:lnSpc>
+              <a:spcBef>
+                <a:spcPts val="600"/>
+              </a:spcBef>
+              <a:spcAft>
+                <a:spcPts val="600"/>
+              </a:spcAft>
+              <a:buFont typeface="Wingdings" pitchFamily="2" charset="2"/>
+              <a:buChar char="Ø"/>
+            </a:pPr>
+            <a:r>
+              <a:rPr lang="zh-TW" altLang="en-US" sz="2200" b="1" dirty="0">
+                <a:solidFill>
+                  <a:srgbClr val="0070C0"/>
+                </a:solidFill>
+                <a:latin typeface="微軟正黑體" pitchFamily="34" charset="-120"/>
+                <a:ea typeface="微軟正黑體" pitchFamily="34" charset="-120"/>
+              </a:rPr>
+              <a:t>遊戲規則與目標</a:t>
+            </a:r>
+            <a:r>
+              <a:rPr lang="en-US" altLang="zh-TW" sz="2200" b="1" dirty="0">
+                <a:solidFill>
+                  <a:srgbClr val="0070C0"/>
+                </a:solidFill>
+                <a:latin typeface="微軟正黑體" pitchFamily="34" charset="-120"/>
+                <a:ea typeface="微軟正黑體" pitchFamily="34" charset="-120"/>
+              </a:rPr>
+              <a:t>:</a:t>
+            </a:r>
+          </a:p>
+          <a:p>
+            <a:pPr marL="342900" indent="-342900">
+              <a:lnSpc>
+                <a:spcPts val="3600"/>
+              </a:lnSpc>
+              <a:spcBef>
+                <a:spcPts val="600"/>
+              </a:spcBef>
+              <a:spcAft>
+                <a:spcPts val="600"/>
+              </a:spcAft>
+              <a:buClr>
+                <a:schemeClr val="accent1"/>
+              </a:buClr>
+              <a:buFont typeface="Wingdings" panose="05000000000000000000" pitchFamily="2" charset="2"/>
+              <a:buChar char="l"/>
+            </a:pPr>
+            <a:r>
+              <a:rPr lang="zh-TW" altLang="en-US" sz="2200" b="1" dirty="0">
+                <a:latin typeface="微軟正黑體" pitchFamily="34" charset="-120"/>
+                <a:ea typeface="微軟正黑體" pitchFamily="34" charset="-120"/>
+              </a:rPr>
+              <a:t>使用滑鼠控制主角</a:t>
+            </a:r>
+            <a:r>
+              <a:rPr lang="zh-TW" altLang="en-US" sz="2200" b="1" dirty="0" smtClean="0">
+                <a:latin typeface="微軟正黑體" pitchFamily="34" charset="-120"/>
+                <a:ea typeface="微軟正黑體" pitchFamily="34" charset="-120"/>
+              </a:rPr>
+              <a:t>，設法</a:t>
+            </a:r>
+            <a:r>
+              <a:rPr lang="zh-TW" altLang="en-US" sz="2200" b="1" dirty="0">
+                <a:latin typeface="微軟正黑體" pitchFamily="34" charset="-120"/>
+                <a:ea typeface="微軟正黑體" pitchFamily="34" charset="-120"/>
+              </a:rPr>
+              <a:t>在時間內將體重控制在標準值。</a:t>
+            </a:r>
+          </a:p>
+        </p:txBody>
+      </p:sp>
+      <p:pic>
+        <p:nvPicPr>
+          <p:cNvPr id="6" name="Picture 2" descr="D:\本地全端應用網站開發120D\大專\start_fitness\Eva\AI\FOOD.png"/>
+          <p:cNvPicPr>
+            <a:picLocks noChangeAspect="1" noChangeArrowheads="1"/>
+          </p:cNvPicPr>
+          <p:nvPr/>
+        </p:nvPicPr>
+        <p:blipFill>
+          <a:blip r:embed="rId2" cstate="print">
+            <a:extLst>
+              <a:ext uri="{28A0092B-C50C-407E-A947-70E740481C1C}">
+                <a14:useLocalDpi xmlns:a14="http://schemas.microsoft.com/office/drawing/2010/main" val="0"/>
+              </a:ext>
+            </a:extLst>
+          </a:blip>
+          <a:srcRect/>
+          <a:stretch>
+            <a:fillRect/>
+          </a:stretch>
+        </p:blipFill>
+        <p:spPr bwMode="auto">
+          <a:xfrm>
+            <a:off x="8697416" y="5786564"/>
+            <a:ext cx="864096" cy="639699"/>
+          </a:xfrm>
+          <a:prstGeom prst="rect">
+            <a:avLst/>
+          </a:prstGeom>
+          <a:noFill/>
+          <a:effectLst>
+            <a:outerShdw blurRad="76200" dir="18900000" sy="23000" kx="-1200000" algn="bl" rotWithShape="0">
+              <a:prstClr val="black">
+                <a:alpha val="20000"/>
+              </a:prstClr>
+            </a:outerShdw>
+          </a:effectLst>
+          <a:extLst>
+            <a:ext uri="{909E8E84-426E-40DD-AFC4-6F175D3DCCD1}">
+              <a14:hiddenFill xmlns:a14="http://schemas.microsoft.com/office/drawing/2010/main">
+                <a:solidFill>
+                  <a:srgbClr val="FFFFFF"/>
+                </a:solidFill>
+              </a14:hiddenFill>
+            </a:ext>
+          </a:extLst>
+        </p:spPr>
+      </p:pic>
+      <p:pic>
+        <p:nvPicPr>
+          <p:cNvPr id="7" name="Picture 3" descr="D:\本地全端應用網站開發120D\大專\start_fitness\Eva\AI\SP.png"/>
+          <p:cNvPicPr>
+            <a:picLocks noChangeAspect="1" noChangeArrowheads="1"/>
+          </p:cNvPicPr>
+          <p:nvPr/>
+        </p:nvPicPr>
+        <p:blipFill>
+          <a:blip r:embed="rId3" cstate="print">
+            <a:extLst>
+              <a:ext uri="{28A0092B-C50C-407E-A947-70E740481C1C}">
+                <a14:useLocalDpi xmlns:a14="http://schemas.microsoft.com/office/drawing/2010/main" val="0"/>
+              </a:ext>
+            </a:extLst>
+          </a:blip>
+          <a:srcRect/>
+          <a:stretch>
+            <a:fillRect/>
+          </a:stretch>
+        </p:blipFill>
+        <p:spPr bwMode="auto">
+          <a:xfrm>
+            <a:off x="200472" y="1096499"/>
+            <a:ext cx="874006" cy="688980"/>
+          </a:xfrm>
+          <a:prstGeom prst="rect">
+            <a:avLst/>
+          </a:prstGeom>
+          <a:noFill/>
+          <a:effectLst>
+            <a:outerShdw blurRad="76200" dir="13500000" sy="23000" kx="1200000" algn="br" rotWithShape="0">
+              <a:prstClr val="black">
+                <a:alpha val="20000"/>
+              </a:prstClr>
+            </a:outerShdw>
+          </a:effectLst>
+          <a:extLst>
+            <a:ext uri="{909E8E84-426E-40DD-AFC4-6F175D3DCCD1}">
+              <a14:hiddenFill xmlns:a14="http://schemas.microsoft.com/office/drawing/2010/main">
+                <a:solidFill>
+                  <a:srgbClr val="FFFFFF"/>
+                </a:solidFill>
+              </a14:hiddenFill>
+            </a:ext>
+          </a:extLst>
+        </p:spPr>
+      </p:pic>
+    </p:spTree>
+    <p:extLst>
+      <p:ext uri="{BB962C8B-B14F-4D97-AF65-F5344CB8AC3E}">
+        <p14:creationId xmlns:p14="http://schemas.microsoft.com/office/powerpoint/2010/main" val="1839018434"/>
+      </p:ext>
+    </p:extLst>
+  </p:cSld>
+  <p:clrMapOvr>
+    <a:masterClrMapping/>
+  </p:clrMapOvr>
+</p:sld>
+</file>
+
+<file path=ppt/slides/slide11.xml><?xml version="1.0" encoding="utf-8"?>
+<p:sld xmlns:a="http://schemas.openxmlformats.org/drawingml/2006/main" xmlns:r="http://schemas.openxmlformats.org/officeDocument/2006/relationships" xmlns:p="http://schemas.openxmlformats.org/presentationml/2006/main">
+  <p:cSld>
+    <p:spTree>
+      <p:nvGrpSpPr>
+        <p:cNvPr id="1" name=""/>
+        <p:cNvGrpSpPr/>
+        <p:nvPr/>
+      </p:nvGrpSpPr>
+      <p:grpSpPr>
+        <a:xfrm>
+          <a:off x="0" y="0"/>
+          <a:ext cx="0" cy="0"/>
+          <a:chOff x="0" y="0"/>
+          <a:chExt cx="0" cy="0"/>
+        </a:xfrm>
+      </p:grpSpPr>
+      <p:sp>
+        <p:nvSpPr>
+          <p:cNvPr id="7" name="矩形 6"/>
+          <p:cNvSpPr/>
+          <p:nvPr/>
+        </p:nvSpPr>
+        <p:spPr>
+          <a:xfrm>
+            <a:off x="0" y="1124744"/>
+            <a:ext cx="9906000" cy="5544616"/>
+          </a:xfrm>
+          <a:prstGeom prst="rect">
+            <a:avLst/>
+          </a:prstGeom>
+          <a:solidFill>
+            <a:schemeClr val="bg1"/>
+          </a:solidFill>
+          <a:ln>
+            <a:noFill/>
+          </a:ln>
+        </p:spPr>
+        <p:style>
+          <a:lnRef idx="1">
+            <a:schemeClr val="accent4"/>
+          </a:lnRef>
+          <a:fillRef idx="3">
+            <a:schemeClr val="accent4"/>
+          </a:fillRef>
+          <a:effectRef idx="2">
+            <a:schemeClr val="accent4"/>
+          </a:effectRef>
+          <a:fontRef idx="minor">
+            <a:schemeClr val="lt1"/>
+          </a:fontRef>
+        </p:style>
+        <p:txBody>
+          <a:bodyPr rtlCol="0" anchor="ctr"/>
+          <a:lstStyle/>
+          <a:p>
+            <a:pPr algn="ctr"/>
+            <a:endParaRPr lang="zh-TW" altLang="en-US"/>
+          </a:p>
+        </p:txBody>
+      </p:sp>
+      <p:sp>
+        <p:nvSpPr>
+          <p:cNvPr id="4" name="標題 3"/>
+          <p:cNvSpPr>
+            <a:spLocks noGrp="1"/>
+          </p:cNvSpPr>
+          <p:nvPr>
+            <p:ph type="title" idx="4294967295"/>
+          </p:nvPr>
+        </p:nvSpPr>
+        <p:spPr>
+          <a:xfrm>
+            <a:off x="632519" y="44624"/>
+            <a:ext cx="8658397" cy="908720"/>
+          </a:xfrm>
+          <a:prstGeom prst="rect">
+            <a:avLst/>
+          </a:prstGeom>
+        </p:spPr>
+        <p:txBody>
+          <a:bodyPr>
+            <a:noAutofit/>
+          </a:bodyPr>
+          <a:lstStyle/>
+          <a:p>
+            <a:r>
+              <a:rPr lang="zh-TW" altLang="en-US" sz="4000" dirty="0">
+                <a:effectLst>
+                  <a:innerShdw blurRad="63500" dist="50800" dir="18900000">
+                    <a:prstClr val="black">
+                      <a:alpha val="50000"/>
+                    </a:prstClr>
+                  </a:innerShdw>
+                </a:effectLst>
+              </a:rPr>
+              <a:t>飲食控制遊戲</a:t>
+            </a:r>
+          </a:p>
+        </p:txBody>
+      </p:sp>
+      <p:pic>
+        <p:nvPicPr>
+          <p:cNvPr id="5" name="圖片 4">
+            <a:extLst>
+              <a:ext uri="{FF2B5EF4-FFF2-40B4-BE49-F238E27FC236}">
+                <a16:creationId xmlns:a16="http://schemas.microsoft.com/office/drawing/2014/main" xmlns="" id="{E7331443-DBAE-A2E3-0286-03152B881B24}"/>
+              </a:ext>
+            </a:extLst>
+          </p:cNvPr>
+          <p:cNvPicPr>
+            <a:picLocks noChangeAspect="1"/>
+          </p:cNvPicPr>
+          <p:nvPr/>
+        </p:nvPicPr>
+        <p:blipFill rotWithShape="1">
+          <a:blip r:embed="rId2"/>
+          <a:srcRect t="12454" r="60020" b="16470"/>
+          <a:stretch/>
+        </p:blipFill>
+        <p:spPr>
+          <a:xfrm>
+            <a:off x="471760" y="2060848"/>
+            <a:ext cx="4386925" cy="4386953"/>
+          </a:xfrm>
+          <a:prstGeom prst="rect">
+            <a:avLst/>
+          </a:prstGeom>
+          <a:ln>
+            <a:noFill/>
+          </a:ln>
+          <a:effectLst>
+            <a:outerShdw blurRad="292100" dist="139700" dir="2700000" algn="tl" rotWithShape="0">
+              <a:srgbClr val="333333">
+                <a:alpha val="65000"/>
+              </a:srgbClr>
+            </a:outerShdw>
+          </a:effectLst>
+        </p:spPr>
+      </p:pic>
+      <p:pic>
+        <p:nvPicPr>
+          <p:cNvPr id="8" name="圖片 7">
+            <a:extLst>
+              <a:ext uri="{FF2B5EF4-FFF2-40B4-BE49-F238E27FC236}">
+                <a16:creationId xmlns:a16="http://schemas.microsoft.com/office/drawing/2014/main" xmlns="" id="{226A5204-FF6E-DA34-9EF3-81878BBA3398}"/>
+              </a:ext>
+            </a:extLst>
+          </p:cNvPr>
+          <p:cNvPicPr>
+            <a:picLocks noChangeAspect="1"/>
+          </p:cNvPicPr>
+          <p:nvPr/>
+        </p:nvPicPr>
+        <p:blipFill rotWithShape="1">
+          <a:blip r:embed="rId3"/>
+          <a:srcRect t="12525" r="60020" b="16400"/>
+          <a:stretch/>
+        </p:blipFill>
+        <p:spPr>
+          <a:xfrm>
+            <a:off x="5241032" y="2060847"/>
+            <a:ext cx="4386925" cy="4386891"/>
+          </a:xfrm>
+          <a:prstGeom prst="rect">
+            <a:avLst/>
+          </a:prstGeom>
+          <a:ln>
+            <a:noFill/>
+          </a:ln>
+          <a:effectLst>
+            <a:outerShdw blurRad="292100" dist="139700" dir="2700000" algn="tl" rotWithShape="0">
+              <a:srgbClr val="333333">
+                <a:alpha val="65000"/>
+              </a:srgbClr>
+            </a:outerShdw>
+          </a:effectLst>
+        </p:spPr>
+      </p:pic>
+      <p:sp>
+        <p:nvSpPr>
+          <p:cNvPr id="11" name="文字方塊 10">
+            <a:extLst>
+              <a:ext uri="{FF2B5EF4-FFF2-40B4-BE49-F238E27FC236}">
+                <a16:creationId xmlns:a16="http://schemas.microsoft.com/office/drawing/2014/main" xmlns="" id="{8269F421-1322-A4F0-303C-FA776DF35586}"/>
+              </a:ext>
+            </a:extLst>
+          </p:cNvPr>
+          <p:cNvSpPr txBox="1"/>
+          <p:nvPr/>
+        </p:nvSpPr>
+        <p:spPr>
+          <a:xfrm>
+            <a:off x="471761" y="1314346"/>
+            <a:ext cx="4386925" cy="523220"/>
+          </a:xfrm>
+          <a:prstGeom prst="rect">
+            <a:avLst/>
+          </a:prstGeom>
+          <a:noFill/>
+        </p:spPr>
+        <p:txBody>
+          <a:bodyPr wrap="square" rtlCol="0">
+            <a:spAutoFit/>
+          </a:bodyPr>
+          <a:lstStyle/>
+          <a:p>
+            <a:pPr algn="ctr"/>
+            <a:r>
+              <a:rPr lang="zh-TW" altLang="en-US" sz="2800" b="1" dirty="0">
+                <a:solidFill>
+                  <a:schemeClr val="accent3">
+                    <a:lumMod val="75000"/>
+                  </a:schemeClr>
+                </a:solidFill>
+              </a:rPr>
+              <a:t>體重不太妙</a:t>
+            </a:r>
+            <a:endParaRPr lang="en-US" altLang="zh-TW" sz="2800" b="1" dirty="0">
+              <a:solidFill>
+                <a:schemeClr val="accent3">
+                  <a:lumMod val="75000"/>
+                </a:schemeClr>
+              </a:solidFill>
+            </a:endParaRPr>
+          </a:p>
+        </p:txBody>
+      </p:sp>
+      <p:sp>
+        <p:nvSpPr>
+          <p:cNvPr id="13" name="文字方塊 12">
+            <a:extLst>
+              <a:ext uri="{FF2B5EF4-FFF2-40B4-BE49-F238E27FC236}">
+                <a16:creationId xmlns:a16="http://schemas.microsoft.com/office/drawing/2014/main" xmlns="" id="{A4B17DD7-00C5-BD0F-657A-EA8DA62C45B6}"/>
+              </a:ext>
+            </a:extLst>
+          </p:cNvPr>
+          <p:cNvSpPr txBox="1"/>
+          <p:nvPr/>
+        </p:nvSpPr>
+        <p:spPr>
+          <a:xfrm>
+            <a:off x="5136578" y="1314346"/>
+            <a:ext cx="4386925" cy="523220"/>
+          </a:xfrm>
+          <a:prstGeom prst="rect">
+            <a:avLst/>
+          </a:prstGeom>
+          <a:noFill/>
+        </p:spPr>
+        <p:txBody>
+          <a:bodyPr wrap="square" rtlCol="0">
+            <a:spAutoFit/>
+          </a:bodyPr>
+          <a:lstStyle/>
+          <a:p>
+            <a:pPr algn="ctr"/>
+            <a:r>
+              <a:rPr lang="zh-TW" altLang="en-US" sz="2800" b="1" dirty="0">
+                <a:solidFill>
+                  <a:srgbClr val="0070C0"/>
+                </a:solidFill>
+              </a:rPr>
+              <a:t>認真控制</a:t>
+            </a:r>
+            <a:endParaRPr lang="en-US" altLang="zh-TW" sz="2800" b="1" dirty="0">
+              <a:solidFill>
+                <a:srgbClr val="0070C0"/>
+              </a:solidFill>
+            </a:endParaRPr>
+          </a:p>
+        </p:txBody>
+      </p:sp>
+    </p:spTree>
+    <p:extLst>
+      <p:ext uri="{BB962C8B-B14F-4D97-AF65-F5344CB8AC3E}">
+        <p14:creationId xmlns:p14="http://schemas.microsoft.com/office/powerpoint/2010/main" val="1046952697"/>
+      </p:ext>
+    </p:extLst>
+  </p:cSld>
+  <p:clrMapOvr>
+    <a:masterClrMapping/>
+  </p:clrMapOvr>
+</p:sld>
+</file>
+
+<file path=ppt/slides/slide12.xml><?xml version="1.0" encoding="utf-8"?>
+<p:sld xmlns:a="http://schemas.openxmlformats.org/drawingml/2006/main" xmlns:r="http://schemas.openxmlformats.org/officeDocument/2006/relationships" xmlns:p="http://schemas.openxmlformats.org/presentationml/2006/main">
+  <p:cSld>
+    <p:spTree>
+      <p:nvGrpSpPr>
+        <p:cNvPr id="1" name=""/>
+        <p:cNvGrpSpPr/>
+        <p:nvPr/>
+      </p:nvGrpSpPr>
+      <p:grpSpPr>
+        <a:xfrm>
+          <a:off x="0" y="0"/>
+          <a:ext cx="0" cy="0"/>
+          <a:chOff x="0" y="0"/>
+          <a:chExt cx="0" cy="0"/>
+        </a:xfrm>
+      </p:grpSpPr>
+      <p:sp>
+        <p:nvSpPr>
+          <p:cNvPr id="11" name="矩形 10"/>
+          <p:cNvSpPr/>
+          <p:nvPr/>
+        </p:nvSpPr>
+        <p:spPr>
+          <a:xfrm>
+            <a:off x="0" y="1340768"/>
+            <a:ext cx="9906000" cy="5328592"/>
+          </a:xfrm>
+          <a:prstGeom prst="rect">
+            <a:avLst/>
+          </a:prstGeom>
+          <a:solidFill>
+            <a:schemeClr val="bg1"/>
+          </a:solidFill>
+          <a:ln>
+            <a:noFill/>
+          </a:ln>
+        </p:spPr>
+        <p:style>
+          <a:lnRef idx="1">
+            <a:schemeClr val="accent4"/>
+          </a:lnRef>
+          <a:fillRef idx="3">
+            <a:schemeClr val="accent4"/>
+          </a:fillRef>
+          <a:effectRef idx="2">
+            <a:schemeClr val="accent4"/>
+          </a:effectRef>
+          <a:fontRef idx="minor">
+            <a:schemeClr val="lt1"/>
+          </a:fontRef>
+        </p:style>
+        <p:txBody>
+          <a:bodyPr rtlCol="0" anchor="ctr"/>
+          <a:lstStyle/>
+          <a:p>
+            <a:pPr algn="ctr"/>
+            <a:endParaRPr lang="zh-TW" altLang="en-US"/>
+          </a:p>
+        </p:txBody>
+      </p:sp>
+      <p:sp>
+        <p:nvSpPr>
+          <p:cNvPr id="4" name="標題 3"/>
+          <p:cNvSpPr>
+            <a:spLocks noGrp="1"/>
+          </p:cNvSpPr>
+          <p:nvPr>
+            <p:ph type="title" idx="4294967295"/>
+          </p:nvPr>
+        </p:nvSpPr>
+        <p:spPr>
+          <a:xfrm>
+            <a:off x="632519" y="216024"/>
+            <a:ext cx="8658397" cy="908720"/>
+          </a:xfrm>
+          <a:prstGeom prst="rect">
+            <a:avLst/>
+          </a:prstGeom>
+        </p:spPr>
+        <p:txBody>
+          <a:bodyPr>
+            <a:noAutofit/>
+          </a:bodyPr>
+          <a:lstStyle/>
+          <a:p>
+            <a:r>
+              <a:rPr lang="zh-TW" altLang="en-US" sz="4000" dirty="0">
+                <a:effectLst>
+                  <a:innerShdw blurRad="63500" dist="50800" dir="18900000">
+                    <a:prstClr val="black">
+                      <a:alpha val="50000"/>
+                    </a:prstClr>
+                  </a:innerShdw>
+                </a:effectLst>
+              </a:rPr>
+              <a:t>後台管理</a:t>
+            </a:r>
+          </a:p>
+        </p:txBody>
+      </p:sp>
+      <p:sp>
+        <p:nvSpPr>
+          <p:cNvPr id="2" name="文字方塊 1">
+            <a:extLst>
+              <a:ext uri="{FF2B5EF4-FFF2-40B4-BE49-F238E27FC236}">
+                <a16:creationId xmlns:a16="http://schemas.microsoft.com/office/drawing/2014/main" xmlns="" id="{8DB7FFA7-816A-53CB-3132-C3F2C3746DD6}"/>
+              </a:ext>
+            </a:extLst>
+          </p:cNvPr>
+          <p:cNvSpPr txBox="1"/>
+          <p:nvPr/>
+        </p:nvSpPr>
+        <p:spPr>
+          <a:xfrm>
+            <a:off x="1093131" y="2420888"/>
+            <a:ext cx="7604285" cy="3170099"/>
+          </a:xfrm>
+          <a:prstGeom prst="rect">
+            <a:avLst/>
+          </a:prstGeom>
+          <a:noFill/>
+        </p:spPr>
+        <p:txBody>
+          <a:bodyPr wrap="square" rtlCol="0">
+            <a:spAutoFit/>
+          </a:bodyPr>
+          <a:lstStyle/>
+          <a:p>
+            <a:pPr marL="342900" indent="-342900">
+              <a:lnSpc>
+                <a:spcPts val="3600"/>
+              </a:lnSpc>
+              <a:spcBef>
+                <a:spcPts val="600"/>
+              </a:spcBef>
+              <a:spcAft>
+                <a:spcPts val="600"/>
+              </a:spcAft>
+              <a:buClr>
+                <a:schemeClr val="tx1"/>
+              </a:buClr>
+              <a:buFont typeface="Wingdings" pitchFamily="2" charset="2"/>
+              <a:buChar char="Ø"/>
+            </a:pPr>
+            <a:r>
+              <a:rPr lang="zh-TW" altLang="en-US" sz="2800" b="1" dirty="0">
+                <a:solidFill>
+                  <a:srgbClr val="EFB84B"/>
+                </a:solidFill>
+                <a:latin typeface="微軟正黑體" pitchFamily="34" charset="-120"/>
+                <a:ea typeface="微軟正黑體" pitchFamily="34" charset="-120"/>
+              </a:rPr>
+              <a:t>概念</a:t>
+            </a:r>
+            <a:r>
+              <a:rPr lang="en-US" altLang="zh-TW" sz="2800" b="1" dirty="0" smtClean="0">
+                <a:solidFill>
+                  <a:srgbClr val="EFB84B"/>
+                </a:solidFill>
+                <a:latin typeface="微軟正黑體" pitchFamily="34" charset="-120"/>
+                <a:ea typeface="微軟正黑體" pitchFamily="34" charset="-120"/>
+              </a:rPr>
+              <a:t>:</a:t>
+            </a:r>
+            <a:endParaRPr lang="en-US" altLang="zh-TW" sz="2800" b="1" dirty="0">
+              <a:solidFill>
+                <a:srgbClr val="EFB84B"/>
+              </a:solidFill>
+              <a:latin typeface="微軟正黑體" pitchFamily="34" charset="-120"/>
+              <a:ea typeface="微軟正黑體" pitchFamily="34" charset="-120"/>
+            </a:endParaRPr>
+          </a:p>
+          <a:p>
+            <a:pPr marL="342900" indent="-342900">
+              <a:lnSpc>
+                <a:spcPts val="3600"/>
+              </a:lnSpc>
+              <a:spcBef>
+                <a:spcPts val="600"/>
+              </a:spcBef>
+              <a:spcAft>
+                <a:spcPts val="600"/>
+              </a:spcAft>
+              <a:buClr>
+                <a:schemeClr val="accent1"/>
+              </a:buClr>
+              <a:buFont typeface="Wingdings" panose="05000000000000000000" pitchFamily="2" charset="2"/>
+              <a:buChar char="l"/>
+            </a:pPr>
+            <a:r>
+              <a:rPr lang="zh-TW" altLang="en-US" sz="2400" b="1" dirty="0">
+                <a:latin typeface="微軟正黑體" pitchFamily="34" charset="-120"/>
+                <a:ea typeface="微軟正黑體" pitchFamily="34" charset="-120"/>
+              </a:rPr>
+              <a:t>後台管理員可以透過網頁與程式介面去做新增、刪除、修改資料的動作，並立即在前台更新顯示</a:t>
+            </a:r>
+            <a:r>
+              <a:rPr lang="zh-TW" altLang="en-US" sz="2400" b="1" dirty="0" smtClean="0">
+                <a:latin typeface="微軟正黑體" pitchFamily="34" charset="-120"/>
+                <a:ea typeface="微軟正黑體" pitchFamily="34" charset="-120"/>
+              </a:rPr>
+              <a:t>。</a:t>
+            </a:r>
+            <a:r>
+              <a:rPr lang="en-US" altLang="zh-TW" sz="2400" b="1" dirty="0" smtClean="0">
+                <a:latin typeface="微軟正黑體" pitchFamily="34" charset="-120"/>
+                <a:ea typeface="微軟正黑體" pitchFamily="34" charset="-120"/>
+              </a:rPr>
+              <a:t/>
+            </a:r>
+            <a:br>
+              <a:rPr lang="en-US" altLang="zh-TW" sz="2400" b="1" dirty="0" smtClean="0">
+                <a:latin typeface="微軟正黑體" pitchFamily="34" charset="-120"/>
+                <a:ea typeface="微軟正黑體" pitchFamily="34" charset="-120"/>
+              </a:rPr>
+            </a:br>
+            <a:endParaRPr lang="zh-TW" altLang="en-US" sz="2400" b="1" dirty="0">
+              <a:latin typeface="微軟正黑體" pitchFamily="34" charset="-120"/>
+              <a:ea typeface="微軟正黑體" pitchFamily="34" charset="-120"/>
+            </a:endParaRPr>
+          </a:p>
+          <a:p>
+            <a:pPr marL="342900" indent="-342900">
+              <a:lnSpc>
+                <a:spcPts val="3600"/>
+              </a:lnSpc>
+              <a:spcBef>
+                <a:spcPts val="600"/>
+              </a:spcBef>
+              <a:spcAft>
+                <a:spcPts val="600"/>
+              </a:spcAft>
+              <a:buClr>
+                <a:schemeClr val="accent1"/>
+              </a:buClr>
+              <a:buFont typeface="Wingdings" panose="05000000000000000000" pitchFamily="2" charset="2"/>
+              <a:buChar char="l"/>
+            </a:pPr>
+            <a:r>
+              <a:rPr lang="zh-TW" altLang="en-US" sz="2400" b="1" dirty="0">
+                <a:latin typeface="微軟正黑體" pitchFamily="34" charset="-120"/>
+                <a:ea typeface="微軟正黑體" pitchFamily="34" charset="-120"/>
+              </a:rPr>
+              <a:t>那也由於管理員可以新增、刪除、修改資料，所以必須以帳號與密碼登入的動以防資料被竄改。</a:t>
+            </a:r>
+            <a:endParaRPr lang="en-US" altLang="zh-TW" sz="2400" b="1" dirty="0">
+              <a:latin typeface="微軟正黑體" pitchFamily="34" charset="-120"/>
+              <a:ea typeface="微軟正黑體" pitchFamily="34" charset="-120"/>
+            </a:endParaRPr>
+          </a:p>
+        </p:txBody>
+      </p:sp>
+      <p:pic>
+        <p:nvPicPr>
+          <p:cNvPr id="12" name="Picture 2" descr="D:\本地全端應用網站開發120D\大專\start_fitness\Eva\AI\FOOD.png"/>
+          <p:cNvPicPr>
+            <a:picLocks noChangeAspect="1" noChangeArrowheads="1"/>
+          </p:cNvPicPr>
+          <p:nvPr/>
+        </p:nvPicPr>
+        <p:blipFill>
+          <a:blip r:embed="rId2" cstate="print">
+            <a:extLst>
+              <a:ext uri="{28A0092B-C50C-407E-A947-70E740481C1C}">
+                <a14:useLocalDpi xmlns:a14="http://schemas.microsoft.com/office/drawing/2010/main" val="0"/>
+              </a:ext>
+            </a:extLst>
+          </a:blip>
+          <a:srcRect/>
+          <a:stretch>
+            <a:fillRect/>
+          </a:stretch>
+        </p:blipFill>
+        <p:spPr bwMode="auto">
+          <a:xfrm>
+            <a:off x="8697416" y="5786564"/>
+            <a:ext cx="864096" cy="639699"/>
+          </a:xfrm>
+          <a:prstGeom prst="rect">
+            <a:avLst/>
+          </a:prstGeom>
+          <a:noFill/>
+          <a:effectLst>
+            <a:outerShdw blurRad="76200" dir="18900000" sy="23000" kx="-1200000" algn="bl" rotWithShape="0">
+              <a:prstClr val="black">
+                <a:alpha val="20000"/>
+              </a:prstClr>
+            </a:outerShdw>
+          </a:effectLst>
+          <a:extLst>
+            <a:ext uri="{909E8E84-426E-40DD-AFC4-6F175D3DCCD1}">
+              <a14:hiddenFill xmlns:a14="http://schemas.microsoft.com/office/drawing/2010/main">
+                <a:solidFill>
+                  <a:srgbClr val="FFFFFF"/>
+                </a:solidFill>
+              </a14:hiddenFill>
+            </a:ext>
+          </a:extLst>
+        </p:spPr>
+      </p:pic>
+      <p:pic>
+        <p:nvPicPr>
+          <p:cNvPr id="13" name="Picture 3" descr="D:\本地全端應用網站開發120D\大專\start_fitness\Eva\AI\SP.png"/>
+          <p:cNvPicPr>
+            <a:picLocks noChangeAspect="1" noChangeArrowheads="1"/>
+          </p:cNvPicPr>
+          <p:nvPr/>
+        </p:nvPicPr>
+        <p:blipFill>
+          <a:blip r:embed="rId3" cstate="print">
+            <a:extLst>
+              <a:ext uri="{28A0092B-C50C-407E-A947-70E740481C1C}">
+                <a14:useLocalDpi xmlns:a14="http://schemas.microsoft.com/office/drawing/2010/main" val="0"/>
+              </a:ext>
+            </a:extLst>
+          </a:blip>
+          <a:srcRect/>
+          <a:stretch>
+            <a:fillRect/>
+          </a:stretch>
+        </p:blipFill>
+        <p:spPr bwMode="auto">
+          <a:xfrm>
+            <a:off x="200472" y="1443876"/>
+            <a:ext cx="874006" cy="688980"/>
+          </a:xfrm>
+          <a:prstGeom prst="rect">
+            <a:avLst/>
+          </a:prstGeom>
+          <a:noFill/>
+          <a:effectLst>
+            <a:outerShdw blurRad="76200" dir="13500000" sy="23000" kx="1200000" algn="br" rotWithShape="0">
+              <a:prstClr val="black">
+                <a:alpha val="20000"/>
+              </a:prstClr>
+            </a:outerShdw>
+          </a:effectLst>
+          <a:extLst>
+            <a:ext uri="{909E8E84-426E-40DD-AFC4-6F175D3DCCD1}">
+              <a14:hiddenFill xmlns:a14="http://schemas.microsoft.com/office/drawing/2010/main">
+                <a:solidFill>
+                  <a:srgbClr val="FFFFFF"/>
+                </a:solidFill>
+              </a14:hiddenFill>
+            </a:ext>
+          </a:extLst>
+        </p:spPr>
+      </p:pic>
+    </p:spTree>
+    <p:extLst>
+      <p:ext uri="{BB962C8B-B14F-4D97-AF65-F5344CB8AC3E}">
+        <p14:creationId xmlns:p14="http://schemas.microsoft.com/office/powerpoint/2010/main" val="999013838"/>
+      </p:ext>
+    </p:extLst>
+  </p:cSld>
+  <p:clrMapOvr>
+    <a:masterClrMapping/>
+  </p:clrMapOvr>
+</p:sld>
+</file>
+
+<file path=ppt/slides/slide13.xml><?xml version="1.0" encoding="utf-8"?>
+<p:sld xmlns:a="http://schemas.openxmlformats.org/drawingml/2006/main" xmlns:r="http://schemas.openxmlformats.org/officeDocument/2006/relationships" xmlns:p="http://schemas.openxmlformats.org/presentationml/2006/main">
+  <p:cSld>
+    <p:spTree>
+      <p:nvGrpSpPr>
+        <p:cNvPr id="1" name=""/>
+        <p:cNvGrpSpPr/>
+        <p:nvPr/>
+      </p:nvGrpSpPr>
+      <p:grpSpPr>
+        <a:xfrm>
+          <a:off x="0" y="0"/>
+          <a:ext cx="0" cy="0"/>
+          <a:chOff x="0" y="0"/>
+          <a:chExt cx="0" cy="0"/>
+        </a:xfrm>
+      </p:grpSpPr>
+      <p:pic>
+        <p:nvPicPr>
+          <p:cNvPr id="3" name="圖片 2">
+            <a:extLst>
+              <a:ext uri="{FF2B5EF4-FFF2-40B4-BE49-F238E27FC236}">
+                <a16:creationId xmlns:a16="http://schemas.microsoft.com/office/drawing/2014/main" xmlns="" id="{7D919923-6A10-1B44-2D76-E0F03F438689}"/>
+              </a:ext>
+            </a:extLst>
+          </p:cNvPr>
+          <p:cNvPicPr>
+            <a:picLocks noChangeAspect="1"/>
+          </p:cNvPicPr>
+          <p:nvPr/>
+        </p:nvPicPr>
+        <p:blipFill rotWithShape="1">
+          <a:blip r:embed="rId2"/>
+          <a:srcRect t="9488" b="7734"/>
+          <a:stretch/>
+        </p:blipFill>
+        <p:spPr>
+          <a:xfrm>
+            <a:off x="408742" y="1806699"/>
+            <a:ext cx="9144000" cy="4257676"/>
+          </a:xfrm>
+          <a:prstGeom prst="rect">
+            <a:avLst/>
+          </a:prstGeom>
+        </p:spPr>
+      </p:pic>
+      <p:sp>
+        <p:nvSpPr>
+          <p:cNvPr id="4" name="標題 3"/>
+          <p:cNvSpPr>
+            <a:spLocks noGrp="1"/>
+          </p:cNvSpPr>
+          <p:nvPr>
+            <p:ph type="title" idx="4294967295"/>
+          </p:nvPr>
+        </p:nvSpPr>
+        <p:spPr>
+          <a:xfrm>
+            <a:off x="632519" y="0"/>
+            <a:ext cx="8658397" cy="908720"/>
+          </a:xfrm>
+          <a:prstGeom prst="rect">
+            <a:avLst/>
+          </a:prstGeom>
+        </p:spPr>
+        <p:txBody>
+          <a:bodyPr>
+            <a:noAutofit/>
+          </a:bodyPr>
+          <a:lstStyle/>
+          <a:p>
+            <a:r>
+              <a:rPr lang="zh-TW" altLang="en-US" sz="4000" dirty="0">
+                <a:effectLst>
+                  <a:innerShdw blurRad="63500" dist="50800" dir="18900000">
+                    <a:prstClr val="black">
+                      <a:alpha val="50000"/>
+                    </a:prstClr>
+                  </a:innerShdw>
+                </a:effectLst>
+              </a:rPr>
+              <a:t>後台管理</a:t>
+            </a:r>
+          </a:p>
+        </p:txBody>
+      </p:sp>
+      <p:sp>
+        <p:nvSpPr>
+          <p:cNvPr id="6" name="文字方塊 5">
+            <a:extLst>
+              <a:ext uri="{FF2B5EF4-FFF2-40B4-BE49-F238E27FC236}">
+                <a16:creationId xmlns:a16="http://schemas.microsoft.com/office/drawing/2014/main" xmlns="" id="{EE2B4FEE-6F43-5A43-9C74-3764BCD26A1B}"/>
+              </a:ext>
+            </a:extLst>
+          </p:cNvPr>
+          <p:cNvSpPr txBox="1"/>
+          <p:nvPr/>
+        </p:nvSpPr>
+        <p:spPr>
+          <a:xfrm>
+            <a:off x="2815852" y="980728"/>
+            <a:ext cx="4386925" cy="523220"/>
+          </a:xfrm>
+          <a:prstGeom prst="rect">
+            <a:avLst/>
+          </a:prstGeom>
+          <a:noFill/>
+        </p:spPr>
+        <p:txBody>
+          <a:bodyPr wrap="square" rtlCol="0">
+            <a:spAutoFit/>
+          </a:bodyPr>
+          <a:lstStyle/>
+          <a:p>
+            <a:pPr algn="ctr"/>
+            <a:r>
+              <a:rPr lang="zh-TW" altLang="en-US" sz="2800" b="1" dirty="0">
+                <a:solidFill>
+                  <a:schemeClr val="accent4">
+                    <a:lumMod val="60000"/>
+                    <a:lumOff val="40000"/>
+                  </a:schemeClr>
+                </a:solidFill>
+              </a:rPr>
+              <a:t>登入畫面</a:t>
+            </a:r>
+            <a:endParaRPr lang="en-US" altLang="zh-TW" sz="2800" b="1" dirty="0">
+              <a:solidFill>
+                <a:schemeClr val="accent4">
+                  <a:lumMod val="60000"/>
+                  <a:lumOff val="40000"/>
+                </a:schemeClr>
+              </a:solidFill>
+            </a:endParaRPr>
+          </a:p>
+        </p:txBody>
+      </p:sp>
+    </p:spTree>
+    <p:extLst>
+      <p:ext uri="{BB962C8B-B14F-4D97-AF65-F5344CB8AC3E}">
+        <p14:creationId xmlns:p14="http://schemas.microsoft.com/office/powerpoint/2010/main" val="739672960"/>
+      </p:ext>
+    </p:extLst>
+  </p:cSld>
+  <p:clrMapOvr>
+    <a:masterClrMapping/>
+  </p:clrMapOvr>
+</p:sld>
+</file>
+
+<file path=ppt/slides/slide14.xml><?xml version="1.0" encoding="utf-8"?>
+<p:sld xmlns:a="http://schemas.openxmlformats.org/drawingml/2006/main" xmlns:r="http://schemas.openxmlformats.org/officeDocument/2006/relationships" xmlns:p="http://schemas.openxmlformats.org/presentationml/2006/main">
+  <p:cSld>
+    <p:spTree>
+      <p:nvGrpSpPr>
+        <p:cNvPr id="1" name=""/>
+        <p:cNvGrpSpPr/>
+        <p:nvPr/>
+      </p:nvGrpSpPr>
+      <p:grpSpPr>
+        <a:xfrm>
+          <a:off x="0" y="0"/>
+          <a:ext cx="0" cy="0"/>
+          <a:chOff x="0" y="0"/>
+          <a:chExt cx="0" cy="0"/>
+        </a:xfrm>
+      </p:grpSpPr>
+      <p:pic>
+        <p:nvPicPr>
+          <p:cNvPr id="3" name="圖片 2">
+            <a:extLst>
+              <a:ext uri="{FF2B5EF4-FFF2-40B4-BE49-F238E27FC236}">
+                <a16:creationId xmlns:a16="http://schemas.microsoft.com/office/drawing/2014/main" xmlns="" id="{930E92E3-0113-271B-EC36-2D764ABB3455}"/>
+              </a:ext>
+            </a:extLst>
+          </p:cNvPr>
+          <p:cNvPicPr>
+            <a:picLocks noChangeAspect="1"/>
+          </p:cNvPicPr>
+          <p:nvPr/>
+        </p:nvPicPr>
+        <p:blipFill rotWithShape="1">
+          <a:blip r:embed="rId2"/>
+          <a:srcRect t="7822" b="5224"/>
+          <a:stretch/>
+        </p:blipFill>
+        <p:spPr>
+          <a:xfrm>
+            <a:off x="488504" y="1571675"/>
+            <a:ext cx="9144000" cy="4472533"/>
+          </a:xfrm>
+          <a:prstGeom prst="rect">
+            <a:avLst/>
+          </a:prstGeom>
+        </p:spPr>
+      </p:pic>
+      <p:sp>
+        <p:nvSpPr>
+          <p:cNvPr id="4" name="標題 3"/>
+          <p:cNvSpPr>
+            <a:spLocks noGrp="1"/>
+          </p:cNvSpPr>
+          <p:nvPr>
+            <p:ph type="title" idx="4294967295"/>
+          </p:nvPr>
+        </p:nvSpPr>
+        <p:spPr>
+          <a:xfrm>
+            <a:off x="632519" y="0"/>
+            <a:ext cx="8658397" cy="908720"/>
+          </a:xfrm>
+          <a:prstGeom prst="rect">
+            <a:avLst/>
+          </a:prstGeom>
+        </p:spPr>
+        <p:txBody>
+          <a:bodyPr>
+            <a:noAutofit/>
+          </a:bodyPr>
+          <a:lstStyle/>
+          <a:p>
+            <a:r>
+              <a:rPr lang="zh-TW" altLang="en-US" sz="4000" dirty="0">
+                <a:effectLst>
+                  <a:innerShdw blurRad="63500" dist="50800" dir="18900000">
+                    <a:prstClr val="black">
+                      <a:alpha val="50000"/>
+                    </a:prstClr>
+                  </a:innerShdw>
+                </a:effectLst>
+              </a:rPr>
+              <a:t>後台管理</a:t>
+            </a:r>
+          </a:p>
+        </p:txBody>
+      </p:sp>
+      <p:sp>
+        <p:nvSpPr>
+          <p:cNvPr id="12" name="文字方塊 11">
+            <a:extLst>
+              <a:ext uri="{FF2B5EF4-FFF2-40B4-BE49-F238E27FC236}">
+                <a16:creationId xmlns:a16="http://schemas.microsoft.com/office/drawing/2014/main" xmlns="" id="{55FC979A-B2F4-251B-3024-815C1EADD3D6}"/>
+              </a:ext>
+            </a:extLst>
+          </p:cNvPr>
+          <p:cNvSpPr txBox="1"/>
+          <p:nvPr/>
+        </p:nvSpPr>
+        <p:spPr>
+          <a:xfrm>
+            <a:off x="2768253" y="908720"/>
+            <a:ext cx="4386925" cy="523220"/>
+          </a:xfrm>
+          <a:prstGeom prst="rect">
+            <a:avLst/>
+          </a:prstGeom>
+          <a:noFill/>
+        </p:spPr>
+        <p:txBody>
+          <a:bodyPr wrap="square" rtlCol="0">
+            <a:spAutoFit/>
+          </a:bodyPr>
+          <a:lstStyle/>
+          <a:p>
+            <a:pPr algn="ctr"/>
+            <a:r>
+              <a:rPr lang="zh-TW" altLang="en-US" sz="2800" b="1" dirty="0">
+                <a:solidFill>
+                  <a:schemeClr val="accent4">
+                    <a:lumMod val="60000"/>
+                    <a:lumOff val="40000"/>
+                  </a:schemeClr>
+                </a:solidFill>
+              </a:rPr>
+              <a:t>會員管理頁</a:t>
+            </a:r>
+            <a:endParaRPr lang="en-US" altLang="zh-TW" sz="2800" b="1" dirty="0">
+              <a:solidFill>
+                <a:schemeClr val="accent4">
+                  <a:lumMod val="60000"/>
+                  <a:lumOff val="40000"/>
+                </a:schemeClr>
+              </a:solidFill>
+            </a:endParaRPr>
+          </a:p>
+        </p:txBody>
+      </p:sp>
+    </p:spTree>
+    <p:extLst>
+      <p:ext uri="{BB962C8B-B14F-4D97-AF65-F5344CB8AC3E}">
+        <p14:creationId xmlns:p14="http://schemas.microsoft.com/office/powerpoint/2010/main" val="1346629452"/>
+      </p:ext>
+    </p:extLst>
+  </p:cSld>
+  <p:clrMapOvr>
+    <a:masterClrMapping/>
+  </p:clrMapOvr>
+</p:sld>
+</file>
+
+<file path=ppt/slides/slide15.xml><?xml version="1.0" encoding="utf-8"?>
+<p:sld xmlns:a="http://schemas.openxmlformats.org/drawingml/2006/main" xmlns:r="http://schemas.openxmlformats.org/officeDocument/2006/relationships" xmlns:p="http://schemas.openxmlformats.org/presentationml/2006/main">
+  <p:cSld>
+    <p:spTree>
+      <p:nvGrpSpPr>
+        <p:cNvPr id="1" name=""/>
+        <p:cNvGrpSpPr/>
+        <p:nvPr/>
+      </p:nvGrpSpPr>
+      <p:grpSpPr>
+        <a:xfrm>
+          <a:off x="0" y="0"/>
+          <a:ext cx="0" cy="0"/>
+          <a:chOff x="0" y="0"/>
+          <a:chExt cx="0" cy="0"/>
+        </a:xfrm>
+      </p:grpSpPr>
+      <p:pic>
+        <p:nvPicPr>
+          <p:cNvPr id="5" name="圖片 4">
+            <a:extLst>
+              <a:ext uri="{FF2B5EF4-FFF2-40B4-BE49-F238E27FC236}">
+                <a16:creationId xmlns:a16="http://schemas.microsoft.com/office/drawing/2014/main" xmlns="" id="{09CD50C8-562E-FD4D-214D-2C775C44646B}"/>
+              </a:ext>
+            </a:extLst>
+          </p:cNvPr>
+          <p:cNvPicPr>
+            <a:picLocks noChangeAspect="1"/>
+          </p:cNvPicPr>
+          <p:nvPr/>
+        </p:nvPicPr>
+        <p:blipFill rotWithShape="1">
+          <a:blip r:embed="rId2"/>
+          <a:srcRect t="7946" b="8562"/>
+          <a:stretch/>
+        </p:blipFill>
+        <p:spPr>
+          <a:xfrm>
+            <a:off x="392757" y="1556792"/>
+            <a:ext cx="9137915" cy="4291558"/>
+          </a:xfrm>
+          <a:prstGeom prst="rect">
+            <a:avLst/>
+          </a:prstGeom>
+        </p:spPr>
+      </p:pic>
+      <p:sp>
+        <p:nvSpPr>
+          <p:cNvPr id="4" name="標題 3"/>
+          <p:cNvSpPr>
+            <a:spLocks noGrp="1"/>
+          </p:cNvSpPr>
+          <p:nvPr>
+            <p:ph type="title" idx="4294967295"/>
+          </p:nvPr>
+        </p:nvSpPr>
+        <p:spPr>
+          <a:xfrm>
+            <a:off x="632519" y="0"/>
+            <a:ext cx="8658397" cy="908720"/>
+          </a:xfrm>
+          <a:prstGeom prst="rect">
+            <a:avLst/>
+          </a:prstGeom>
+        </p:spPr>
+        <p:txBody>
+          <a:bodyPr>
+            <a:noAutofit/>
+          </a:bodyPr>
+          <a:lstStyle/>
+          <a:p>
+            <a:r>
+              <a:rPr lang="zh-TW" altLang="en-US" sz="4000" dirty="0">
+                <a:effectLst>
+                  <a:innerShdw blurRad="63500" dist="50800" dir="18900000">
+                    <a:prstClr val="black">
+                      <a:alpha val="50000"/>
+                    </a:prstClr>
+                  </a:innerShdw>
+                </a:effectLst>
+              </a:rPr>
+              <a:t>後台管理</a:t>
+            </a:r>
+          </a:p>
+        </p:txBody>
+      </p:sp>
+      <p:sp>
+        <p:nvSpPr>
+          <p:cNvPr id="12" name="文字方塊 11">
+            <a:extLst>
+              <a:ext uri="{FF2B5EF4-FFF2-40B4-BE49-F238E27FC236}">
+                <a16:creationId xmlns:a16="http://schemas.microsoft.com/office/drawing/2014/main" xmlns="" id="{55FC979A-B2F4-251B-3024-815C1EADD3D6}"/>
+              </a:ext>
+            </a:extLst>
+          </p:cNvPr>
+          <p:cNvSpPr txBox="1"/>
+          <p:nvPr/>
+        </p:nvSpPr>
+        <p:spPr>
+          <a:xfrm>
+            <a:off x="2768253" y="908720"/>
+            <a:ext cx="4386925" cy="523220"/>
+          </a:xfrm>
+          <a:prstGeom prst="rect">
+            <a:avLst/>
+          </a:prstGeom>
+          <a:noFill/>
+        </p:spPr>
+        <p:txBody>
+          <a:bodyPr wrap="square" rtlCol="0">
+            <a:spAutoFit/>
+          </a:bodyPr>
+          <a:lstStyle/>
+          <a:p>
+            <a:pPr algn="ctr"/>
+            <a:r>
+              <a:rPr lang="zh-TW" altLang="en-US" sz="2800" dirty="0">
+                <a:solidFill>
+                  <a:schemeClr val="accent4">
+                    <a:lumMod val="60000"/>
+                    <a:lumOff val="40000"/>
+                  </a:schemeClr>
+                </a:solidFill>
+              </a:rPr>
+              <a:t>庫存管理頁</a:t>
+            </a:r>
+            <a:endParaRPr lang="en-US" altLang="zh-TW" sz="2800" dirty="0">
+              <a:solidFill>
+                <a:schemeClr val="accent4">
+                  <a:lumMod val="60000"/>
+                  <a:lumOff val="40000"/>
+                </a:schemeClr>
+              </a:solidFill>
+            </a:endParaRPr>
+          </a:p>
+        </p:txBody>
+      </p:sp>
+    </p:spTree>
+    <p:extLst>
+      <p:ext uri="{BB962C8B-B14F-4D97-AF65-F5344CB8AC3E}">
+        <p14:creationId xmlns:p14="http://schemas.microsoft.com/office/powerpoint/2010/main" val="320699771"/>
+      </p:ext>
+    </p:extLst>
+  </p:cSld>
+  <p:clrMapOvr>
+    <a:masterClrMapping/>
+  </p:clrMapOvr>
+</p:sld>
+</file>
+
+<file path=ppt/slides/slide16.xml><?xml version="1.0" encoding="utf-8"?>
+<p:sld xmlns:a="http://schemas.openxmlformats.org/drawingml/2006/main" xmlns:r="http://schemas.openxmlformats.org/officeDocument/2006/relationships" xmlns:p="http://schemas.openxmlformats.org/presentationml/2006/main">
+  <p:cSld>
+    <p:spTree>
+      <p:nvGrpSpPr>
+        <p:cNvPr id="1" name=""/>
+        <p:cNvGrpSpPr/>
+        <p:nvPr/>
+      </p:nvGrpSpPr>
+      <p:grpSpPr>
+        <a:xfrm>
+          <a:off x="0" y="0"/>
+          <a:ext cx="0" cy="0"/>
+          <a:chOff x="0" y="0"/>
+          <a:chExt cx="0" cy="0"/>
+        </a:xfrm>
+      </p:grpSpPr>
+      <p:sp>
+        <p:nvSpPr>
+          <p:cNvPr id="4" name="標題 3"/>
+          <p:cNvSpPr>
+            <a:spLocks noGrp="1"/>
+          </p:cNvSpPr>
+          <p:nvPr>
+            <p:ph type="title" idx="4294967295"/>
+          </p:nvPr>
+        </p:nvSpPr>
+        <p:spPr>
+          <a:xfrm>
+            <a:off x="632519" y="0"/>
+            <a:ext cx="8658397" cy="908720"/>
+          </a:xfrm>
+          <a:prstGeom prst="rect">
+            <a:avLst/>
+          </a:prstGeom>
+        </p:spPr>
+        <p:txBody>
+          <a:bodyPr>
+            <a:noAutofit/>
+          </a:bodyPr>
+          <a:lstStyle/>
+          <a:p>
+            <a:r>
+              <a:rPr lang="zh-TW" altLang="en-US" sz="4000" dirty="0">
+                <a:effectLst>
+                  <a:innerShdw blurRad="63500" dist="50800" dir="18900000">
+                    <a:prstClr val="black">
+                      <a:alpha val="50000"/>
+                    </a:prstClr>
+                  </a:innerShdw>
+                </a:effectLst>
+              </a:rPr>
+              <a:t>後台管理</a:t>
+            </a:r>
+          </a:p>
+        </p:txBody>
+      </p:sp>
+      <p:sp>
+        <p:nvSpPr>
+          <p:cNvPr id="12" name="文字方塊 11">
+            <a:extLst>
+              <a:ext uri="{FF2B5EF4-FFF2-40B4-BE49-F238E27FC236}">
+                <a16:creationId xmlns:a16="http://schemas.microsoft.com/office/drawing/2014/main" xmlns="" id="{55FC979A-B2F4-251B-3024-815C1EADD3D6}"/>
+              </a:ext>
+            </a:extLst>
+          </p:cNvPr>
+          <p:cNvSpPr txBox="1"/>
+          <p:nvPr/>
+        </p:nvSpPr>
+        <p:spPr>
+          <a:xfrm>
+            <a:off x="2768253" y="908720"/>
+            <a:ext cx="4386925" cy="523220"/>
+          </a:xfrm>
+          <a:prstGeom prst="rect">
+            <a:avLst/>
+          </a:prstGeom>
+          <a:noFill/>
+        </p:spPr>
+        <p:txBody>
+          <a:bodyPr wrap="square" rtlCol="0">
+            <a:spAutoFit/>
+          </a:bodyPr>
+          <a:lstStyle/>
+          <a:p>
+            <a:pPr algn="ctr"/>
+            <a:r>
+              <a:rPr lang="zh-TW" altLang="en-US" sz="2800" dirty="0">
+                <a:solidFill>
+                  <a:schemeClr val="accent4">
+                    <a:lumMod val="60000"/>
+                    <a:lumOff val="40000"/>
+                  </a:schemeClr>
+                </a:solidFill>
+              </a:rPr>
+              <a:t>登出畫面</a:t>
+            </a:r>
+            <a:endParaRPr lang="en-US" altLang="zh-TW" sz="2800" dirty="0">
+              <a:solidFill>
+                <a:schemeClr val="accent4">
+                  <a:lumMod val="60000"/>
+                  <a:lumOff val="40000"/>
+                </a:schemeClr>
+              </a:solidFill>
+            </a:endParaRPr>
+          </a:p>
+        </p:txBody>
+      </p:sp>
+      <p:pic>
+        <p:nvPicPr>
+          <p:cNvPr id="3" name="圖片 2">
+            <a:extLst>
+              <a:ext uri="{FF2B5EF4-FFF2-40B4-BE49-F238E27FC236}">
+                <a16:creationId xmlns:a16="http://schemas.microsoft.com/office/drawing/2014/main" xmlns="" id="{E07BBFB9-AE43-3CB8-D5DC-C4598DBAF173}"/>
+              </a:ext>
+            </a:extLst>
+          </p:cNvPr>
+          <p:cNvPicPr>
+            <a:picLocks noChangeAspect="1"/>
+          </p:cNvPicPr>
+          <p:nvPr/>
+        </p:nvPicPr>
+        <p:blipFill rotWithShape="1">
+          <a:blip r:embed="rId2"/>
+          <a:srcRect t="4118" b="5141"/>
+          <a:stretch/>
+        </p:blipFill>
+        <p:spPr>
+          <a:xfrm>
+            <a:off x="389715" y="1552574"/>
+            <a:ext cx="9144000" cy="4667251"/>
+          </a:xfrm>
+          <a:prstGeom prst="rect">
+            <a:avLst/>
+          </a:prstGeom>
+        </p:spPr>
+      </p:pic>
+    </p:spTree>
+    <p:extLst>
+      <p:ext uri="{BB962C8B-B14F-4D97-AF65-F5344CB8AC3E}">
+        <p14:creationId xmlns:p14="http://schemas.microsoft.com/office/powerpoint/2010/main" val="1497463313"/>
+      </p:ext>
+    </p:extLst>
+  </p:cSld>
+  <p:clrMapOvr>
+    <a:masterClrMapping/>
+  </p:clrMapOvr>
+</p:sld>
+</file>
+
+<file path=ppt/slides/slide17.xml><?xml version="1.0" encoding="utf-8"?>
 <p:sld xmlns:a="http://schemas.openxmlformats.org/drawingml/2006/main" xmlns:r="http://schemas.openxmlformats.org/officeDocument/2006/relationships" xmlns:p="http://schemas.openxmlformats.org/presentationml/2006/main">
   <p:cSld>
     <p:spTree>
@@ -9686,66 +11364,6 @@
               <a:buChar char="l"/>
             </a:pPr>
             <a:r>
-              <a:rPr lang="en-US" altLang="zh-TW" dirty="0" smtClean="0">
-                <a:solidFill>
-                  <a:schemeClr val="tx1"/>
-                </a:solidFill>
-              </a:rPr>
-              <a:t>1.</a:t>
-            </a:r>
-            <a:r>
-              <a:rPr lang="zh-TW" altLang="en-US" dirty="0" smtClean="0">
-                <a:solidFill>
-                  <a:schemeClr val="tx1"/>
-                </a:solidFill>
-              </a:rPr>
-              <a:t>年紀</a:t>
-            </a:r>
-            <a:endParaRPr lang="en-US" altLang="zh-TW" dirty="0" smtClean="0">
-              <a:solidFill>
-                <a:schemeClr val="tx1"/>
-              </a:solidFill>
-            </a:endParaRPr>
-          </a:p>
-          <a:p>
-            <a:pPr>
-              <a:lnSpc>
-                <a:spcPts val="3600"/>
-              </a:lnSpc>
-              <a:buFont typeface="Wingdings" panose="05000000000000000000" pitchFamily="2" charset="2"/>
-              <a:buChar char="l"/>
-            </a:pPr>
-            <a:r>
-              <a:rPr lang="en-US" altLang="zh-TW" dirty="0" smtClean="0">
-                <a:solidFill>
-                  <a:schemeClr val="tx1"/>
-                </a:solidFill>
-              </a:rPr>
-              <a:t>2.</a:t>
-            </a:r>
-            <a:r>
-              <a:rPr lang="zh-TW" altLang="en-US" dirty="0" smtClean="0">
-                <a:solidFill>
-                  <a:schemeClr val="tx1"/>
-                </a:solidFill>
-              </a:rPr>
-              <a:t>工作</a:t>
-            </a:r>
-            <a:endParaRPr lang="en-US" altLang="zh-TW" dirty="0" smtClean="0">
-              <a:solidFill>
-                <a:schemeClr val="tx1"/>
-              </a:solidFill>
-            </a:endParaRPr>
-          </a:p>
-          <a:p>
-            <a:pPr>
-              <a:lnSpc>
-                <a:spcPts val="3600"/>
-              </a:lnSpc>
-              <a:buFont typeface="Wingdings" panose="05000000000000000000" pitchFamily="2" charset="2"/>
-              <a:buChar char="l"/>
-            </a:pPr>
-            <a:r>
               <a:rPr lang="zh-TW" altLang="en-US" dirty="0" smtClean="0">
                 <a:solidFill>
                   <a:schemeClr val="tx1"/>
@@ -11561,7 +13179,7 @@
           <p:cNvPr id="3076" name="Picture 4">
             <a:extLst>
               <a:ext uri="{FF2B5EF4-FFF2-40B4-BE49-F238E27FC236}">
-                <a16:creationId xmlns:a16="http://schemas.microsoft.com/office/drawing/2014/main" xmlns="" id="{87E02326-0A66-F416-E27F-CCC25B44BF95}"/>
+                <a16:creationId xmlns="" xmlns:a16="http://schemas.microsoft.com/office/drawing/2014/main" id="{87E02326-0A66-F416-E27F-CCC25B44BF95}"/>
               </a:ext>
             </a:extLst>
           </p:cNvPr>
@@ -11608,7 +13226,7 @@
           <p:cNvPr id="7" name="矩形 6">
             <a:extLst>
               <a:ext uri="{FF2B5EF4-FFF2-40B4-BE49-F238E27FC236}">
-                <a16:creationId xmlns:a16="http://schemas.microsoft.com/office/drawing/2014/main" xmlns="" id="{5AA8709B-146C-1E0E-7948-190E737CA1E9}"/>
+                <a16:creationId xmlns="" xmlns:a16="http://schemas.microsoft.com/office/drawing/2014/main" id="{5AA8709B-146C-1E0E-7948-190E737CA1E9}"/>
               </a:ext>
             </a:extLst>
           </p:cNvPr>
@@ -11660,7 +13278,7 @@
           <p:cNvPr id="10" name="圖片 9">
             <a:extLst>
               <a:ext uri="{FF2B5EF4-FFF2-40B4-BE49-F238E27FC236}">
-                <a16:creationId xmlns:a16="http://schemas.microsoft.com/office/drawing/2014/main" xmlns="" id="{EF7A52C7-DE76-3F6C-64E6-4D83019BB8EB}"/>
+                <a16:creationId xmlns="" xmlns:a16="http://schemas.microsoft.com/office/drawing/2014/main" id="{EF7A52C7-DE76-3F6C-64E6-4D83019BB8EB}"/>
               </a:ext>
             </a:extLst>
           </p:cNvPr>
@@ -11696,7 +13314,7 @@
           <p:cNvPr id="2" name="文字方塊 1">
             <a:extLst>
               <a:ext uri="{FF2B5EF4-FFF2-40B4-BE49-F238E27FC236}">
-                <a16:creationId xmlns:a16="http://schemas.microsoft.com/office/drawing/2014/main" xmlns="" id="{8DB7FFA7-816A-53CB-3132-C3F2C3746DD6}"/>
+                <a16:creationId xmlns="" xmlns:a16="http://schemas.microsoft.com/office/drawing/2014/main" id="{8DB7FFA7-816A-53CB-3132-C3F2C3746DD6}"/>
               </a:ext>
             </a:extLst>
           </p:cNvPr>
@@ -12142,7 +13760,7 @@
   <a:extraClrSchemeLst/>
   <a:extLst>
     <a:ext uri="{05A4C25C-085E-4340-85A3-A5531E510DB2}">
-      <thm15:themeFamily xmlns:thm15="http://schemas.microsoft.com/office/thememl/2012/main" xmlns="" name="資策會2021簡報範本_dark.potx" id="{81C76F81-1671-4B56-BD0F-02ECACBEA1CD}" vid="{64F81388-CB1B-4503-9A85-CB10ADCB8F38}"/>
+      <thm15:themeFamily xmlns="" xmlns:thm15="http://schemas.microsoft.com/office/thememl/2012/main" name="資策會2021簡報範本_dark.potx" id="{81C76F81-1671-4B56-BD0F-02ECACBEA1CD}" vid="{64F81388-CB1B-4503-9A85-CB10ADCB8F38}"/>
     </a:ext>
   </a:extLst>
 </a:theme>
